--- a/doc/designDoc.pptx
+++ b/doc/designDoc.pptx
@@ -6,6 +6,7 @@
   </p:sldMasterIdLst>
   <p:sldIdLst>
     <p:sldId id="256" r:id="rId2"/>
+    <p:sldId id="257" r:id="rId3"/>
   </p:sldIdLst>
   <p:sldSz cx="12192000" cy="6858000"/>
   <p:notesSz cx="6858000" cy="9144000"/>
@@ -104,6 +105,11 @@
       </a:defRPr>
     </a:lvl9pPr>
   </p:defaultTextStyle>
+  <p:extLst>
+    <p:ext uri="{EFAFB233-063F-42B5-8137-9DF3F51BA10A}">
+      <p15:sldGuideLst xmlns:p15="http://schemas.microsoft.com/office/powerpoint/2012/main"/>
+    </p:ext>
+  </p:extLst>
 </p:presentation>
 </file>
 
@@ -256,7 +262,7 @@
           <a:p>
             <a:fld id="{CD7A883B-9441-489A-A520-EE2895922BEC}" type="datetimeFigureOut">
               <a:rPr lang="en-SG" smtClean="0"/>
-              <a:t>12/10/2022</a:t>
+              <a:t>13/10/2022</a:t>
             </a:fld>
             <a:endParaRPr lang="en-SG"/>
           </a:p>
@@ -456,7 +462,7 @@
           <a:p>
             <a:fld id="{CD7A883B-9441-489A-A520-EE2895922BEC}" type="datetimeFigureOut">
               <a:rPr lang="en-SG" smtClean="0"/>
-              <a:t>12/10/2022</a:t>
+              <a:t>13/10/2022</a:t>
             </a:fld>
             <a:endParaRPr lang="en-SG"/>
           </a:p>
@@ -666,7 +672,7 @@
           <a:p>
             <a:fld id="{CD7A883B-9441-489A-A520-EE2895922BEC}" type="datetimeFigureOut">
               <a:rPr lang="en-SG" smtClean="0"/>
-              <a:t>12/10/2022</a:t>
+              <a:t>13/10/2022</a:t>
             </a:fld>
             <a:endParaRPr lang="en-SG"/>
           </a:p>
@@ -866,7 +872,7 @@
           <a:p>
             <a:fld id="{CD7A883B-9441-489A-A520-EE2895922BEC}" type="datetimeFigureOut">
               <a:rPr lang="en-SG" smtClean="0"/>
-              <a:t>12/10/2022</a:t>
+              <a:t>13/10/2022</a:t>
             </a:fld>
             <a:endParaRPr lang="en-SG"/>
           </a:p>
@@ -1142,7 +1148,7 @@
           <a:p>
             <a:fld id="{CD7A883B-9441-489A-A520-EE2895922BEC}" type="datetimeFigureOut">
               <a:rPr lang="en-SG" smtClean="0"/>
-              <a:t>12/10/2022</a:t>
+              <a:t>13/10/2022</a:t>
             </a:fld>
             <a:endParaRPr lang="en-SG"/>
           </a:p>
@@ -1410,7 +1416,7 @@
           <a:p>
             <a:fld id="{CD7A883B-9441-489A-A520-EE2895922BEC}" type="datetimeFigureOut">
               <a:rPr lang="en-SG" smtClean="0"/>
-              <a:t>12/10/2022</a:t>
+              <a:t>13/10/2022</a:t>
             </a:fld>
             <a:endParaRPr lang="en-SG"/>
           </a:p>
@@ -1825,7 +1831,7 @@
           <a:p>
             <a:fld id="{CD7A883B-9441-489A-A520-EE2895922BEC}" type="datetimeFigureOut">
               <a:rPr lang="en-SG" smtClean="0"/>
-              <a:t>12/10/2022</a:t>
+              <a:t>13/10/2022</a:t>
             </a:fld>
             <a:endParaRPr lang="en-SG"/>
           </a:p>
@@ -1967,7 +1973,7 @@
           <a:p>
             <a:fld id="{CD7A883B-9441-489A-A520-EE2895922BEC}" type="datetimeFigureOut">
               <a:rPr lang="en-SG" smtClean="0"/>
-              <a:t>12/10/2022</a:t>
+              <a:t>13/10/2022</a:t>
             </a:fld>
             <a:endParaRPr lang="en-SG"/>
           </a:p>
@@ -2080,7 +2086,7 @@
           <a:p>
             <a:fld id="{CD7A883B-9441-489A-A520-EE2895922BEC}" type="datetimeFigureOut">
               <a:rPr lang="en-SG" smtClean="0"/>
-              <a:t>12/10/2022</a:t>
+              <a:t>13/10/2022</a:t>
             </a:fld>
             <a:endParaRPr lang="en-SG"/>
           </a:p>
@@ -2393,7 +2399,7 @@
           <a:p>
             <a:fld id="{CD7A883B-9441-489A-A520-EE2895922BEC}" type="datetimeFigureOut">
               <a:rPr lang="en-SG" smtClean="0"/>
-              <a:t>12/10/2022</a:t>
+              <a:t>13/10/2022</a:t>
             </a:fld>
             <a:endParaRPr lang="en-SG"/>
           </a:p>
@@ -2682,7 +2688,7 @@
           <a:p>
             <a:fld id="{CD7A883B-9441-489A-A520-EE2895922BEC}" type="datetimeFigureOut">
               <a:rPr lang="en-SG" smtClean="0"/>
-              <a:t>12/10/2022</a:t>
+              <a:t>13/10/2022</a:t>
             </a:fld>
             <a:endParaRPr lang="en-SG"/>
           </a:p>
@@ -2925,7 +2931,7 @@
           <a:p>
             <a:fld id="{CD7A883B-9441-489A-A520-EE2895922BEC}" type="datetimeFigureOut">
               <a:rPr lang="en-SG" smtClean="0"/>
-              <a:t>12/10/2022</a:t>
+              <a:t>13/10/2022</a:t>
             </a:fld>
             <a:endParaRPr lang="en-SG"/>
           </a:p>
@@ -5616,6 +5622,2078 @@
 </p:sld>
 </file>
 
+<file path=ppt/slides/slide2.xml><?xml version="1.0" encoding="utf-8"?>
+<p:sld xmlns:a="http://schemas.openxmlformats.org/drawingml/2006/main" xmlns:r="http://schemas.openxmlformats.org/officeDocument/2006/relationships" xmlns:p="http://schemas.openxmlformats.org/presentationml/2006/main">
+  <p:cSld>
+    <p:spTree>
+      <p:nvGrpSpPr>
+        <p:cNvPr id="1" name=""/>
+        <p:cNvGrpSpPr/>
+        <p:nvPr/>
+      </p:nvGrpSpPr>
+      <p:grpSpPr>
+        <a:xfrm>
+          <a:off x="0" y="0"/>
+          <a:ext cx="0" cy="0"/>
+          <a:chOff x="0" y="0"/>
+          <a:chExt cx="0" cy="0"/>
+        </a:xfrm>
+      </p:grpSpPr>
+      <p:sp>
+        <p:nvSpPr>
+          <p:cNvPr id="4" name="Cloud 3">
+            <a:extLst>
+              <a:ext uri="{FF2B5EF4-FFF2-40B4-BE49-F238E27FC236}">
+                <a16:creationId xmlns:a16="http://schemas.microsoft.com/office/drawing/2014/main" id="{A86A282D-0844-14F4-9F79-27E4D2A9FB24}"/>
+              </a:ext>
+            </a:extLst>
+          </p:cNvPr>
+          <p:cNvSpPr/>
+          <p:nvPr/>
+        </p:nvSpPr>
+        <p:spPr>
+          <a:xfrm>
+            <a:off x="650065" y="725800"/>
+            <a:ext cx="3389971" cy="2185639"/>
+          </a:xfrm>
+          <a:prstGeom prst="cloud">
+            <a:avLst/>
+          </a:prstGeom>
+          <a:solidFill>
+            <a:schemeClr val="bg1">
+              <a:lumMod val="95000"/>
+            </a:schemeClr>
+          </a:solidFill>
+          <a:ln>
+            <a:solidFill>
+              <a:schemeClr val="accent1">
+                <a:lumMod val="75000"/>
+              </a:schemeClr>
+            </a:solidFill>
+          </a:ln>
+        </p:spPr>
+        <p:style>
+          <a:lnRef idx="2">
+            <a:schemeClr val="accent1">
+              <a:shade val="50000"/>
+            </a:schemeClr>
+          </a:lnRef>
+          <a:fillRef idx="1">
+            <a:schemeClr val="accent1"/>
+          </a:fillRef>
+          <a:effectRef idx="0">
+            <a:schemeClr val="accent1"/>
+          </a:effectRef>
+          <a:fontRef idx="minor">
+            <a:schemeClr val="lt1"/>
+          </a:fontRef>
+        </p:style>
+        <p:txBody>
+          <a:bodyPr rtlCol="0" anchor="ctr"/>
+          <a:lstStyle/>
+          <a:p>
+            <a:pPr algn="ctr"/>
+            <a:endParaRPr lang="en-SG" dirty="0"/>
+          </a:p>
+        </p:txBody>
+      </p:sp>
+      <p:pic>
+        <p:nvPicPr>
+          <p:cNvPr id="5" name="Picture 22" descr="Download Free Icons Png - Rack Server Icon Png PNG Image with No Background  - PNGkey.com">
+            <a:extLst>
+              <a:ext uri="{FF2B5EF4-FFF2-40B4-BE49-F238E27FC236}">
+                <a16:creationId xmlns:a16="http://schemas.microsoft.com/office/drawing/2014/main" id="{3743C197-DC24-A0D6-1B32-D76F545E503A}"/>
+              </a:ext>
+            </a:extLst>
+          </p:cNvPr>
+          <p:cNvPicPr>
+            <a:picLocks noChangeAspect="1" noChangeArrowheads="1"/>
+          </p:cNvPicPr>
+          <p:nvPr/>
+        </p:nvPicPr>
+        <p:blipFill>
+          <a:blip r:embed="rId2">
+            <a:extLst>
+              <a:ext uri="{28A0092B-C50C-407E-A947-70E740481C1C}">
+                <a14:useLocalDpi xmlns:a14="http://schemas.microsoft.com/office/drawing/2010/main" val="0"/>
+              </a:ext>
+            </a:extLst>
+          </a:blip>
+          <a:srcRect/>
+          <a:stretch>
+            <a:fillRect/>
+          </a:stretch>
+        </p:blipFill>
+        <p:spPr bwMode="auto">
+          <a:xfrm>
+            <a:off x="1234482" y="1367663"/>
+            <a:ext cx="444385" cy="506713"/>
+          </a:xfrm>
+          <a:prstGeom prst="rect">
+            <a:avLst/>
+          </a:prstGeom>
+          <a:noFill/>
+          <a:extLst>
+            <a:ext uri="{909E8E84-426E-40DD-AFC4-6F175D3DCCD1}">
+              <a14:hiddenFill xmlns:a14="http://schemas.microsoft.com/office/drawing/2010/main">
+                <a:solidFill>
+                  <a:srgbClr val="FFFFFF"/>
+                </a:solidFill>
+              </a14:hiddenFill>
+            </a:ext>
+          </a:extLst>
+        </p:spPr>
+      </p:pic>
+      <p:pic>
+        <p:nvPicPr>
+          <p:cNvPr id="6" name="Picture 5">
+            <a:extLst>
+              <a:ext uri="{FF2B5EF4-FFF2-40B4-BE49-F238E27FC236}">
+                <a16:creationId xmlns:a16="http://schemas.microsoft.com/office/drawing/2014/main" id="{1E6147F1-F99C-AF63-57CA-DBC66576D12F}"/>
+              </a:ext>
+            </a:extLst>
+          </p:cNvPr>
+          <p:cNvPicPr>
+            <a:picLocks noChangeAspect="1"/>
+          </p:cNvPicPr>
+          <p:nvPr/>
+        </p:nvPicPr>
+        <p:blipFill>
+          <a:blip r:embed="rId3"/>
+          <a:stretch>
+            <a:fillRect/>
+          </a:stretch>
+        </p:blipFill>
+        <p:spPr>
+          <a:xfrm>
+            <a:off x="2483261" y="1874376"/>
+            <a:ext cx="752381" cy="585715"/>
+          </a:xfrm>
+          <a:prstGeom prst="rect">
+            <a:avLst/>
+          </a:prstGeom>
+        </p:spPr>
+      </p:pic>
+      <p:pic>
+        <p:nvPicPr>
+          <p:cNvPr id="7" name="Picture 6">
+            <a:extLst>
+              <a:ext uri="{FF2B5EF4-FFF2-40B4-BE49-F238E27FC236}">
+                <a16:creationId xmlns:a16="http://schemas.microsoft.com/office/drawing/2014/main" id="{A99378F3-B318-23B5-CBF9-54B48BEE52B4}"/>
+              </a:ext>
+            </a:extLst>
+          </p:cNvPr>
+          <p:cNvPicPr>
+            <a:picLocks noChangeAspect="1"/>
+          </p:cNvPicPr>
+          <p:nvPr/>
+        </p:nvPicPr>
+        <p:blipFill>
+          <a:blip r:embed="rId4"/>
+          <a:stretch>
+            <a:fillRect/>
+          </a:stretch>
+        </p:blipFill>
+        <p:spPr>
+          <a:xfrm>
+            <a:off x="2622305" y="1984353"/>
+            <a:ext cx="370663" cy="370663"/>
+          </a:xfrm>
+          <a:prstGeom prst="rect">
+            <a:avLst/>
+          </a:prstGeom>
+          <a:ln w="12700">
+            <a:solidFill>
+              <a:schemeClr val="tx1"/>
+            </a:solidFill>
+          </a:ln>
+        </p:spPr>
+      </p:pic>
+      <p:pic>
+        <p:nvPicPr>
+          <p:cNvPr id="8" name="Picture 22" descr="Download Free Icons Png - Rack Server Icon Png PNG Image with No Background  - PNGkey.com">
+            <a:extLst>
+              <a:ext uri="{FF2B5EF4-FFF2-40B4-BE49-F238E27FC236}">
+                <a16:creationId xmlns:a16="http://schemas.microsoft.com/office/drawing/2014/main" id="{9E8A9C88-D29A-9213-FF2A-FAB9B0CBABBD}"/>
+              </a:ext>
+            </a:extLst>
+          </p:cNvPr>
+          <p:cNvPicPr>
+            <a:picLocks noChangeAspect="1" noChangeArrowheads="1"/>
+          </p:cNvPicPr>
+          <p:nvPr/>
+        </p:nvPicPr>
+        <p:blipFill>
+          <a:blip r:embed="rId2">
+            <a:extLst>
+              <a:ext uri="{28A0092B-C50C-407E-A947-70E740481C1C}">
+                <a14:useLocalDpi xmlns:a14="http://schemas.microsoft.com/office/drawing/2010/main" val="0"/>
+              </a:ext>
+            </a:extLst>
+          </a:blip>
+          <a:srcRect/>
+          <a:stretch>
+            <a:fillRect/>
+          </a:stretch>
+        </p:blipFill>
+        <p:spPr bwMode="auto">
+          <a:xfrm>
+            <a:off x="2041091" y="1114306"/>
+            <a:ext cx="444385" cy="506713"/>
+          </a:xfrm>
+          <a:prstGeom prst="rect">
+            <a:avLst/>
+          </a:prstGeom>
+          <a:noFill/>
+          <a:extLst>
+            <a:ext uri="{909E8E84-426E-40DD-AFC4-6F175D3DCCD1}">
+              <a14:hiddenFill xmlns:a14="http://schemas.microsoft.com/office/drawing/2010/main">
+                <a:solidFill>
+                  <a:srgbClr val="FFFFFF"/>
+                </a:solidFill>
+              </a14:hiddenFill>
+            </a:ext>
+          </a:extLst>
+        </p:spPr>
+      </p:pic>
+      <p:pic>
+        <p:nvPicPr>
+          <p:cNvPr id="9" name="Picture 8">
+            <a:extLst>
+              <a:ext uri="{FF2B5EF4-FFF2-40B4-BE49-F238E27FC236}">
+                <a16:creationId xmlns:a16="http://schemas.microsoft.com/office/drawing/2014/main" id="{C9EC6789-BFD7-6F83-42B3-22CFF68D2EA1}"/>
+              </a:ext>
+            </a:extLst>
+          </p:cNvPr>
+          <p:cNvPicPr>
+            <a:picLocks noChangeAspect="1"/>
+          </p:cNvPicPr>
+          <p:nvPr/>
+        </p:nvPicPr>
+        <p:blipFill>
+          <a:blip r:embed="rId5"/>
+          <a:stretch>
+            <a:fillRect/>
+          </a:stretch>
+        </p:blipFill>
+        <p:spPr>
+          <a:xfrm>
+            <a:off x="2992968" y="1153453"/>
+            <a:ext cx="585606" cy="428417"/>
+          </a:xfrm>
+          <a:prstGeom prst="rect">
+            <a:avLst/>
+          </a:prstGeom>
+          <a:ln w="3175">
+            <a:solidFill>
+              <a:schemeClr val="tx1"/>
+            </a:solidFill>
+          </a:ln>
+        </p:spPr>
+      </p:pic>
+      <p:cxnSp>
+        <p:nvCxnSpPr>
+          <p:cNvPr id="11" name="Straight Arrow Connector 10">
+            <a:extLst>
+              <a:ext uri="{FF2B5EF4-FFF2-40B4-BE49-F238E27FC236}">
+                <a16:creationId xmlns:a16="http://schemas.microsoft.com/office/drawing/2014/main" id="{0C588EC3-D5FF-30E2-335E-9786EC0A6151}"/>
+              </a:ext>
+            </a:extLst>
+          </p:cNvPr>
+          <p:cNvCxnSpPr>
+            <a:cxnSpLocks/>
+            <a:stCxn id="7" idx="1"/>
+          </p:cNvCxnSpPr>
+          <p:nvPr/>
+        </p:nvCxnSpPr>
+        <p:spPr>
+          <a:xfrm flipH="1" flipV="1">
+            <a:off x="1678867" y="1818619"/>
+            <a:ext cx="943438" cy="351066"/>
+          </a:xfrm>
+          <a:prstGeom prst="straightConnector1">
+            <a:avLst/>
+          </a:prstGeom>
+          <a:ln>
+            <a:tailEnd type="triangle"/>
+          </a:ln>
+        </p:spPr>
+        <p:style>
+          <a:lnRef idx="1">
+            <a:schemeClr val="accent1"/>
+          </a:lnRef>
+          <a:fillRef idx="0">
+            <a:schemeClr val="accent1"/>
+          </a:fillRef>
+          <a:effectRef idx="0">
+            <a:schemeClr val="accent1"/>
+          </a:effectRef>
+          <a:fontRef idx="minor">
+            <a:schemeClr val="tx1"/>
+          </a:fontRef>
+        </p:style>
+      </p:cxnSp>
+      <p:cxnSp>
+        <p:nvCxnSpPr>
+          <p:cNvPr id="14" name="Straight Arrow Connector 13">
+            <a:extLst>
+              <a:ext uri="{FF2B5EF4-FFF2-40B4-BE49-F238E27FC236}">
+                <a16:creationId xmlns:a16="http://schemas.microsoft.com/office/drawing/2014/main" id="{8836D81B-E232-3D03-BBEC-D68EBEF93496}"/>
+              </a:ext>
+            </a:extLst>
+          </p:cNvPr>
+          <p:cNvCxnSpPr>
+            <a:cxnSpLocks/>
+            <a:stCxn id="7" idx="0"/>
+            <a:endCxn id="8" idx="3"/>
+          </p:cNvCxnSpPr>
+          <p:nvPr/>
+        </p:nvCxnSpPr>
+        <p:spPr>
+          <a:xfrm flipH="1" flipV="1">
+            <a:off x="2485476" y="1367663"/>
+            <a:ext cx="322161" cy="616690"/>
+          </a:xfrm>
+          <a:prstGeom prst="straightConnector1">
+            <a:avLst/>
+          </a:prstGeom>
+          <a:ln>
+            <a:tailEnd type="triangle"/>
+          </a:ln>
+        </p:spPr>
+        <p:style>
+          <a:lnRef idx="1">
+            <a:schemeClr val="accent1"/>
+          </a:lnRef>
+          <a:fillRef idx="0">
+            <a:schemeClr val="accent1"/>
+          </a:fillRef>
+          <a:effectRef idx="0">
+            <a:schemeClr val="accent1"/>
+          </a:effectRef>
+          <a:fontRef idx="minor">
+            <a:schemeClr val="tx1"/>
+          </a:fontRef>
+        </p:style>
+      </p:cxnSp>
+      <p:cxnSp>
+        <p:nvCxnSpPr>
+          <p:cNvPr id="17" name="Straight Arrow Connector 16">
+            <a:extLst>
+              <a:ext uri="{FF2B5EF4-FFF2-40B4-BE49-F238E27FC236}">
+                <a16:creationId xmlns:a16="http://schemas.microsoft.com/office/drawing/2014/main" id="{A6652E63-F8BF-17B2-FD2A-CFAAD6D902EA}"/>
+              </a:ext>
+            </a:extLst>
+          </p:cNvPr>
+          <p:cNvCxnSpPr>
+            <a:cxnSpLocks/>
+            <a:stCxn id="7" idx="3"/>
+          </p:cNvCxnSpPr>
+          <p:nvPr/>
+        </p:nvCxnSpPr>
+        <p:spPr>
+          <a:xfrm flipV="1">
+            <a:off x="2992968" y="1595990"/>
+            <a:ext cx="242674" cy="573695"/>
+          </a:xfrm>
+          <a:prstGeom prst="straightConnector1">
+            <a:avLst/>
+          </a:prstGeom>
+          <a:ln>
+            <a:tailEnd type="triangle"/>
+          </a:ln>
+        </p:spPr>
+        <p:style>
+          <a:lnRef idx="1">
+            <a:schemeClr val="accent1"/>
+          </a:lnRef>
+          <a:fillRef idx="0">
+            <a:schemeClr val="accent1"/>
+          </a:fillRef>
+          <a:effectRef idx="0">
+            <a:schemeClr val="accent1"/>
+          </a:effectRef>
+          <a:fontRef idx="minor">
+            <a:schemeClr val="tx1"/>
+          </a:fontRef>
+        </p:style>
+      </p:cxnSp>
+      <p:sp>
+        <p:nvSpPr>
+          <p:cNvPr id="27" name="Cloud 26">
+            <a:extLst>
+              <a:ext uri="{FF2B5EF4-FFF2-40B4-BE49-F238E27FC236}">
+                <a16:creationId xmlns:a16="http://schemas.microsoft.com/office/drawing/2014/main" id="{3C2848C9-CDE9-9A02-C7AB-F4C1C1FCE736}"/>
+              </a:ext>
+            </a:extLst>
+          </p:cNvPr>
+          <p:cNvSpPr/>
+          <p:nvPr/>
+        </p:nvSpPr>
+        <p:spPr>
+          <a:xfrm>
+            <a:off x="6096000" y="583188"/>
+            <a:ext cx="3389971" cy="2185639"/>
+          </a:xfrm>
+          <a:prstGeom prst="cloud">
+            <a:avLst/>
+          </a:prstGeom>
+          <a:solidFill>
+            <a:schemeClr val="bg1">
+              <a:lumMod val="95000"/>
+            </a:schemeClr>
+          </a:solidFill>
+          <a:ln>
+            <a:solidFill>
+              <a:schemeClr val="accent1">
+                <a:lumMod val="75000"/>
+              </a:schemeClr>
+            </a:solidFill>
+          </a:ln>
+        </p:spPr>
+        <p:style>
+          <a:lnRef idx="2">
+            <a:schemeClr val="accent1">
+              <a:shade val="50000"/>
+            </a:schemeClr>
+          </a:lnRef>
+          <a:fillRef idx="1">
+            <a:schemeClr val="accent1"/>
+          </a:fillRef>
+          <a:effectRef idx="0">
+            <a:schemeClr val="accent1"/>
+          </a:effectRef>
+          <a:fontRef idx="minor">
+            <a:schemeClr val="lt1"/>
+          </a:fontRef>
+        </p:style>
+        <p:txBody>
+          <a:bodyPr rtlCol="0" anchor="ctr"/>
+          <a:lstStyle/>
+          <a:p>
+            <a:pPr algn="ctr"/>
+            <a:endParaRPr lang="en-SG" dirty="0"/>
+          </a:p>
+        </p:txBody>
+      </p:sp>
+      <p:pic>
+        <p:nvPicPr>
+          <p:cNvPr id="29" name="Picture 28">
+            <a:extLst>
+              <a:ext uri="{FF2B5EF4-FFF2-40B4-BE49-F238E27FC236}">
+                <a16:creationId xmlns:a16="http://schemas.microsoft.com/office/drawing/2014/main" id="{57D29795-BBE9-D58C-0115-C9D2CF440922}"/>
+              </a:ext>
+            </a:extLst>
+          </p:cNvPr>
+          <p:cNvPicPr>
+            <a:picLocks noChangeAspect="1"/>
+          </p:cNvPicPr>
+          <p:nvPr/>
+        </p:nvPicPr>
+        <p:blipFill>
+          <a:blip r:embed="rId3"/>
+          <a:stretch>
+            <a:fillRect/>
+          </a:stretch>
+        </p:blipFill>
+        <p:spPr>
+          <a:xfrm>
+            <a:off x="7929196" y="1731764"/>
+            <a:ext cx="752381" cy="585715"/>
+          </a:xfrm>
+          <a:prstGeom prst="rect">
+            <a:avLst/>
+          </a:prstGeom>
+        </p:spPr>
+      </p:pic>
+      <p:pic>
+        <p:nvPicPr>
+          <p:cNvPr id="30" name="Picture 29">
+            <a:extLst>
+              <a:ext uri="{FF2B5EF4-FFF2-40B4-BE49-F238E27FC236}">
+                <a16:creationId xmlns:a16="http://schemas.microsoft.com/office/drawing/2014/main" id="{3279CE1F-3E4A-BE54-A991-B9EB89CC6175}"/>
+              </a:ext>
+            </a:extLst>
+          </p:cNvPr>
+          <p:cNvPicPr>
+            <a:picLocks noChangeAspect="1"/>
+          </p:cNvPicPr>
+          <p:nvPr/>
+        </p:nvPicPr>
+        <p:blipFill>
+          <a:blip r:embed="rId4"/>
+          <a:stretch>
+            <a:fillRect/>
+          </a:stretch>
+        </p:blipFill>
+        <p:spPr>
+          <a:xfrm>
+            <a:off x="8068240" y="1841741"/>
+            <a:ext cx="370663" cy="370663"/>
+          </a:xfrm>
+          <a:prstGeom prst="rect">
+            <a:avLst/>
+          </a:prstGeom>
+          <a:ln w="12700">
+            <a:solidFill>
+              <a:schemeClr val="tx1"/>
+            </a:solidFill>
+          </a:ln>
+        </p:spPr>
+      </p:pic>
+      <p:pic>
+        <p:nvPicPr>
+          <p:cNvPr id="31" name="Picture 22" descr="Download Free Icons Png - Rack Server Icon Png PNG Image with No Background  - PNGkey.com">
+            <a:extLst>
+              <a:ext uri="{FF2B5EF4-FFF2-40B4-BE49-F238E27FC236}">
+                <a16:creationId xmlns:a16="http://schemas.microsoft.com/office/drawing/2014/main" id="{FDAE59D1-FABE-86DA-934D-B5EE6E625AD3}"/>
+              </a:ext>
+            </a:extLst>
+          </p:cNvPr>
+          <p:cNvPicPr>
+            <a:picLocks noChangeAspect="1" noChangeArrowheads="1"/>
+          </p:cNvPicPr>
+          <p:nvPr/>
+        </p:nvPicPr>
+        <p:blipFill>
+          <a:blip r:embed="rId2">
+            <a:extLst>
+              <a:ext uri="{28A0092B-C50C-407E-A947-70E740481C1C}">
+                <a14:useLocalDpi xmlns:a14="http://schemas.microsoft.com/office/drawing/2010/main" val="0"/>
+              </a:ext>
+            </a:extLst>
+          </a:blip>
+          <a:srcRect/>
+          <a:stretch>
+            <a:fillRect/>
+          </a:stretch>
+        </p:blipFill>
+        <p:spPr bwMode="auto">
+          <a:xfrm>
+            <a:off x="7487026" y="971694"/>
+            <a:ext cx="444385" cy="506713"/>
+          </a:xfrm>
+          <a:prstGeom prst="rect">
+            <a:avLst/>
+          </a:prstGeom>
+          <a:noFill/>
+          <a:extLst>
+            <a:ext uri="{909E8E84-426E-40DD-AFC4-6F175D3DCCD1}">
+              <a14:hiddenFill xmlns:a14="http://schemas.microsoft.com/office/drawing/2010/main">
+                <a:solidFill>
+                  <a:srgbClr val="FFFFFF"/>
+                </a:solidFill>
+              </a14:hiddenFill>
+            </a:ext>
+          </a:extLst>
+        </p:spPr>
+      </p:pic>
+      <p:pic>
+        <p:nvPicPr>
+          <p:cNvPr id="32" name="Picture 31">
+            <a:extLst>
+              <a:ext uri="{FF2B5EF4-FFF2-40B4-BE49-F238E27FC236}">
+                <a16:creationId xmlns:a16="http://schemas.microsoft.com/office/drawing/2014/main" id="{F4C33F5D-65D9-4F3D-4A47-9A98CD69E01F}"/>
+              </a:ext>
+            </a:extLst>
+          </p:cNvPr>
+          <p:cNvPicPr>
+            <a:picLocks noChangeAspect="1"/>
+          </p:cNvPicPr>
+          <p:nvPr/>
+        </p:nvPicPr>
+        <p:blipFill>
+          <a:blip r:embed="rId5"/>
+          <a:stretch>
+            <a:fillRect/>
+          </a:stretch>
+        </p:blipFill>
+        <p:spPr>
+          <a:xfrm>
+            <a:off x="8438903" y="1010841"/>
+            <a:ext cx="585606" cy="428417"/>
+          </a:xfrm>
+          <a:prstGeom prst="rect">
+            <a:avLst/>
+          </a:prstGeom>
+          <a:ln w="3175">
+            <a:solidFill>
+              <a:schemeClr val="tx1"/>
+            </a:solidFill>
+          </a:ln>
+        </p:spPr>
+      </p:pic>
+      <p:cxnSp>
+        <p:nvCxnSpPr>
+          <p:cNvPr id="33" name="Straight Arrow Connector 32">
+            <a:extLst>
+              <a:ext uri="{FF2B5EF4-FFF2-40B4-BE49-F238E27FC236}">
+                <a16:creationId xmlns:a16="http://schemas.microsoft.com/office/drawing/2014/main" id="{0B85C089-35FB-E481-DAF9-7027B81E404F}"/>
+              </a:ext>
+            </a:extLst>
+          </p:cNvPr>
+          <p:cNvCxnSpPr>
+            <a:cxnSpLocks/>
+            <a:stCxn id="30" idx="1"/>
+          </p:cNvCxnSpPr>
+          <p:nvPr/>
+        </p:nvCxnSpPr>
+        <p:spPr>
+          <a:xfrm flipH="1" flipV="1">
+            <a:off x="7124802" y="1676007"/>
+            <a:ext cx="943438" cy="351066"/>
+          </a:xfrm>
+          <a:prstGeom prst="straightConnector1">
+            <a:avLst/>
+          </a:prstGeom>
+          <a:ln>
+            <a:tailEnd type="triangle"/>
+          </a:ln>
+        </p:spPr>
+        <p:style>
+          <a:lnRef idx="1">
+            <a:schemeClr val="accent1"/>
+          </a:lnRef>
+          <a:fillRef idx="0">
+            <a:schemeClr val="accent1"/>
+          </a:fillRef>
+          <a:effectRef idx="0">
+            <a:schemeClr val="accent1"/>
+          </a:effectRef>
+          <a:fontRef idx="minor">
+            <a:schemeClr val="tx1"/>
+          </a:fontRef>
+        </p:style>
+      </p:cxnSp>
+      <p:cxnSp>
+        <p:nvCxnSpPr>
+          <p:cNvPr id="34" name="Straight Arrow Connector 33">
+            <a:extLst>
+              <a:ext uri="{FF2B5EF4-FFF2-40B4-BE49-F238E27FC236}">
+                <a16:creationId xmlns:a16="http://schemas.microsoft.com/office/drawing/2014/main" id="{77E5ACAF-019A-DEAD-C451-010C6190B36F}"/>
+              </a:ext>
+            </a:extLst>
+          </p:cNvPr>
+          <p:cNvCxnSpPr>
+            <a:cxnSpLocks/>
+            <a:stCxn id="30" idx="0"/>
+            <a:endCxn id="31" idx="3"/>
+          </p:cNvCxnSpPr>
+          <p:nvPr/>
+        </p:nvCxnSpPr>
+        <p:spPr>
+          <a:xfrm flipH="1" flipV="1">
+            <a:off x="7931411" y="1225051"/>
+            <a:ext cx="322161" cy="616690"/>
+          </a:xfrm>
+          <a:prstGeom prst="straightConnector1">
+            <a:avLst/>
+          </a:prstGeom>
+          <a:ln>
+            <a:tailEnd type="triangle"/>
+          </a:ln>
+        </p:spPr>
+        <p:style>
+          <a:lnRef idx="1">
+            <a:schemeClr val="accent1"/>
+          </a:lnRef>
+          <a:fillRef idx="0">
+            <a:schemeClr val="accent1"/>
+          </a:fillRef>
+          <a:effectRef idx="0">
+            <a:schemeClr val="accent1"/>
+          </a:effectRef>
+          <a:fontRef idx="minor">
+            <a:schemeClr val="tx1"/>
+          </a:fontRef>
+        </p:style>
+      </p:cxnSp>
+      <p:cxnSp>
+        <p:nvCxnSpPr>
+          <p:cNvPr id="35" name="Straight Arrow Connector 34">
+            <a:extLst>
+              <a:ext uri="{FF2B5EF4-FFF2-40B4-BE49-F238E27FC236}">
+                <a16:creationId xmlns:a16="http://schemas.microsoft.com/office/drawing/2014/main" id="{18B2AAD4-3293-F8AB-559E-B35F48286BDC}"/>
+              </a:ext>
+            </a:extLst>
+          </p:cNvPr>
+          <p:cNvCxnSpPr>
+            <a:cxnSpLocks/>
+            <a:stCxn id="30" idx="3"/>
+          </p:cNvCxnSpPr>
+          <p:nvPr/>
+        </p:nvCxnSpPr>
+        <p:spPr>
+          <a:xfrm flipV="1">
+            <a:off x="8438903" y="1453378"/>
+            <a:ext cx="242674" cy="573695"/>
+          </a:xfrm>
+          <a:prstGeom prst="straightConnector1">
+            <a:avLst/>
+          </a:prstGeom>
+          <a:ln>
+            <a:tailEnd type="triangle"/>
+          </a:ln>
+        </p:spPr>
+        <p:style>
+          <a:lnRef idx="1">
+            <a:schemeClr val="accent1"/>
+          </a:lnRef>
+          <a:fillRef idx="0">
+            <a:schemeClr val="accent1"/>
+          </a:fillRef>
+          <a:effectRef idx="0">
+            <a:schemeClr val="accent1"/>
+          </a:effectRef>
+          <a:fontRef idx="minor">
+            <a:schemeClr val="tx1"/>
+          </a:fontRef>
+        </p:style>
+      </p:cxnSp>
+      <p:pic>
+        <p:nvPicPr>
+          <p:cNvPr id="36" name="Picture 5">
+            <a:extLst>
+              <a:ext uri="{FF2B5EF4-FFF2-40B4-BE49-F238E27FC236}">
+                <a16:creationId xmlns:a16="http://schemas.microsoft.com/office/drawing/2014/main" id="{1CBDF5DB-584F-2130-A856-B0FB2F203137}"/>
+              </a:ext>
+            </a:extLst>
+          </p:cNvPr>
+          <p:cNvPicPr>
+            <a:picLocks noChangeAspect="1" noChangeArrowheads="1"/>
+          </p:cNvPicPr>
+          <p:nvPr/>
+        </p:nvPicPr>
+        <p:blipFill>
+          <a:blip r:embed="rId6">
+            <a:extLst>
+              <a:ext uri="{BEBA8EAE-BF5A-486C-A8C5-ECC9F3942E4B}">
+                <a14:imgProps xmlns:a14="http://schemas.microsoft.com/office/drawing/2010/main">
+                  <a14:imgLayer r:embed="rId7">
+                    <a14:imgEffect>
+                      <a14:backgroundRemoval t="9474" b="89474" l="9924" r="90840">
+                        <a14:foregroundMark x1="12977" y1="27368" x2="24118" y2="74418"/>
+                        <a14:foregroundMark x1="22901" y1="73684" x2="12977" y2="57895"/>
+                        <a14:foregroundMark x1="23913" y1="74621" x2="9924" y2="30526"/>
+                        <a14:foregroundMark x1="9924" y1="30526" x2="10687" y2="24211"/>
+                        <a14:foregroundMark x1="90549" y1="33999" x2="89313" y2="62105"/>
+                        <a14:foregroundMark x1="88847" y1="30615" x2="89313" y2="31579"/>
+                        <a14:foregroundMark x1="88225" y1="31584" x2="89313" y2="33684"/>
+                        <a14:foregroundMark x1="86682" y1="33990" x2="89313" y2="62105"/>
+                        <a14:backgroundMark x1="20611" y1="77895" x2="25954" y2="86316"/>
+                        <a14:backgroundMark x1="78626" y1="17895" x2="91603" y2="26316"/>
+                      </a14:backgroundRemoval>
+                    </a14:imgEffect>
+                  </a14:imgLayer>
+                </a14:imgProps>
+              </a:ext>
+              <a:ext uri="{28A0092B-C50C-407E-A947-70E740481C1C}">
+                <a14:useLocalDpi xmlns:a14="http://schemas.microsoft.com/office/drawing/2010/main" val="0"/>
+              </a:ext>
+            </a:extLst>
+          </a:blip>
+          <a:srcRect/>
+          <a:stretch>
+            <a:fillRect/>
+          </a:stretch>
+        </p:blipFill>
+        <p:spPr bwMode="auto">
+          <a:xfrm>
+            <a:off x="6398100" y="1276714"/>
+            <a:ext cx="828729" cy="600987"/>
+          </a:xfrm>
+          <a:prstGeom prst="rect">
+            <a:avLst/>
+          </a:prstGeom>
+          <a:noFill/>
+          <a:ln w="3175">
+            <a:solidFill>
+              <a:schemeClr val="tx1"/>
+            </a:solidFill>
+          </a:ln>
+          <a:extLst>
+            <a:ext uri="{909E8E84-426E-40DD-AFC4-6F175D3DCCD1}">
+              <a14:hiddenFill xmlns:a14="http://schemas.microsoft.com/office/drawing/2010/main">
+                <a:solidFill>
+                  <a:srgbClr val="FFFFFF"/>
+                </a:solidFill>
+              </a14:hiddenFill>
+            </a:ext>
+          </a:extLst>
+        </p:spPr>
+      </p:pic>
+      <p:sp>
+        <p:nvSpPr>
+          <p:cNvPr id="38" name="TextBox 37">
+            <a:extLst>
+              <a:ext uri="{FF2B5EF4-FFF2-40B4-BE49-F238E27FC236}">
+                <a16:creationId xmlns:a16="http://schemas.microsoft.com/office/drawing/2014/main" id="{B24329E4-6AF7-871A-BB7B-611F2DDF9FC7}"/>
+              </a:ext>
+            </a:extLst>
+          </p:cNvPr>
+          <p:cNvSpPr txBox="1"/>
+          <p:nvPr/>
+        </p:nvSpPr>
+        <p:spPr>
+          <a:xfrm>
+            <a:off x="1128751" y="2100990"/>
+            <a:ext cx="1523769" cy="584775"/>
+          </a:xfrm>
+          <a:prstGeom prst="rect">
+            <a:avLst/>
+          </a:prstGeom>
+          <a:noFill/>
+        </p:spPr>
+        <p:txBody>
+          <a:bodyPr wrap="square" rtlCol="0">
+            <a:spAutoFit/>
+          </a:bodyPr>
+          <a:lstStyle/>
+          <a:p>
+            <a:r>
+              <a:rPr lang="en-US" sz="1400" b="1" dirty="0"/>
+              <a:t>Cluster internal network</a:t>
+            </a:r>
+            <a:r>
+              <a:rPr lang="en-US" dirty="0"/>
+              <a:t>  </a:t>
+            </a:r>
+            <a:endParaRPr lang="en-SG" dirty="0"/>
+          </a:p>
+        </p:txBody>
+      </p:sp>
+      <p:sp>
+        <p:nvSpPr>
+          <p:cNvPr id="39" name="TextBox 38">
+            <a:extLst>
+              <a:ext uri="{FF2B5EF4-FFF2-40B4-BE49-F238E27FC236}">
+                <a16:creationId xmlns:a16="http://schemas.microsoft.com/office/drawing/2014/main" id="{1C7C8C2D-079F-3546-631A-D937F9BCF7F0}"/>
+              </a:ext>
+            </a:extLst>
+          </p:cNvPr>
+          <p:cNvSpPr txBox="1"/>
+          <p:nvPr/>
+        </p:nvSpPr>
+        <p:spPr>
+          <a:xfrm>
+            <a:off x="6652331" y="1916545"/>
+            <a:ext cx="1523769" cy="584775"/>
+          </a:xfrm>
+          <a:prstGeom prst="rect">
+            <a:avLst/>
+          </a:prstGeom>
+          <a:noFill/>
+        </p:spPr>
+        <p:txBody>
+          <a:bodyPr wrap="square" rtlCol="0">
+            <a:spAutoFit/>
+          </a:bodyPr>
+          <a:lstStyle/>
+          <a:p>
+            <a:r>
+              <a:rPr lang="en-US" sz="1400" b="1" dirty="0"/>
+              <a:t>Cluster internal network</a:t>
+            </a:r>
+            <a:r>
+              <a:rPr lang="en-US" dirty="0"/>
+              <a:t>  </a:t>
+            </a:r>
+            <a:endParaRPr lang="en-SG" dirty="0"/>
+          </a:p>
+        </p:txBody>
+      </p:sp>
+      <p:sp>
+        <p:nvSpPr>
+          <p:cNvPr id="40" name="Cloud 39">
+            <a:extLst>
+              <a:ext uri="{FF2B5EF4-FFF2-40B4-BE49-F238E27FC236}">
+                <a16:creationId xmlns:a16="http://schemas.microsoft.com/office/drawing/2014/main" id="{8CFECFC0-7ED8-CF20-3FEE-1926DF644B10}"/>
+              </a:ext>
+            </a:extLst>
+          </p:cNvPr>
+          <p:cNvSpPr/>
+          <p:nvPr/>
+        </p:nvSpPr>
+        <p:spPr>
+          <a:xfrm>
+            <a:off x="6234210" y="3629037"/>
+            <a:ext cx="3389971" cy="2185639"/>
+          </a:xfrm>
+          <a:prstGeom prst="cloud">
+            <a:avLst/>
+          </a:prstGeom>
+          <a:solidFill>
+            <a:schemeClr val="bg1">
+              <a:lumMod val="95000"/>
+            </a:schemeClr>
+          </a:solidFill>
+          <a:ln>
+            <a:solidFill>
+              <a:schemeClr val="accent1">
+                <a:lumMod val="75000"/>
+              </a:schemeClr>
+            </a:solidFill>
+          </a:ln>
+        </p:spPr>
+        <p:style>
+          <a:lnRef idx="2">
+            <a:schemeClr val="accent1">
+              <a:shade val="50000"/>
+            </a:schemeClr>
+          </a:lnRef>
+          <a:fillRef idx="1">
+            <a:schemeClr val="accent1"/>
+          </a:fillRef>
+          <a:effectRef idx="0">
+            <a:schemeClr val="accent1"/>
+          </a:effectRef>
+          <a:fontRef idx="minor">
+            <a:schemeClr val="lt1"/>
+          </a:fontRef>
+        </p:style>
+        <p:txBody>
+          <a:bodyPr rtlCol="0" anchor="ctr"/>
+          <a:lstStyle/>
+          <a:p>
+            <a:pPr algn="ctr"/>
+            <a:endParaRPr lang="en-SG" dirty="0"/>
+          </a:p>
+        </p:txBody>
+      </p:sp>
+      <p:pic>
+        <p:nvPicPr>
+          <p:cNvPr id="41" name="Picture 40">
+            <a:extLst>
+              <a:ext uri="{FF2B5EF4-FFF2-40B4-BE49-F238E27FC236}">
+                <a16:creationId xmlns:a16="http://schemas.microsoft.com/office/drawing/2014/main" id="{1A8C8391-116E-D9C7-5232-D12850BEB396}"/>
+              </a:ext>
+            </a:extLst>
+          </p:cNvPr>
+          <p:cNvPicPr>
+            <a:picLocks noChangeAspect="1"/>
+          </p:cNvPicPr>
+          <p:nvPr/>
+        </p:nvPicPr>
+        <p:blipFill>
+          <a:blip r:embed="rId3"/>
+          <a:stretch>
+            <a:fillRect/>
+          </a:stretch>
+        </p:blipFill>
+        <p:spPr>
+          <a:xfrm>
+            <a:off x="8067406" y="4777613"/>
+            <a:ext cx="752381" cy="585715"/>
+          </a:xfrm>
+          <a:prstGeom prst="rect">
+            <a:avLst/>
+          </a:prstGeom>
+        </p:spPr>
+      </p:pic>
+      <p:pic>
+        <p:nvPicPr>
+          <p:cNvPr id="42" name="Picture 41">
+            <a:extLst>
+              <a:ext uri="{FF2B5EF4-FFF2-40B4-BE49-F238E27FC236}">
+                <a16:creationId xmlns:a16="http://schemas.microsoft.com/office/drawing/2014/main" id="{2227096B-6905-5C9D-18B4-A75D04378F8B}"/>
+              </a:ext>
+            </a:extLst>
+          </p:cNvPr>
+          <p:cNvPicPr>
+            <a:picLocks noChangeAspect="1"/>
+          </p:cNvPicPr>
+          <p:nvPr/>
+        </p:nvPicPr>
+        <p:blipFill>
+          <a:blip r:embed="rId4"/>
+          <a:stretch>
+            <a:fillRect/>
+          </a:stretch>
+        </p:blipFill>
+        <p:spPr>
+          <a:xfrm>
+            <a:off x="8206450" y="4887590"/>
+            <a:ext cx="370663" cy="370663"/>
+          </a:xfrm>
+          <a:prstGeom prst="rect">
+            <a:avLst/>
+          </a:prstGeom>
+          <a:ln w="12700">
+            <a:solidFill>
+              <a:schemeClr val="tx1"/>
+            </a:solidFill>
+          </a:ln>
+        </p:spPr>
+      </p:pic>
+      <p:pic>
+        <p:nvPicPr>
+          <p:cNvPr id="44" name="Picture 43">
+            <a:extLst>
+              <a:ext uri="{FF2B5EF4-FFF2-40B4-BE49-F238E27FC236}">
+                <a16:creationId xmlns:a16="http://schemas.microsoft.com/office/drawing/2014/main" id="{EF9B5EA5-8F2C-AA70-7FEE-CD79C0C33FB2}"/>
+              </a:ext>
+            </a:extLst>
+          </p:cNvPr>
+          <p:cNvPicPr>
+            <a:picLocks noChangeAspect="1"/>
+          </p:cNvPicPr>
+          <p:nvPr/>
+        </p:nvPicPr>
+        <p:blipFill>
+          <a:blip r:embed="rId5"/>
+          <a:stretch>
+            <a:fillRect/>
+          </a:stretch>
+        </p:blipFill>
+        <p:spPr>
+          <a:xfrm>
+            <a:off x="8577113" y="4056690"/>
+            <a:ext cx="585606" cy="428417"/>
+          </a:xfrm>
+          <a:prstGeom prst="rect">
+            <a:avLst/>
+          </a:prstGeom>
+          <a:ln w="3175">
+            <a:solidFill>
+              <a:schemeClr val="tx1"/>
+            </a:solidFill>
+          </a:ln>
+        </p:spPr>
+      </p:pic>
+      <p:cxnSp>
+        <p:nvCxnSpPr>
+          <p:cNvPr id="45" name="Straight Arrow Connector 44">
+            <a:extLst>
+              <a:ext uri="{FF2B5EF4-FFF2-40B4-BE49-F238E27FC236}">
+                <a16:creationId xmlns:a16="http://schemas.microsoft.com/office/drawing/2014/main" id="{D08B1E5E-42C8-A371-6DE1-B1EE92D930FD}"/>
+              </a:ext>
+            </a:extLst>
+          </p:cNvPr>
+          <p:cNvCxnSpPr>
+            <a:cxnSpLocks/>
+            <a:stCxn id="42" idx="1"/>
+          </p:cNvCxnSpPr>
+          <p:nvPr/>
+        </p:nvCxnSpPr>
+        <p:spPr>
+          <a:xfrm flipH="1" flipV="1">
+            <a:off x="7263012" y="4721856"/>
+            <a:ext cx="943438" cy="351066"/>
+          </a:xfrm>
+          <a:prstGeom prst="straightConnector1">
+            <a:avLst/>
+          </a:prstGeom>
+          <a:ln>
+            <a:tailEnd type="triangle"/>
+          </a:ln>
+        </p:spPr>
+        <p:style>
+          <a:lnRef idx="1">
+            <a:schemeClr val="accent1"/>
+          </a:lnRef>
+          <a:fillRef idx="0">
+            <a:schemeClr val="accent1"/>
+          </a:fillRef>
+          <a:effectRef idx="0">
+            <a:schemeClr val="accent1"/>
+          </a:effectRef>
+          <a:fontRef idx="minor">
+            <a:schemeClr val="tx1"/>
+          </a:fontRef>
+        </p:style>
+      </p:cxnSp>
+      <p:cxnSp>
+        <p:nvCxnSpPr>
+          <p:cNvPr id="46" name="Straight Arrow Connector 45">
+            <a:extLst>
+              <a:ext uri="{FF2B5EF4-FFF2-40B4-BE49-F238E27FC236}">
+                <a16:creationId xmlns:a16="http://schemas.microsoft.com/office/drawing/2014/main" id="{35B758B7-3073-96F2-D9A4-7CFD57BBEFEA}"/>
+              </a:ext>
+            </a:extLst>
+          </p:cNvPr>
+          <p:cNvCxnSpPr>
+            <a:cxnSpLocks/>
+            <a:stCxn id="42" idx="0"/>
+          </p:cNvCxnSpPr>
+          <p:nvPr/>
+        </p:nvCxnSpPr>
+        <p:spPr>
+          <a:xfrm flipH="1" flipV="1">
+            <a:off x="8069621" y="4270900"/>
+            <a:ext cx="322161" cy="616690"/>
+          </a:xfrm>
+          <a:prstGeom prst="straightConnector1">
+            <a:avLst/>
+          </a:prstGeom>
+          <a:ln>
+            <a:tailEnd type="triangle"/>
+          </a:ln>
+        </p:spPr>
+        <p:style>
+          <a:lnRef idx="1">
+            <a:schemeClr val="accent1"/>
+          </a:lnRef>
+          <a:fillRef idx="0">
+            <a:schemeClr val="accent1"/>
+          </a:fillRef>
+          <a:effectRef idx="0">
+            <a:schemeClr val="accent1"/>
+          </a:effectRef>
+          <a:fontRef idx="minor">
+            <a:schemeClr val="tx1"/>
+          </a:fontRef>
+        </p:style>
+      </p:cxnSp>
+      <p:cxnSp>
+        <p:nvCxnSpPr>
+          <p:cNvPr id="47" name="Straight Arrow Connector 46">
+            <a:extLst>
+              <a:ext uri="{FF2B5EF4-FFF2-40B4-BE49-F238E27FC236}">
+                <a16:creationId xmlns:a16="http://schemas.microsoft.com/office/drawing/2014/main" id="{1E8FFAEB-A7EF-CA9B-8C64-4398284B6BC8}"/>
+              </a:ext>
+            </a:extLst>
+          </p:cNvPr>
+          <p:cNvCxnSpPr>
+            <a:cxnSpLocks/>
+            <a:stCxn id="42" idx="3"/>
+          </p:cNvCxnSpPr>
+          <p:nvPr/>
+        </p:nvCxnSpPr>
+        <p:spPr>
+          <a:xfrm flipV="1">
+            <a:off x="8577113" y="4499227"/>
+            <a:ext cx="242674" cy="573695"/>
+          </a:xfrm>
+          <a:prstGeom prst="straightConnector1">
+            <a:avLst/>
+          </a:prstGeom>
+          <a:ln>
+            <a:tailEnd type="triangle"/>
+          </a:ln>
+        </p:spPr>
+        <p:style>
+          <a:lnRef idx="1">
+            <a:schemeClr val="accent1"/>
+          </a:lnRef>
+          <a:fillRef idx="0">
+            <a:schemeClr val="accent1"/>
+          </a:fillRef>
+          <a:effectRef idx="0">
+            <a:schemeClr val="accent1"/>
+          </a:effectRef>
+          <a:fontRef idx="minor">
+            <a:schemeClr val="tx1"/>
+          </a:fontRef>
+        </p:style>
+      </p:cxnSp>
+      <p:pic>
+        <p:nvPicPr>
+          <p:cNvPr id="48" name="Picture 5">
+            <a:extLst>
+              <a:ext uri="{FF2B5EF4-FFF2-40B4-BE49-F238E27FC236}">
+                <a16:creationId xmlns:a16="http://schemas.microsoft.com/office/drawing/2014/main" id="{7E2DF61F-848F-4B06-2E93-AD375CFFF605}"/>
+              </a:ext>
+            </a:extLst>
+          </p:cNvPr>
+          <p:cNvPicPr>
+            <a:picLocks noChangeAspect="1" noChangeArrowheads="1"/>
+          </p:cNvPicPr>
+          <p:nvPr/>
+        </p:nvPicPr>
+        <p:blipFill>
+          <a:blip r:embed="rId6">
+            <a:extLst>
+              <a:ext uri="{BEBA8EAE-BF5A-486C-A8C5-ECC9F3942E4B}">
+                <a14:imgProps xmlns:a14="http://schemas.microsoft.com/office/drawing/2010/main">
+                  <a14:imgLayer r:embed="rId7">
+                    <a14:imgEffect>
+                      <a14:backgroundRemoval t="9474" b="89474" l="9924" r="90840">
+                        <a14:foregroundMark x1="12977" y1="27368" x2="24118" y2="74418"/>
+                        <a14:foregroundMark x1="22901" y1="73684" x2="12977" y2="57895"/>
+                        <a14:foregroundMark x1="23913" y1="74621" x2="9924" y2="30526"/>
+                        <a14:foregroundMark x1="9924" y1="30526" x2="10687" y2="24211"/>
+                        <a14:foregroundMark x1="90549" y1="33999" x2="89313" y2="62105"/>
+                        <a14:foregroundMark x1="88847" y1="30615" x2="89313" y2="31579"/>
+                        <a14:foregroundMark x1="88225" y1="31584" x2="89313" y2="33684"/>
+                        <a14:foregroundMark x1="86682" y1="33990" x2="89313" y2="62105"/>
+                        <a14:backgroundMark x1="20611" y1="77895" x2="25954" y2="86316"/>
+                        <a14:backgroundMark x1="78626" y1="17895" x2="91603" y2="26316"/>
+                      </a14:backgroundRemoval>
+                    </a14:imgEffect>
+                  </a14:imgLayer>
+                </a14:imgProps>
+              </a:ext>
+              <a:ext uri="{28A0092B-C50C-407E-A947-70E740481C1C}">
+                <a14:useLocalDpi xmlns:a14="http://schemas.microsoft.com/office/drawing/2010/main" val="0"/>
+              </a:ext>
+            </a:extLst>
+          </a:blip>
+          <a:srcRect/>
+          <a:stretch>
+            <a:fillRect/>
+          </a:stretch>
+        </p:blipFill>
+        <p:spPr bwMode="auto">
+          <a:xfrm>
+            <a:off x="6536310" y="4322563"/>
+            <a:ext cx="828729" cy="600987"/>
+          </a:xfrm>
+          <a:prstGeom prst="rect">
+            <a:avLst/>
+          </a:prstGeom>
+          <a:noFill/>
+          <a:ln w="3175">
+            <a:solidFill>
+              <a:schemeClr val="tx1"/>
+            </a:solidFill>
+          </a:ln>
+          <a:extLst>
+            <a:ext uri="{909E8E84-426E-40DD-AFC4-6F175D3DCCD1}">
+              <a14:hiddenFill xmlns:a14="http://schemas.microsoft.com/office/drawing/2010/main">
+                <a:solidFill>
+                  <a:srgbClr val="FFFFFF"/>
+                </a:solidFill>
+              </a14:hiddenFill>
+            </a:ext>
+          </a:extLst>
+        </p:spPr>
+      </p:pic>
+      <p:sp>
+        <p:nvSpPr>
+          <p:cNvPr id="49" name="TextBox 48">
+            <a:extLst>
+              <a:ext uri="{FF2B5EF4-FFF2-40B4-BE49-F238E27FC236}">
+                <a16:creationId xmlns:a16="http://schemas.microsoft.com/office/drawing/2014/main" id="{BE7AA536-23A2-B577-0FFF-4A533D50B468}"/>
+              </a:ext>
+            </a:extLst>
+          </p:cNvPr>
+          <p:cNvSpPr txBox="1"/>
+          <p:nvPr/>
+        </p:nvSpPr>
+        <p:spPr>
+          <a:xfrm>
+            <a:off x="6790541" y="4962394"/>
+            <a:ext cx="1523769" cy="584775"/>
+          </a:xfrm>
+          <a:prstGeom prst="rect">
+            <a:avLst/>
+          </a:prstGeom>
+          <a:noFill/>
+        </p:spPr>
+        <p:txBody>
+          <a:bodyPr wrap="square" rtlCol="0">
+            <a:spAutoFit/>
+          </a:bodyPr>
+          <a:lstStyle/>
+          <a:p>
+            <a:r>
+              <a:rPr lang="en-US" sz="1400" b="1" dirty="0"/>
+              <a:t>Cluster internal network</a:t>
+            </a:r>
+            <a:r>
+              <a:rPr lang="en-US" dirty="0"/>
+              <a:t>  </a:t>
+            </a:r>
+            <a:endParaRPr lang="en-SG" dirty="0"/>
+          </a:p>
+        </p:txBody>
+      </p:sp>
+      <p:cxnSp>
+        <p:nvCxnSpPr>
+          <p:cNvPr id="50" name="Straight Arrow Connector 49">
+            <a:extLst>
+              <a:ext uri="{FF2B5EF4-FFF2-40B4-BE49-F238E27FC236}">
+                <a16:creationId xmlns:a16="http://schemas.microsoft.com/office/drawing/2014/main" id="{FD53A31E-12A8-41BB-FBA0-359F1F400D3E}"/>
+              </a:ext>
+            </a:extLst>
+          </p:cNvPr>
+          <p:cNvCxnSpPr>
+            <a:cxnSpLocks/>
+            <a:stCxn id="42" idx="3"/>
+          </p:cNvCxnSpPr>
+          <p:nvPr/>
+        </p:nvCxnSpPr>
+        <p:spPr>
+          <a:xfrm flipV="1">
+            <a:off x="8577113" y="3429000"/>
+            <a:ext cx="1603399" cy="1643922"/>
+          </a:xfrm>
+          <a:prstGeom prst="straightConnector1">
+            <a:avLst/>
+          </a:prstGeom>
+          <a:ln>
+            <a:tailEnd type="triangle"/>
+          </a:ln>
+        </p:spPr>
+        <p:style>
+          <a:lnRef idx="1">
+            <a:schemeClr val="accent1"/>
+          </a:lnRef>
+          <a:fillRef idx="0">
+            <a:schemeClr val="accent1"/>
+          </a:fillRef>
+          <a:effectRef idx="0">
+            <a:schemeClr val="accent1"/>
+          </a:effectRef>
+          <a:fontRef idx="minor">
+            <a:schemeClr val="tx1"/>
+          </a:fontRef>
+        </p:style>
+      </p:cxnSp>
+      <p:pic>
+        <p:nvPicPr>
+          <p:cNvPr id="54" name="Picture 4">
+            <a:extLst>
+              <a:ext uri="{FF2B5EF4-FFF2-40B4-BE49-F238E27FC236}">
+                <a16:creationId xmlns:a16="http://schemas.microsoft.com/office/drawing/2014/main" id="{5328E5FE-5E67-F491-C078-5561EA534B68}"/>
+              </a:ext>
+            </a:extLst>
+          </p:cNvPr>
+          <p:cNvPicPr>
+            <a:picLocks noChangeAspect="1" noChangeArrowheads="1"/>
+          </p:cNvPicPr>
+          <p:nvPr/>
+        </p:nvPicPr>
+        <p:blipFill>
+          <a:blip r:embed="rId8">
+            <a:extLst>
+              <a:ext uri="{28A0092B-C50C-407E-A947-70E740481C1C}">
+                <a14:useLocalDpi xmlns:a14="http://schemas.microsoft.com/office/drawing/2010/main" val="0"/>
+              </a:ext>
+            </a:extLst>
+          </a:blip>
+          <a:srcRect/>
+          <a:stretch>
+            <a:fillRect/>
+          </a:stretch>
+        </p:blipFill>
+        <p:spPr bwMode="auto">
+          <a:xfrm>
+            <a:off x="7554440" y="3998650"/>
+            <a:ext cx="504111" cy="547779"/>
+          </a:xfrm>
+          <a:prstGeom prst="rect">
+            <a:avLst/>
+          </a:prstGeom>
+          <a:noFill/>
+          <a:ln w="6350">
+            <a:solidFill>
+              <a:schemeClr val="tx1"/>
+            </a:solidFill>
+          </a:ln>
+          <a:extLst>
+            <a:ext uri="{909E8E84-426E-40DD-AFC4-6F175D3DCCD1}">
+              <a14:hiddenFill xmlns:a14="http://schemas.microsoft.com/office/drawing/2010/main">
+                <a:solidFill>
+                  <a:srgbClr val="FFFFFF"/>
+                </a:solidFill>
+              </a14:hiddenFill>
+            </a:ext>
+          </a:extLst>
+        </p:spPr>
+      </p:pic>
+      <p:sp>
+        <p:nvSpPr>
+          <p:cNvPr id="55" name="Cloud 54">
+            <a:extLst>
+              <a:ext uri="{FF2B5EF4-FFF2-40B4-BE49-F238E27FC236}">
+                <a16:creationId xmlns:a16="http://schemas.microsoft.com/office/drawing/2014/main" id="{2B7A0C5E-5B88-ECBA-6579-0D4AFB3ECB42}"/>
+              </a:ext>
+            </a:extLst>
+          </p:cNvPr>
+          <p:cNvSpPr/>
+          <p:nvPr/>
+        </p:nvSpPr>
+        <p:spPr>
+          <a:xfrm>
+            <a:off x="9386480" y="2299198"/>
+            <a:ext cx="1807770" cy="1097758"/>
+          </a:xfrm>
+          <a:prstGeom prst="cloud">
+            <a:avLst/>
+          </a:prstGeom>
+        </p:spPr>
+        <p:style>
+          <a:lnRef idx="2">
+            <a:schemeClr val="accent1">
+              <a:shade val="50000"/>
+            </a:schemeClr>
+          </a:lnRef>
+          <a:fillRef idx="1">
+            <a:schemeClr val="accent1"/>
+          </a:fillRef>
+          <a:effectRef idx="0">
+            <a:schemeClr val="accent1"/>
+          </a:effectRef>
+          <a:fontRef idx="minor">
+            <a:schemeClr val="lt1"/>
+          </a:fontRef>
+        </p:style>
+        <p:txBody>
+          <a:bodyPr rtlCol="0" anchor="ctr"/>
+          <a:lstStyle/>
+          <a:p>
+            <a:pPr algn="ctr"/>
+            <a:r>
+              <a:rPr lang="en-US" dirty="0"/>
+              <a:t>Internet</a:t>
+            </a:r>
+            <a:endParaRPr lang="en-SG" dirty="0"/>
+          </a:p>
+        </p:txBody>
+      </p:sp>
+      <p:sp>
+        <p:nvSpPr>
+          <p:cNvPr id="56" name="Cloud 55">
+            <a:extLst>
+              <a:ext uri="{FF2B5EF4-FFF2-40B4-BE49-F238E27FC236}">
+                <a16:creationId xmlns:a16="http://schemas.microsoft.com/office/drawing/2014/main" id="{64559464-79DF-F331-FA37-1140E24C8487}"/>
+              </a:ext>
+            </a:extLst>
+          </p:cNvPr>
+          <p:cNvSpPr/>
+          <p:nvPr/>
+        </p:nvSpPr>
+        <p:spPr>
+          <a:xfrm>
+            <a:off x="3935779" y="2704473"/>
+            <a:ext cx="1807770" cy="1097758"/>
+          </a:xfrm>
+          <a:prstGeom prst="cloud">
+            <a:avLst/>
+          </a:prstGeom>
+        </p:spPr>
+        <p:style>
+          <a:lnRef idx="2">
+            <a:schemeClr val="accent1">
+              <a:shade val="50000"/>
+            </a:schemeClr>
+          </a:lnRef>
+          <a:fillRef idx="1">
+            <a:schemeClr val="accent1"/>
+          </a:fillRef>
+          <a:effectRef idx="0">
+            <a:schemeClr val="accent1"/>
+          </a:effectRef>
+          <a:fontRef idx="minor">
+            <a:schemeClr val="lt1"/>
+          </a:fontRef>
+        </p:style>
+        <p:txBody>
+          <a:bodyPr rtlCol="0" anchor="ctr"/>
+          <a:lstStyle/>
+          <a:p>
+            <a:pPr algn="ctr"/>
+            <a:r>
+              <a:rPr lang="en-US" dirty="0"/>
+              <a:t>Internet</a:t>
+            </a:r>
+            <a:endParaRPr lang="en-SG" dirty="0"/>
+          </a:p>
+        </p:txBody>
+      </p:sp>
+      <p:cxnSp>
+        <p:nvCxnSpPr>
+          <p:cNvPr id="58" name="Straight Arrow Connector 57">
+            <a:extLst>
+              <a:ext uri="{FF2B5EF4-FFF2-40B4-BE49-F238E27FC236}">
+                <a16:creationId xmlns:a16="http://schemas.microsoft.com/office/drawing/2014/main" id="{013F915C-CDEB-000D-EABE-B56CE0477DF4}"/>
+              </a:ext>
+            </a:extLst>
+          </p:cNvPr>
+          <p:cNvCxnSpPr>
+            <a:cxnSpLocks/>
+            <a:endCxn id="56" idx="3"/>
+          </p:cNvCxnSpPr>
+          <p:nvPr/>
+        </p:nvCxnSpPr>
+        <p:spPr>
+          <a:xfrm>
+            <a:off x="3171661" y="2303524"/>
+            <a:ext cx="1668003" cy="463714"/>
+          </a:xfrm>
+          <a:prstGeom prst="straightConnector1">
+            <a:avLst/>
+          </a:prstGeom>
+          <a:ln w="28575">
+            <a:solidFill>
+              <a:srgbClr val="00B050"/>
+            </a:solidFill>
+            <a:prstDash val="sysDash"/>
+            <a:tailEnd type="triangle"/>
+          </a:ln>
+        </p:spPr>
+        <p:style>
+          <a:lnRef idx="1">
+            <a:schemeClr val="accent1"/>
+          </a:lnRef>
+          <a:fillRef idx="0">
+            <a:schemeClr val="accent1"/>
+          </a:fillRef>
+          <a:effectRef idx="0">
+            <a:schemeClr val="accent1"/>
+          </a:effectRef>
+          <a:fontRef idx="minor">
+            <a:schemeClr val="tx1"/>
+          </a:fontRef>
+        </p:style>
+      </p:cxnSp>
+      <p:cxnSp>
+        <p:nvCxnSpPr>
+          <p:cNvPr id="63" name="Straight Arrow Connector 62">
+            <a:extLst>
+              <a:ext uri="{FF2B5EF4-FFF2-40B4-BE49-F238E27FC236}">
+                <a16:creationId xmlns:a16="http://schemas.microsoft.com/office/drawing/2014/main" id="{F6F0F128-BD95-A2A8-F980-539DB5786BFF}"/>
+              </a:ext>
+            </a:extLst>
+          </p:cNvPr>
+          <p:cNvCxnSpPr>
+            <a:cxnSpLocks/>
+            <a:endCxn id="56" idx="0"/>
+          </p:cNvCxnSpPr>
+          <p:nvPr/>
+        </p:nvCxnSpPr>
+        <p:spPr>
+          <a:xfrm flipH="1">
+            <a:off x="5742043" y="2240162"/>
+            <a:ext cx="2431217" cy="1013190"/>
+          </a:xfrm>
+          <a:prstGeom prst="straightConnector1">
+            <a:avLst/>
+          </a:prstGeom>
+          <a:ln w="28575">
+            <a:solidFill>
+              <a:srgbClr val="00B050"/>
+            </a:solidFill>
+            <a:prstDash val="sysDash"/>
+            <a:tailEnd type="triangle"/>
+          </a:ln>
+        </p:spPr>
+        <p:style>
+          <a:lnRef idx="1">
+            <a:schemeClr val="accent1"/>
+          </a:lnRef>
+          <a:fillRef idx="0">
+            <a:schemeClr val="accent1"/>
+          </a:fillRef>
+          <a:effectRef idx="0">
+            <a:schemeClr val="accent1"/>
+          </a:effectRef>
+          <a:fontRef idx="minor">
+            <a:schemeClr val="tx1"/>
+          </a:fontRef>
+        </p:style>
+      </p:cxnSp>
+      <p:cxnSp>
+        <p:nvCxnSpPr>
+          <p:cNvPr id="66" name="Straight Arrow Connector 65">
+            <a:extLst>
+              <a:ext uri="{FF2B5EF4-FFF2-40B4-BE49-F238E27FC236}">
+                <a16:creationId xmlns:a16="http://schemas.microsoft.com/office/drawing/2014/main" id="{1668EC20-8EF1-1766-FCA2-B569E47F76C3}"/>
+              </a:ext>
+            </a:extLst>
+          </p:cNvPr>
+          <p:cNvCxnSpPr>
+            <a:cxnSpLocks/>
+            <a:endCxn id="56" idx="1"/>
+          </p:cNvCxnSpPr>
+          <p:nvPr/>
+        </p:nvCxnSpPr>
+        <p:spPr>
+          <a:xfrm flipH="1" flipV="1">
+            <a:off x="4839664" y="3801062"/>
+            <a:ext cx="3413907" cy="1196323"/>
+          </a:xfrm>
+          <a:prstGeom prst="straightConnector1">
+            <a:avLst/>
+          </a:prstGeom>
+          <a:ln w="28575">
+            <a:solidFill>
+              <a:srgbClr val="00B050"/>
+            </a:solidFill>
+            <a:prstDash val="sysDash"/>
+            <a:tailEnd type="triangle"/>
+          </a:ln>
+        </p:spPr>
+        <p:style>
+          <a:lnRef idx="1">
+            <a:schemeClr val="accent1"/>
+          </a:lnRef>
+          <a:fillRef idx="0">
+            <a:schemeClr val="accent1"/>
+          </a:fillRef>
+          <a:effectRef idx="0">
+            <a:schemeClr val="accent1"/>
+          </a:effectRef>
+          <a:fontRef idx="minor">
+            <a:schemeClr val="tx1"/>
+          </a:fontRef>
+        </p:style>
+      </p:cxnSp>
+      <p:cxnSp>
+        <p:nvCxnSpPr>
+          <p:cNvPr id="69" name="Straight Arrow Connector 68">
+            <a:extLst>
+              <a:ext uri="{FF2B5EF4-FFF2-40B4-BE49-F238E27FC236}">
+                <a16:creationId xmlns:a16="http://schemas.microsoft.com/office/drawing/2014/main" id="{692DCDD0-DC22-E484-510A-7159E0BB5DFB}"/>
+              </a:ext>
+            </a:extLst>
+          </p:cNvPr>
+          <p:cNvCxnSpPr>
+            <a:cxnSpLocks/>
+            <a:stCxn id="56" idx="2"/>
+            <a:endCxn id="76" idx="3"/>
+          </p:cNvCxnSpPr>
+          <p:nvPr/>
+        </p:nvCxnSpPr>
+        <p:spPr>
+          <a:xfrm flipH="1">
+            <a:off x="2429891" y="3253352"/>
+            <a:ext cx="1511495" cy="754482"/>
+          </a:xfrm>
+          <a:prstGeom prst="straightConnector1">
+            <a:avLst/>
+          </a:prstGeom>
+          <a:ln w="28575">
+            <a:solidFill>
+              <a:srgbClr val="00B050"/>
+            </a:solidFill>
+            <a:prstDash val="sysDash"/>
+            <a:tailEnd type="triangle"/>
+          </a:ln>
+        </p:spPr>
+        <p:style>
+          <a:lnRef idx="1">
+            <a:schemeClr val="accent1"/>
+          </a:lnRef>
+          <a:fillRef idx="0">
+            <a:schemeClr val="accent1"/>
+          </a:fillRef>
+          <a:effectRef idx="0">
+            <a:schemeClr val="accent1"/>
+          </a:effectRef>
+          <a:fontRef idx="minor">
+            <a:schemeClr val="tx1"/>
+          </a:fontRef>
+        </p:style>
+      </p:cxnSp>
+      <p:pic>
+        <p:nvPicPr>
+          <p:cNvPr id="76" name="Picture 75">
+            <a:extLst>
+              <a:ext uri="{FF2B5EF4-FFF2-40B4-BE49-F238E27FC236}">
+                <a16:creationId xmlns:a16="http://schemas.microsoft.com/office/drawing/2014/main" id="{79DB9BA7-C874-6C90-7328-50C55869A86E}"/>
+              </a:ext>
+            </a:extLst>
+          </p:cNvPr>
+          <p:cNvPicPr>
+            <a:picLocks noChangeAspect="1"/>
+          </p:cNvPicPr>
+          <p:nvPr/>
+        </p:nvPicPr>
+        <p:blipFill>
+          <a:blip r:embed="rId9"/>
+          <a:stretch>
+            <a:fillRect/>
+          </a:stretch>
+        </p:blipFill>
+        <p:spPr>
+          <a:xfrm>
+            <a:off x="1557078" y="3587014"/>
+            <a:ext cx="872813" cy="841640"/>
+          </a:xfrm>
+          <a:prstGeom prst="rect">
+            <a:avLst/>
+          </a:prstGeom>
+          <a:ln w="19050">
+            <a:solidFill>
+              <a:schemeClr val="tx1"/>
+            </a:solidFill>
+          </a:ln>
+        </p:spPr>
+      </p:pic>
+      <p:sp>
+        <p:nvSpPr>
+          <p:cNvPr id="80" name="TextBox 79">
+            <a:extLst>
+              <a:ext uri="{FF2B5EF4-FFF2-40B4-BE49-F238E27FC236}">
+                <a16:creationId xmlns:a16="http://schemas.microsoft.com/office/drawing/2014/main" id="{AB3C2CA0-DA16-160E-DBFA-C71C7EFA95B7}"/>
+              </a:ext>
+            </a:extLst>
+          </p:cNvPr>
+          <p:cNvSpPr txBox="1"/>
+          <p:nvPr/>
+        </p:nvSpPr>
+        <p:spPr>
+          <a:xfrm>
+            <a:off x="1469199" y="2989944"/>
+            <a:ext cx="1523769" cy="523220"/>
+          </a:xfrm>
+          <a:prstGeom prst="rect">
+            <a:avLst/>
+          </a:prstGeom>
+          <a:noFill/>
+        </p:spPr>
+        <p:txBody>
+          <a:bodyPr wrap="square" rtlCol="0">
+            <a:spAutoFit/>
+          </a:bodyPr>
+          <a:lstStyle/>
+          <a:p>
+            <a:r>
+              <a:rPr lang="en-US" sz="1400" b="1" dirty="0"/>
+              <a:t>Connection monitor hub</a:t>
+            </a:r>
+            <a:endParaRPr lang="en-SG" dirty="0"/>
+          </a:p>
+        </p:txBody>
+      </p:sp>
+      <p:pic>
+        <p:nvPicPr>
+          <p:cNvPr id="83" name="Picture 82" descr="A screenshot of a computer&#10;&#10;Description automatically generated with medium confidence">
+            <a:extLst>
+              <a:ext uri="{FF2B5EF4-FFF2-40B4-BE49-F238E27FC236}">
+                <a16:creationId xmlns:a16="http://schemas.microsoft.com/office/drawing/2014/main" id="{8442DA94-1EFC-00B3-466C-D3ED72B213E4}"/>
+              </a:ext>
+            </a:extLst>
+          </p:cNvPr>
+          <p:cNvPicPr>
+            <a:picLocks noChangeAspect="1"/>
+          </p:cNvPicPr>
+          <p:nvPr/>
+        </p:nvPicPr>
+        <p:blipFill>
+          <a:blip r:embed="rId10">
+            <a:extLst>
+              <a:ext uri="{28A0092B-C50C-407E-A947-70E740481C1C}">
+                <a14:useLocalDpi xmlns:a14="http://schemas.microsoft.com/office/drawing/2010/main" val="0"/>
+              </a:ext>
+            </a:extLst>
+          </a:blip>
+          <a:stretch>
+            <a:fillRect/>
+          </a:stretch>
+        </p:blipFill>
+        <p:spPr>
+          <a:xfrm>
+            <a:off x="796124" y="4724742"/>
+            <a:ext cx="3199769" cy="1719875"/>
+          </a:xfrm>
+          <a:prstGeom prst="rect">
+            <a:avLst/>
+          </a:prstGeom>
+          <a:ln w="9525">
+            <a:solidFill>
+              <a:schemeClr val="tx1"/>
+            </a:solidFill>
+          </a:ln>
+        </p:spPr>
+      </p:pic>
+      <p:cxnSp>
+        <p:nvCxnSpPr>
+          <p:cNvPr id="85" name="Straight Connector 84">
+            <a:extLst>
+              <a:ext uri="{FF2B5EF4-FFF2-40B4-BE49-F238E27FC236}">
+                <a16:creationId xmlns:a16="http://schemas.microsoft.com/office/drawing/2014/main" id="{504FF2A1-0011-0463-CCC7-18BE4FC8CF92}"/>
+              </a:ext>
+            </a:extLst>
+          </p:cNvPr>
+          <p:cNvCxnSpPr>
+            <a:cxnSpLocks/>
+          </p:cNvCxnSpPr>
+          <p:nvPr/>
+        </p:nvCxnSpPr>
+        <p:spPr>
+          <a:xfrm flipH="1">
+            <a:off x="776202" y="4428654"/>
+            <a:ext cx="780876" cy="293202"/>
+          </a:xfrm>
+          <a:prstGeom prst="line">
+            <a:avLst/>
+          </a:prstGeom>
+        </p:spPr>
+        <p:style>
+          <a:lnRef idx="1">
+            <a:schemeClr val="dk1"/>
+          </a:lnRef>
+          <a:fillRef idx="0">
+            <a:schemeClr val="dk1"/>
+          </a:fillRef>
+          <a:effectRef idx="0">
+            <a:schemeClr val="dk1"/>
+          </a:effectRef>
+          <a:fontRef idx="minor">
+            <a:schemeClr val="tx1"/>
+          </a:fontRef>
+        </p:style>
+      </p:cxnSp>
+      <p:cxnSp>
+        <p:nvCxnSpPr>
+          <p:cNvPr id="86" name="Straight Connector 85">
+            <a:extLst>
+              <a:ext uri="{FF2B5EF4-FFF2-40B4-BE49-F238E27FC236}">
+                <a16:creationId xmlns:a16="http://schemas.microsoft.com/office/drawing/2014/main" id="{C6227B7F-818C-E78C-E203-7144EEAEC771}"/>
+              </a:ext>
+            </a:extLst>
+          </p:cNvPr>
+          <p:cNvCxnSpPr>
+            <a:cxnSpLocks/>
+          </p:cNvCxnSpPr>
+          <p:nvPr/>
+        </p:nvCxnSpPr>
+        <p:spPr>
+          <a:xfrm>
+            <a:off x="2430509" y="4435883"/>
+            <a:ext cx="1540008" cy="261680"/>
+          </a:xfrm>
+          <a:prstGeom prst="line">
+            <a:avLst/>
+          </a:prstGeom>
+        </p:spPr>
+        <p:style>
+          <a:lnRef idx="1">
+            <a:schemeClr val="dk1"/>
+          </a:lnRef>
+          <a:fillRef idx="0">
+            <a:schemeClr val="dk1"/>
+          </a:fillRef>
+          <a:effectRef idx="0">
+            <a:schemeClr val="dk1"/>
+          </a:effectRef>
+          <a:fontRef idx="minor">
+            <a:schemeClr val="tx1"/>
+          </a:fontRef>
+        </p:style>
+      </p:cxnSp>
+      <p:cxnSp>
+        <p:nvCxnSpPr>
+          <p:cNvPr id="96" name="Straight Arrow Connector 95">
+            <a:extLst>
+              <a:ext uri="{FF2B5EF4-FFF2-40B4-BE49-F238E27FC236}">
+                <a16:creationId xmlns:a16="http://schemas.microsoft.com/office/drawing/2014/main" id="{B7292E53-8B76-F91D-4BD4-3230DD9149C3}"/>
+              </a:ext>
+            </a:extLst>
+          </p:cNvPr>
+          <p:cNvCxnSpPr>
+            <a:cxnSpLocks/>
+          </p:cNvCxnSpPr>
+          <p:nvPr/>
+        </p:nvCxnSpPr>
+        <p:spPr>
+          <a:xfrm flipH="1">
+            <a:off x="5468381" y="5272277"/>
+            <a:ext cx="550336" cy="0"/>
+          </a:xfrm>
+          <a:prstGeom prst="straightConnector1">
+            <a:avLst/>
+          </a:prstGeom>
+          <a:ln>
+            <a:tailEnd type="triangle"/>
+          </a:ln>
+        </p:spPr>
+        <p:style>
+          <a:lnRef idx="1">
+            <a:schemeClr val="accent1"/>
+          </a:lnRef>
+          <a:fillRef idx="0">
+            <a:schemeClr val="accent1"/>
+          </a:fillRef>
+          <a:effectRef idx="0">
+            <a:schemeClr val="accent1"/>
+          </a:effectRef>
+          <a:fontRef idx="minor">
+            <a:schemeClr val="tx1"/>
+          </a:fontRef>
+        </p:style>
+      </p:cxnSp>
+      <p:sp>
+        <p:nvSpPr>
+          <p:cNvPr id="98" name="TextBox 97">
+            <a:extLst>
+              <a:ext uri="{FF2B5EF4-FFF2-40B4-BE49-F238E27FC236}">
+                <a16:creationId xmlns:a16="http://schemas.microsoft.com/office/drawing/2014/main" id="{08777027-4D2C-54BD-500D-97C79E6BAC14}"/>
+              </a:ext>
+            </a:extLst>
+          </p:cNvPr>
+          <p:cNvSpPr txBox="1"/>
+          <p:nvPr/>
+        </p:nvSpPr>
+        <p:spPr>
+          <a:xfrm>
+            <a:off x="4531282" y="5120705"/>
+            <a:ext cx="1112788" cy="276999"/>
+          </a:xfrm>
+          <a:prstGeom prst="rect">
+            <a:avLst/>
+          </a:prstGeom>
+          <a:noFill/>
+        </p:spPr>
+        <p:txBody>
+          <a:bodyPr wrap="square" rtlCol="0">
+            <a:spAutoFit/>
+          </a:bodyPr>
+          <a:lstStyle/>
+          <a:p>
+            <a:r>
+              <a:rPr lang="en-SG" sz="1200" b="1" dirty="0">
+                <a:solidFill>
+                  <a:srgbClr val="002060"/>
+                </a:solidFill>
+              </a:rPr>
+              <a:t>Ping request </a:t>
+            </a:r>
+          </a:p>
+        </p:txBody>
+      </p:sp>
+      <p:sp>
+        <p:nvSpPr>
+          <p:cNvPr id="99" name="TextBox 98">
+            <a:extLst>
+              <a:ext uri="{FF2B5EF4-FFF2-40B4-BE49-F238E27FC236}">
+                <a16:creationId xmlns:a16="http://schemas.microsoft.com/office/drawing/2014/main" id="{948BCFDE-69F5-A587-A488-E607B1B0A0B3}"/>
+              </a:ext>
+            </a:extLst>
+          </p:cNvPr>
+          <p:cNvSpPr txBox="1"/>
+          <p:nvPr/>
+        </p:nvSpPr>
+        <p:spPr>
+          <a:xfrm>
+            <a:off x="4557450" y="5517947"/>
+            <a:ext cx="921127" cy="276999"/>
+          </a:xfrm>
+          <a:prstGeom prst="rect">
+            <a:avLst/>
+          </a:prstGeom>
+          <a:noFill/>
+        </p:spPr>
+        <p:txBody>
+          <a:bodyPr wrap="square" rtlCol="0">
+            <a:spAutoFit/>
+          </a:bodyPr>
+          <a:lstStyle/>
+          <a:p>
+            <a:r>
+              <a:rPr lang="en-SG" sz="1200" b="1" dirty="0">
+                <a:solidFill>
+                  <a:srgbClr val="002060"/>
+                </a:solidFill>
+              </a:rPr>
+              <a:t>Report </a:t>
+            </a:r>
+            <a:r>
+              <a:rPr lang="en-SG" sz="1200" b="1" dirty="0" err="1">
+                <a:solidFill>
+                  <a:srgbClr val="002060"/>
+                </a:solidFill>
+              </a:rPr>
+              <a:t>msg</a:t>
+            </a:r>
+            <a:endParaRPr lang="en-SG" sz="1200" b="1" dirty="0">
+              <a:solidFill>
+                <a:srgbClr val="002060"/>
+              </a:solidFill>
+            </a:endParaRPr>
+          </a:p>
+        </p:txBody>
+      </p:sp>
+      <p:cxnSp>
+        <p:nvCxnSpPr>
+          <p:cNvPr id="100" name="Straight Arrow Connector 99">
+            <a:extLst>
+              <a:ext uri="{FF2B5EF4-FFF2-40B4-BE49-F238E27FC236}">
+                <a16:creationId xmlns:a16="http://schemas.microsoft.com/office/drawing/2014/main" id="{9714BF31-EE2F-58C2-4358-DE3EFDA12211}"/>
+              </a:ext>
+            </a:extLst>
+          </p:cNvPr>
+          <p:cNvCxnSpPr>
+            <a:cxnSpLocks/>
+          </p:cNvCxnSpPr>
+          <p:nvPr/>
+        </p:nvCxnSpPr>
+        <p:spPr>
+          <a:xfrm flipH="1">
+            <a:off x="5474194" y="5656447"/>
+            <a:ext cx="555699" cy="0"/>
+          </a:xfrm>
+          <a:prstGeom prst="straightConnector1">
+            <a:avLst/>
+          </a:prstGeom>
+          <a:ln w="28575">
+            <a:solidFill>
+              <a:srgbClr val="00B050"/>
+            </a:solidFill>
+            <a:prstDash val="sysDash"/>
+            <a:tailEnd type="triangle"/>
+          </a:ln>
+        </p:spPr>
+        <p:style>
+          <a:lnRef idx="1">
+            <a:schemeClr val="accent1"/>
+          </a:lnRef>
+          <a:fillRef idx="0">
+            <a:schemeClr val="accent1"/>
+          </a:fillRef>
+          <a:effectRef idx="0">
+            <a:schemeClr val="accent1"/>
+          </a:effectRef>
+          <a:fontRef idx="minor">
+            <a:schemeClr val="tx1"/>
+          </a:fontRef>
+        </p:style>
+      </p:cxnSp>
+      <p:sp>
+        <p:nvSpPr>
+          <p:cNvPr id="102" name="TextBox 101">
+            <a:extLst>
+              <a:ext uri="{FF2B5EF4-FFF2-40B4-BE49-F238E27FC236}">
+                <a16:creationId xmlns:a16="http://schemas.microsoft.com/office/drawing/2014/main" id="{A814F358-9CEF-C075-3A01-7BDA5C4D3E34}"/>
+              </a:ext>
+            </a:extLst>
+          </p:cNvPr>
+          <p:cNvSpPr txBox="1"/>
+          <p:nvPr/>
+        </p:nvSpPr>
+        <p:spPr>
+          <a:xfrm>
+            <a:off x="1368677" y="4490393"/>
+            <a:ext cx="1540008" cy="276999"/>
+          </a:xfrm>
+          <a:prstGeom prst="rect">
+            <a:avLst/>
+          </a:prstGeom>
+          <a:noFill/>
+        </p:spPr>
+        <p:txBody>
+          <a:bodyPr wrap="square" rtlCol="0">
+            <a:spAutoFit/>
+          </a:bodyPr>
+          <a:lstStyle/>
+          <a:p>
+            <a:r>
+              <a:rPr lang="en-SG" sz="1200" b="1" dirty="0">
+                <a:solidFill>
+                  <a:srgbClr val="002060"/>
+                </a:solidFill>
+              </a:rPr>
+              <a:t>Monitor dashboard</a:t>
+            </a:r>
+          </a:p>
+        </p:txBody>
+      </p:sp>
+    </p:spTree>
+    <p:extLst>
+      <p:ext uri="{BB962C8B-B14F-4D97-AF65-F5344CB8AC3E}">
+        <p14:creationId xmlns:p14="http://schemas.microsoft.com/office/powerpoint/2010/main" val="3850701840"/>
+      </p:ext>
+    </p:extLst>
+  </p:cSld>
+  <p:clrMapOvr>
+    <a:masterClrMapping/>
+  </p:clrMapOvr>
+</p:sld>
+</file>
+
 <file path=ppt/theme/theme1.xml><?xml version="1.0" encoding="utf-8"?>
 <a:theme xmlns:a="http://schemas.openxmlformats.org/drawingml/2006/main" name="Office Theme">
   <a:themeElements>

--- a/doc/designDoc.pptx
+++ b/doc/designDoc.pptx
@@ -262,7 +262,7 @@
           <a:p>
             <a:fld id="{CD7A883B-9441-489A-A520-EE2895922BEC}" type="datetimeFigureOut">
               <a:rPr lang="en-SG" smtClean="0"/>
-              <a:t>13/10/2022</a:t>
+              <a:t>20/10/2022</a:t>
             </a:fld>
             <a:endParaRPr lang="en-SG"/>
           </a:p>
@@ -462,7 +462,7 @@
           <a:p>
             <a:fld id="{CD7A883B-9441-489A-A520-EE2895922BEC}" type="datetimeFigureOut">
               <a:rPr lang="en-SG" smtClean="0"/>
-              <a:t>13/10/2022</a:t>
+              <a:t>20/10/2022</a:t>
             </a:fld>
             <a:endParaRPr lang="en-SG"/>
           </a:p>
@@ -672,7 +672,7 @@
           <a:p>
             <a:fld id="{CD7A883B-9441-489A-A520-EE2895922BEC}" type="datetimeFigureOut">
               <a:rPr lang="en-SG" smtClean="0"/>
-              <a:t>13/10/2022</a:t>
+              <a:t>20/10/2022</a:t>
             </a:fld>
             <a:endParaRPr lang="en-SG"/>
           </a:p>
@@ -872,7 +872,7 @@
           <a:p>
             <a:fld id="{CD7A883B-9441-489A-A520-EE2895922BEC}" type="datetimeFigureOut">
               <a:rPr lang="en-SG" smtClean="0"/>
-              <a:t>13/10/2022</a:t>
+              <a:t>20/10/2022</a:t>
             </a:fld>
             <a:endParaRPr lang="en-SG"/>
           </a:p>
@@ -1148,7 +1148,7 @@
           <a:p>
             <a:fld id="{CD7A883B-9441-489A-A520-EE2895922BEC}" type="datetimeFigureOut">
               <a:rPr lang="en-SG" smtClean="0"/>
-              <a:t>13/10/2022</a:t>
+              <a:t>20/10/2022</a:t>
             </a:fld>
             <a:endParaRPr lang="en-SG"/>
           </a:p>
@@ -1416,7 +1416,7 @@
           <a:p>
             <a:fld id="{CD7A883B-9441-489A-A520-EE2895922BEC}" type="datetimeFigureOut">
               <a:rPr lang="en-SG" smtClean="0"/>
-              <a:t>13/10/2022</a:t>
+              <a:t>20/10/2022</a:t>
             </a:fld>
             <a:endParaRPr lang="en-SG"/>
           </a:p>
@@ -1831,7 +1831,7 @@
           <a:p>
             <a:fld id="{CD7A883B-9441-489A-A520-EE2895922BEC}" type="datetimeFigureOut">
               <a:rPr lang="en-SG" smtClean="0"/>
-              <a:t>13/10/2022</a:t>
+              <a:t>20/10/2022</a:t>
             </a:fld>
             <a:endParaRPr lang="en-SG"/>
           </a:p>
@@ -1973,7 +1973,7 @@
           <a:p>
             <a:fld id="{CD7A883B-9441-489A-A520-EE2895922BEC}" type="datetimeFigureOut">
               <a:rPr lang="en-SG" smtClean="0"/>
-              <a:t>13/10/2022</a:t>
+              <a:t>20/10/2022</a:t>
             </a:fld>
             <a:endParaRPr lang="en-SG"/>
           </a:p>
@@ -2086,7 +2086,7 @@
           <a:p>
             <a:fld id="{CD7A883B-9441-489A-A520-EE2895922BEC}" type="datetimeFigureOut">
               <a:rPr lang="en-SG" smtClean="0"/>
-              <a:t>13/10/2022</a:t>
+              <a:t>20/10/2022</a:t>
             </a:fld>
             <a:endParaRPr lang="en-SG"/>
           </a:p>
@@ -2399,7 +2399,7 @@
           <a:p>
             <a:fld id="{CD7A883B-9441-489A-A520-EE2895922BEC}" type="datetimeFigureOut">
               <a:rPr lang="en-SG" smtClean="0"/>
-              <a:t>13/10/2022</a:t>
+              <a:t>20/10/2022</a:t>
             </a:fld>
             <a:endParaRPr lang="en-SG"/>
           </a:p>
@@ -2688,7 +2688,7 @@
           <a:p>
             <a:fld id="{CD7A883B-9441-489A-A520-EE2895922BEC}" type="datetimeFigureOut">
               <a:rPr lang="en-SG" smtClean="0"/>
-              <a:t>13/10/2022</a:t>
+              <a:t>20/10/2022</a:t>
             </a:fld>
             <a:endParaRPr lang="en-SG"/>
           </a:p>
@@ -2931,7 +2931,7 @@
           <a:p>
             <a:fld id="{CD7A883B-9441-489A-A520-EE2895922BEC}" type="datetimeFigureOut">
               <a:rPr lang="en-SG" smtClean="0"/>
-              <a:t>13/10/2022</a:t>
+              <a:t>20/10/2022</a:t>
             </a:fld>
             <a:endParaRPr lang="en-SG"/>
           </a:p>
@@ -3350,6 +3350,60 @@
       </p:grpSpPr>
       <p:sp>
         <p:nvSpPr>
+          <p:cNvPr id="6" name="Rectangle 5">
+            <a:extLst>
+              <a:ext uri="{FF2B5EF4-FFF2-40B4-BE49-F238E27FC236}">
+                <a16:creationId xmlns:a16="http://schemas.microsoft.com/office/drawing/2014/main" id="{B3868545-B913-AF8A-E4DB-928E13545101}"/>
+              </a:ext>
+            </a:extLst>
+          </p:cNvPr>
+          <p:cNvSpPr/>
+          <p:nvPr/>
+        </p:nvSpPr>
+        <p:spPr>
+          <a:xfrm>
+            <a:off x="691375" y="791372"/>
+            <a:ext cx="8028879" cy="5146778"/>
+          </a:xfrm>
+          <a:prstGeom prst="rect">
+            <a:avLst/>
+          </a:prstGeom>
+          <a:solidFill>
+            <a:schemeClr val="accent1">
+              <a:lumMod val="20000"/>
+              <a:lumOff val="80000"/>
+            </a:schemeClr>
+          </a:solidFill>
+        </p:spPr>
+        <p:style>
+          <a:lnRef idx="2">
+            <a:schemeClr val="accent1">
+              <a:shade val="50000"/>
+            </a:schemeClr>
+          </a:lnRef>
+          <a:fillRef idx="1">
+            <a:schemeClr val="accent1"/>
+          </a:fillRef>
+          <a:effectRef idx="0">
+            <a:schemeClr val="accent1"/>
+          </a:effectRef>
+          <a:fontRef idx="minor">
+            <a:schemeClr val="lt1"/>
+          </a:fontRef>
+        </p:style>
+        <p:txBody>
+          <a:bodyPr rtlCol="0" anchor="ctr"/>
+          <a:lstStyle/>
+          <a:p>
+            <a:pPr algn="ctr"/>
+            <a:endParaRPr lang="en-SG" dirty="0">
+              <a:noFill/>
+            </a:endParaRPr>
+          </a:p>
+        </p:txBody>
+      </p:sp>
+      <p:sp>
+        <p:nvSpPr>
           <p:cNvPr id="36" name="矩形 9">
             <a:extLst>
               <a:ext uri="{FF2B5EF4-FFF2-40B4-BE49-F238E27FC236}">
@@ -3362,7 +3416,7 @@
         </p:nvSpPr>
         <p:spPr>
           <a:xfrm>
-            <a:off x="2712627" y="4017418"/>
+            <a:off x="1118002" y="4586130"/>
             <a:ext cx="1544208" cy="1140781"/>
           </a:xfrm>
           <a:prstGeom prst="rect">
@@ -3409,7 +3463,7 @@
         </p:nvSpPr>
         <p:spPr>
           <a:xfrm>
-            <a:off x="2664407" y="3994912"/>
+            <a:off x="1069782" y="4563624"/>
             <a:ext cx="1950336" cy="276999"/>
           </a:xfrm>
           <a:prstGeom prst="rect">
@@ -3453,7 +3507,7 @@
         </p:nvSpPr>
         <p:spPr>
           <a:xfrm>
-            <a:off x="4590288" y="4017418"/>
+            <a:off x="2995663" y="4586130"/>
             <a:ext cx="1712378" cy="1140781"/>
           </a:xfrm>
           <a:prstGeom prst="rect">
@@ -3500,7 +3554,7 @@
         </p:nvSpPr>
         <p:spPr>
           <a:xfrm>
-            <a:off x="6808723" y="2626112"/>
+            <a:off x="5214098" y="3194824"/>
             <a:ext cx="2993645" cy="1643752"/>
           </a:xfrm>
           <a:prstGeom prst="rect">
@@ -3547,7 +3601,7 @@
         </p:nvSpPr>
         <p:spPr>
           <a:xfrm>
-            <a:off x="6808723" y="2626111"/>
+            <a:off x="5214098" y="3194823"/>
             <a:ext cx="1641854" cy="338554"/>
           </a:xfrm>
           <a:prstGeom prst="rect">
@@ -3599,7 +3653,7 @@
         </p:blipFill>
         <p:spPr>
           <a:xfrm>
-            <a:off x="7905447" y="3203415"/>
+            <a:off x="6310822" y="3772127"/>
             <a:ext cx="752381" cy="585715"/>
           </a:xfrm>
           <a:prstGeom prst="rect">
@@ -3623,7 +3677,7 @@
         </p:nvCxnSpPr>
         <p:spPr>
           <a:xfrm flipV="1">
-            <a:off x="8129239" y="1688244"/>
+            <a:off x="6534614" y="2256956"/>
             <a:ext cx="0" cy="1640172"/>
           </a:xfrm>
           <a:prstGeom prst="straightConnector1">
@@ -3662,7 +3716,7 @@
         </p:nvSpPr>
         <p:spPr>
           <a:xfrm>
-            <a:off x="7751433" y="2234240"/>
+            <a:off x="6156808" y="2802952"/>
             <a:ext cx="802249" cy="230832"/>
           </a:xfrm>
           <a:prstGeom prst="rect">
@@ -3706,7 +3760,7 @@
         </p:nvSpPr>
         <p:spPr>
           <a:xfrm>
-            <a:off x="7445946" y="1171708"/>
+            <a:off x="5851321" y="1740420"/>
             <a:ext cx="956953" cy="512956"/>
           </a:xfrm>
           <a:prstGeom prst="cloud">
@@ -3764,7 +3818,7 @@
         </p:blipFill>
         <p:spPr>
           <a:xfrm>
-            <a:off x="8044491" y="3313392"/>
+            <a:off x="6449866" y="3882104"/>
             <a:ext cx="370663" cy="370663"/>
           </a:xfrm>
           <a:prstGeom prst="rect">
@@ -3791,7 +3845,7 @@
         </p:nvSpPr>
         <p:spPr>
           <a:xfrm>
-            <a:off x="7450784" y="1565298"/>
+            <a:off x="5856159" y="2134010"/>
             <a:ext cx="802249" cy="507831"/>
           </a:xfrm>
           <a:prstGeom prst="rect">
@@ -3837,7 +3891,7 @@
         </p:nvCxnSpPr>
         <p:spPr>
           <a:xfrm flipV="1">
-            <a:off x="8372478" y="898986"/>
+            <a:off x="6777853" y="1467698"/>
             <a:ext cx="0" cy="2398743"/>
           </a:xfrm>
           <a:prstGeom prst="straightConnector1">
@@ -3876,7 +3930,7 @@
         </p:nvSpPr>
         <p:spPr>
           <a:xfrm>
-            <a:off x="7905064" y="351139"/>
+            <a:off x="6310439" y="919851"/>
             <a:ext cx="956953" cy="512956"/>
           </a:xfrm>
           <a:prstGeom prst="cloud">
@@ -3926,7 +3980,7 @@
         </p:nvSpPr>
         <p:spPr>
           <a:xfrm>
-            <a:off x="8415156" y="819372"/>
+            <a:off x="6820531" y="1388084"/>
             <a:ext cx="802249" cy="369332"/>
           </a:xfrm>
           <a:prstGeom prst="rect">
@@ -3973,7 +4027,7 @@
         </p:nvCxnSpPr>
         <p:spPr>
           <a:xfrm flipH="1">
-            <a:off x="5672160" y="3641379"/>
+            <a:off x="4077535" y="4210091"/>
             <a:ext cx="2232904" cy="1122645"/>
           </a:xfrm>
           <a:prstGeom prst="line">
@@ -4010,7 +4064,7 @@
         </p:nvSpPr>
         <p:spPr>
           <a:xfrm>
-            <a:off x="4522862" y="3985171"/>
+            <a:off x="2928237" y="4553883"/>
             <a:ext cx="1864242" cy="276999"/>
           </a:xfrm>
           <a:prstGeom prst="rect">
@@ -4069,7 +4123,7 @@
         </p:blipFill>
         <p:spPr bwMode="auto">
           <a:xfrm>
-            <a:off x="5097403" y="4542088"/>
+            <a:off x="3502778" y="5110800"/>
             <a:ext cx="524323" cy="524323"/>
           </a:xfrm>
           <a:prstGeom prst="rect">
@@ -4106,7 +4160,7 @@
         </p:nvSpPr>
         <p:spPr>
           <a:xfrm>
-            <a:off x="8329802" y="2249903"/>
+            <a:off x="6735177" y="2818615"/>
             <a:ext cx="802249" cy="230832"/>
           </a:xfrm>
           <a:prstGeom prst="rect">
@@ -4152,7 +4206,7 @@
         </p:nvCxnSpPr>
         <p:spPr>
           <a:xfrm flipH="1">
-            <a:off x="5632321" y="3539396"/>
+            <a:off x="4037696" y="4108108"/>
             <a:ext cx="2272743" cy="1142332"/>
           </a:xfrm>
           <a:prstGeom prst="straightConnector1">
@@ -4191,7 +4245,7 @@
         </p:nvSpPr>
         <p:spPr>
           <a:xfrm>
-            <a:off x="6387487" y="4039032"/>
+            <a:off x="4792862" y="4607744"/>
             <a:ext cx="802249" cy="230832"/>
           </a:xfrm>
           <a:prstGeom prst="rect">
@@ -4235,7 +4289,7 @@
         </p:nvSpPr>
         <p:spPr>
           <a:xfrm>
-            <a:off x="6280628" y="4375013"/>
+            <a:off x="4686003" y="4943725"/>
             <a:ext cx="802249" cy="230832"/>
           </a:xfrm>
           <a:prstGeom prst="rect">
@@ -4285,7 +4339,7 @@
         </p:nvCxnSpPr>
         <p:spPr>
           <a:xfrm flipH="1">
-            <a:off x="4078224" y="4838948"/>
+            <a:off x="2483599" y="5407660"/>
             <a:ext cx="1019179" cy="0"/>
           </a:xfrm>
           <a:prstGeom prst="line">
@@ -4324,7 +4378,7 @@
         </p:nvCxnSpPr>
         <p:spPr>
           <a:xfrm flipH="1">
-            <a:off x="4078224" y="4725022"/>
+            <a:off x="2483599" y="5293734"/>
             <a:ext cx="979810" cy="0"/>
           </a:xfrm>
           <a:prstGeom prst="straightConnector1">
@@ -4363,7 +4417,7 @@
         </p:nvSpPr>
         <p:spPr>
           <a:xfrm>
-            <a:off x="4522862" y="4510130"/>
+            <a:off x="2928237" y="5078842"/>
             <a:ext cx="802249" cy="230832"/>
           </a:xfrm>
           <a:prstGeom prst="rect">
@@ -4415,7 +4469,7 @@
         </p:blipFill>
         <p:spPr>
           <a:xfrm>
-            <a:off x="2873653" y="4510130"/>
+            <a:off x="1279028" y="5078842"/>
             <a:ext cx="1161905" cy="476190"/>
           </a:xfrm>
           <a:prstGeom prst="rect">
@@ -4442,7 +4496,7 @@
         </p:nvSpPr>
         <p:spPr>
           <a:xfrm>
-            <a:off x="4186688" y="4863765"/>
+            <a:off x="2592063" y="5432477"/>
             <a:ext cx="802249" cy="230832"/>
           </a:xfrm>
           <a:prstGeom prst="rect">
@@ -4490,7 +4544,7 @@
         </p:nvSpPr>
         <p:spPr>
           <a:xfrm>
-            <a:off x="5043542" y="4329781"/>
+            <a:off x="3448917" y="4898493"/>
             <a:ext cx="802249" cy="230832"/>
           </a:xfrm>
           <a:prstGeom prst="rect">
@@ -4534,7 +4588,7 @@
         </p:nvSpPr>
         <p:spPr>
           <a:xfrm>
-            <a:off x="2835620" y="4294417"/>
+            <a:off x="1240995" y="4863129"/>
             <a:ext cx="802249" cy="230832"/>
           </a:xfrm>
           <a:prstGeom prst="rect">
@@ -4578,7 +4632,7 @@
         </p:nvSpPr>
         <p:spPr>
           <a:xfrm>
-            <a:off x="8354429" y="3354262"/>
+            <a:off x="6759804" y="3922974"/>
             <a:ext cx="802249" cy="230832"/>
           </a:xfrm>
           <a:prstGeom prst="rect">
@@ -4616,7 +4670,7 @@
         </p:nvCxnSpPr>
         <p:spPr>
           <a:xfrm>
-            <a:off x="8281637" y="3641379"/>
+            <a:off x="6687012" y="4210091"/>
             <a:ext cx="0" cy="308314"/>
           </a:xfrm>
           <a:prstGeom prst="straightConnector1">
@@ -4658,7 +4712,7 @@
         </p:nvSpPr>
         <p:spPr>
           <a:xfrm>
-            <a:off x="8198082" y="3972558"/>
+            <a:off x="6603457" y="4541270"/>
             <a:ext cx="204817" cy="171879"/>
           </a:xfrm>
           <a:prstGeom prst="can">
@@ -4704,7 +4758,7 @@
         </p:nvSpPr>
         <p:spPr>
           <a:xfrm>
-            <a:off x="8402899" y="3918574"/>
+            <a:off x="6808274" y="4487286"/>
             <a:ext cx="802249" cy="230832"/>
           </a:xfrm>
           <a:prstGeom prst="rect">
@@ -4740,7 +4794,7 @@
         </p:nvSpPr>
         <p:spPr>
           <a:xfrm>
-            <a:off x="6357584" y="3145231"/>
+            <a:off x="4762959" y="3713943"/>
             <a:ext cx="802249" cy="230832"/>
           </a:xfrm>
           <a:prstGeom prst="rect">
@@ -4784,7 +4838,7 @@
         </p:nvSpPr>
         <p:spPr>
           <a:xfrm>
-            <a:off x="2725715" y="2208102"/>
+            <a:off x="1131090" y="2776814"/>
             <a:ext cx="2993645" cy="1643752"/>
           </a:xfrm>
           <a:prstGeom prst="rect">
@@ -4831,7 +4885,7 @@
         </p:nvSpPr>
         <p:spPr>
           <a:xfrm>
-            <a:off x="2725715" y="2208101"/>
+            <a:off x="1131090" y="2776813"/>
             <a:ext cx="1641854" cy="338554"/>
           </a:xfrm>
           <a:prstGeom prst="rect">
@@ -4877,7 +4931,7 @@
         </p:nvCxnSpPr>
         <p:spPr>
           <a:xfrm flipH="1" flipV="1">
-            <a:off x="5097403" y="3368815"/>
+            <a:off x="3502778" y="3937527"/>
             <a:ext cx="2819603" cy="7248"/>
           </a:xfrm>
           <a:prstGeom prst="straightConnector1">
@@ -4919,7 +4973,7 @@
         </p:nvSpPr>
         <p:spPr>
           <a:xfrm>
-            <a:off x="4273815" y="3300808"/>
+            <a:off x="2679190" y="3869520"/>
             <a:ext cx="802249" cy="329535"/>
           </a:xfrm>
           <a:prstGeom prst="rect">
@@ -4971,7 +5025,7 @@
         </p:nvCxnSpPr>
         <p:spPr>
           <a:xfrm flipV="1">
-            <a:off x="4831301" y="3101825"/>
+            <a:off x="3236676" y="3670537"/>
             <a:ext cx="0" cy="198983"/>
           </a:xfrm>
           <a:prstGeom prst="straightConnector1">
@@ -5021,7 +5075,7 @@
         </p:blipFill>
         <p:spPr>
           <a:xfrm>
-            <a:off x="4473678" y="2456491"/>
+            <a:off x="2879053" y="3025203"/>
             <a:ext cx="636948" cy="629395"/>
           </a:xfrm>
           <a:prstGeom prst="rect">
@@ -5045,7 +5099,7 @@
         </p:nvCxnSpPr>
         <p:spPr>
           <a:xfrm flipH="1" flipV="1">
-            <a:off x="3940843" y="3101825"/>
+            <a:off x="2346218" y="3670537"/>
             <a:ext cx="332972" cy="224699"/>
           </a:xfrm>
           <a:prstGeom prst="straightConnector1">
@@ -5087,7 +5141,7 @@
         </p:nvSpPr>
         <p:spPr>
           <a:xfrm rot="10800000">
-            <a:off x="3940843" y="2821642"/>
+            <a:off x="2346218" y="3390354"/>
             <a:ext cx="490159" cy="141665"/>
           </a:xfrm>
           <a:prstGeom prst="rightArrow">
@@ -5133,7 +5187,7 @@
         </p:nvSpPr>
         <p:spPr>
           <a:xfrm>
-            <a:off x="4423799" y="2169179"/>
+            <a:off x="2829174" y="2737891"/>
             <a:ext cx="1395842" cy="230832"/>
           </a:xfrm>
           <a:prstGeom prst="rect">
@@ -5184,7 +5238,7 @@
         </p:blipFill>
         <p:spPr bwMode="auto">
           <a:xfrm>
-            <a:off x="2903919" y="2709997"/>
+            <a:off x="1309294" y="3278709"/>
             <a:ext cx="1001478" cy="445101"/>
           </a:xfrm>
           <a:prstGeom prst="rect">
@@ -5221,7 +5275,7 @@
         </p:nvSpPr>
         <p:spPr>
           <a:xfrm>
-            <a:off x="2664407" y="1418534"/>
+            <a:off x="1069782" y="1987246"/>
             <a:ext cx="1176072" cy="230832"/>
           </a:xfrm>
           <a:prstGeom prst="rect">
@@ -5285,7 +5339,7 @@
         </p:blipFill>
         <p:spPr bwMode="auto">
           <a:xfrm>
-            <a:off x="3509311" y="1367394"/>
+            <a:off x="1914686" y="1936106"/>
             <a:ext cx="257116" cy="257116"/>
           </a:xfrm>
           <a:prstGeom prst="rect">
@@ -5319,7 +5373,7 @@
         </p:nvCxnSpPr>
         <p:spPr>
           <a:xfrm>
-            <a:off x="3445688" y="1656753"/>
+            <a:off x="1851063" y="2225465"/>
             <a:ext cx="0" cy="1010905"/>
           </a:xfrm>
           <a:prstGeom prst="straightConnector1">
@@ -5358,7 +5412,7 @@
         </p:nvSpPr>
         <p:spPr>
           <a:xfrm>
-            <a:off x="3411576" y="2436826"/>
+            <a:off x="1816951" y="3005538"/>
             <a:ext cx="802249" cy="230832"/>
           </a:xfrm>
           <a:prstGeom prst="rect">
@@ -5402,7 +5456,7 @@
         </p:nvSpPr>
         <p:spPr>
           <a:xfrm>
-            <a:off x="3967224" y="2669458"/>
+            <a:off x="2372599" y="3238170"/>
             <a:ext cx="802249" cy="230832"/>
           </a:xfrm>
           <a:prstGeom prst="rect">
@@ -5446,7 +5500,7 @@
         </p:nvSpPr>
         <p:spPr>
           <a:xfrm>
-            <a:off x="2597829" y="1649896"/>
+            <a:off x="1003204" y="2218608"/>
             <a:ext cx="2981960" cy="230832"/>
           </a:xfrm>
           <a:prstGeom prst="rect">
@@ -5504,8 +5558,8 @@
         </p:nvCxnSpPr>
         <p:spPr>
           <a:xfrm flipV="1">
-            <a:off x="2286000" y="2068595"/>
-            <a:ext cx="7635240" cy="0"/>
+            <a:off x="691375" y="2633949"/>
+            <a:ext cx="8028879" cy="3358"/>
           </a:xfrm>
           <a:prstGeom prst="line">
             <a:avLst/>
@@ -5543,7 +5597,7 @@
         </p:nvSpPr>
         <p:spPr>
           <a:xfrm>
-            <a:off x="8702636" y="1730714"/>
+            <a:off x="7108011" y="2299426"/>
             <a:ext cx="1523769" cy="369332"/>
           </a:xfrm>
           <a:prstGeom prst="rect">
@@ -5583,7 +5637,7 @@
         </p:nvSpPr>
         <p:spPr>
           <a:xfrm>
-            <a:off x="8754244" y="2065237"/>
+            <a:off x="7159619" y="2633949"/>
             <a:ext cx="1320499" cy="369332"/>
           </a:xfrm>
           <a:prstGeom prst="rect">
@@ -5606,6 +5660,91 @@
               <a:t>   </a:t>
             </a:r>
             <a:endParaRPr lang="en-SG" dirty="0"/>
+          </a:p>
+        </p:txBody>
+      </p:sp>
+      <p:pic>
+        <p:nvPicPr>
+          <p:cNvPr id="3" name="Picture 2" descr="Graphical user interface, text&#10;&#10;Description automatically generated with medium confidence">
+            <a:extLst>
+              <a:ext uri="{FF2B5EF4-FFF2-40B4-BE49-F238E27FC236}">
+                <a16:creationId xmlns:a16="http://schemas.microsoft.com/office/drawing/2014/main" id="{E90EE576-8FA6-57EA-06F1-80E41198B904}"/>
+              </a:ext>
+            </a:extLst>
+          </p:cNvPr>
+          <p:cNvPicPr>
+            <a:picLocks noChangeAspect="1"/>
+          </p:cNvPicPr>
+          <p:nvPr/>
+        </p:nvPicPr>
+        <p:blipFill>
+          <a:blip r:embed="rId9">
+            <a:extLst>
+              <a:ext uri="{28A0092B-C50C-407E-A947-70E740481C1C}">
+                <a14:useLocalDpi xmlns:a14="http://schemas.microsoft.com/office/drawing/2010/main" val="0"/>
+              </a:ext>
+            </a:extLst>
+          </a:blip>
+          <a:stretch>
+            <a:fillRect/>
+          </a:stretch>
+        </p:blipFill>
+        <p:spPr>
+          <a:xfrm>
+            <a:off x="5851321" y="5267997"/>
+            <a:ext cx="2742180" cy="597458"/>
+          </a:xfrm>
+          <a:prstGeom prst="rect">
+            <a:avLst/>
+          </a:prstGeom>
+          <a:ln w="3175">
+            <a:solidFill>
+              <a:schemeClr val="tx1"/>
+            </a:solidFill>
+          </a:ln>
+        </p:spPr>
+      </p:pic>
+      <p:sp>
+        <p:nvSpPr>
+          <p:cNvPr id="13" name="TextBox 12">
+            <a:extLst>
+              <a:ext uri="{FF2B5EF4-FFF2-40B4-BE49-F238E27FC236}">
+                <a16:creationId xmlns:a16="http://schemas.microsoft.com/office/drawing/2014/main" id="{BB8294A8-1035-782E-D523-671A5AE6B525}"/>
+              </a:ext>
+            </a:extLst>
+          </p:cNvPr>
+          <p:cNvSpPr txBox="1"/>
+          <p:nvPr/>
+        </p:nvSpPr>
+        <p:spPr>
+          <a:xfrm>
+            <a:off x="856976" y="925430"/>
+            <a:ext cx="4823403" cy="461665"/>
+          </a:xfrm>
+          <a:prstGeom prst="rect">
+            <a:avLst/>
+          </a:prstGeom>
+          <a:noFill/>
+        </p:spPr>
+        <p:txBody>
+          <a:bodyPr wrap="square" rtlCol="0">
+            <a:spAutoFit/>
+          </a:bodyPr>
+          <a:lstStyle/>
+          <a:p>
+            <a:r>
+              <a:rPr lang="en-US" sz="2400" b="1" dirty="0">
+                <a:solidFill>
+                  <a:srgbClr val="002060"/>
+                </a:solidFill>
+              </a:rPr>
+              <a:t>NCL-CIDEX Connection Monitor Hub</a:t>
+            </a:r>
+            <a:endParaRPr lang="en-SG" sz="2400" b="1" dirty="0">
+              <a:solidFill>
+                <a:srgbClr val="002060"/>
+              </a:solidFill>
+            </a:endParaRPr>
           </a:p>
         </p:txBody>
       </p:sp>

--- a/doc/designDoc.pptx
+++ b/doc/designDoc.pptx
@@ -262,7 +262,7 @@
           <a:p>
             <a:fld id="{CD7A883B-9441-489A-A520-EE2895922BEC}" type="datetimeFigureOut">
               <a:rPr lang="en-SG" smtClean="0"/>
-              <a:t>20/10/2022</a:t>
+              <a:t>26/10/2022</a:t>
             </a:fld>
             <a:endParaRPr lang="en-SG"/>
           </a:p>
@@ -462,7 +462,7 @@
           <a:p>
             <a:fld id="{CD7A883B-9441-489A-A520-EE2895922BEC}" type="datetimeFigureOut">
               <a:rPr lang="en-SG" smtClean="0"/>
-              <a:t>20/10/2022</a:t>
+              <a:t>26/10/2022</a:t>
             </a:fld>
             <a:endParaRPr lang="en-SG"/>
           </a:p>
@@ -672,7 +672,7 @@
           <a:p>
             <a:fld id="{CD7A883B-9441-489A-A520-EE2895922BEC}" type="datetimeFigureOut">
               <a:rPr lang="en-SG" smtClean="0"/>
-              <a:t>20/10/2022</a:t>
+              <a:t>26/10/2022</a:t>
             </a:fld>
             <a:endParaRPr lang="en-SG"/>
           </a:p>
@@ -872,7 +872,7 @@
           <a:p>
             <a:fld id="{CD7A883B-9441-489A-A520-EE2895922BEC}" type="datetimeFigureOut">
               <a:rPr lang="en-SG" smtClean="0"/>
-              <a:t>20/10/2022</a:t>
+              <a:t>26/10/2022</a:t>
             </a:fld>
             <a:endParaRPr lang="en-SG"/>
           </a:p>
@@ -1148,7 +1148,7 @@
           <a:p>
             <a:fld id="{CD7A883B-9441-489A-A520-EE2895922BEC}" type="datetimeFigureOut">
               <a:rPr lang="en-SG" smtClean="0"/>
-              <a:t>20/10/2022</a:t>
+              <a:t>26/10/2022</a:t>
             </a:fld>
             <a:endParaRPr lang="en-SG"/>
           </a:p>
@@ -1416,7 +1416,7 @@
           <a:p>
             <a:fld id="{CD7A883B-9441-489A-A520-EE2895922BEC}" type="datetimeFigureOut">
               <a:rPr lang="en-SG" smtClean="0"/>
-              <a:t>20/10/2022</a:t>
+              <a:t>26/10/2022</a:t>
             </a:fld>
             <a:endParaRPr lang="en-SG"/>
           </a:p>
@@ -1831,7 +1831,7 @@
           <a:p>
             <a:fld id="{CD7A883B-9441-489A-A520-EE2895922BEC}" type="datetimeFigureOut">
               <a:rPr lang="en-SG" smtClean="0"/>
-              <a:t>20/10/2022</a:t>
+              <a:t>26/10/2022</a:t>
             </a:fld>
             <a:endParaRPr lang="en-SG"/>
           </a:p>
@@ -1973,7 +1973,7 @@
           <a:p>
             <a:fld id="{CD7A883B-9441-489A-A520-EE2895922BEC}" type="datetimeFigureOut">
               <a:rPr lang="en-SG" smtClean="0"/>
-              <a:t>20/10/2022</a:t>
+              <a:t>26/10/2022</a:t>
             </a:fld>
             <a:endParaRPr lang="en-SG"/>
           </a:p>
@@ -2086,7 +2086,7 @@
           <a:p>
             <a:fld id="{CD7A883B-9441-489A-A520-EE2895922BEC}" type="datetimeFigureOut">
               <a:rPr lang="en-SG" smtClean="0"/>
-              <a:t>20/10/2022</a:t>
+              <a:t>26/10/2022</a:t>
             </a:fld>
             <a:endParaRPr lang="en-SG"/>
           </a:p>
@@ -2399,7 +2399,7 @@
           <a:p>
             <a:fld id="{CD7A883B-9441-489A-A520-EE2895922BEC}" type="datetimeFigureOut">
               <a:rPr lang="en-SG" smtClean="0"/>
-              <a:t>20/10/2022</a:t>
+              <a:t>26/10/2022</a:t>
             </a:fld>
             <a:endParaRPr lang="en-SG"/>
           </a:p>
@@ -2688,7 +2688,7 @@
           <a:p>
             <a:fld id="{CD7A883B-9441-489A-A520-EE2895922BEC}" type="datetimeFigureOut">
               <a:rPr lang="en-SG" smtClean="0"/>
-              <a:t>20/10/2022</a:t>
+              <a:t>26/10/2022</a:t>
             </a:fld>
             <a:endParaRPr lang="en-SG"/>
           </a:p>
@@ -2931,7 +2931,7 @@
           <a:p>
             <a:fld id="{CD7A883B-9441-489A-A520-EE2895922BEC}" type="datetimeFigureOut">
               <a:rPr lang="en-SG" smtClean="0"/>
-              <a:t>20/10/2022</a:t>
+              <a:t>26/10/2022</a:t>
             </a:fld>
             <a:endParaRPr lang="en-SG"/>
           </a:p>
@@ -3416,8 +3416,8 @@
         </p:nvSpPr>
         <p:spPr>
           <a:xfrm>
-            <a:off x="1118002" y="4586130"/>
-            <a:ext cx="1544208" cy="1140781"/>
+            <a:off x="1118002" y="4713149"/>
+            <a:ext cx="1544208" cy="1013762"/>
           </a:xfrm>
           <a:prstGeom prst="rect">
             <a:avLst/>
@@ -3463,7 +3463,7 @@
         </p:nvSpPr>
         <p:spPr>
           <a:xfrm>
-            <a:off x="1069782" y="4563624"/>
+            <a:off x="1078479" y="4675273"/>
             <a:ext cx="1950336" cy="276999"/>
           </a:xfrm>
           <a:prstGeom prst="rect">
@@ -3507,8 +3507,8 @@
         </p:nvSpPr>
         <p:spPr>
           <a:xfrm>
-            <a:off x="2995663" y="4586130"/>
-            <a:ext cx="1712378" cy="1140781"/>
+            <a:off x="2995663" y="4713149"/>
+            <a:ext cx="1712378" cy="1013762"/>
           </a:xfrm>
           <a:prstGeom prst="rect">
             <a:avLst/>
@@ -4064,7 +4064,7 @@
         </p:nvSpPr>
         <p:spPr>
           <a:xfrm>
-            <a:off x="2928237" y="4553883"/>
+            <a:off x="2950403" y="4700269"/>
             <a:ext cx="1864242" cy="276999"/>
           </a:xfrm>
           <a:prstGeom prst="rect">
@@ -4759,7 +4759,7 @@
         <p:spPr>
           <a:xfrm>
             <a:off x="6808274" y="4487286"/>
-            <a:ext cx="802249" cy="230832"/>
+            <a:ext cx="802249" cy="369332"/>
           </a:xfrm>
           <a:prstGeom prst="rect">
             <a:avLst/>
@@ -4774,7 +4774,7 @@
           <a:p>
             <a:r>
               <a:rPr lang="en-US" sz="900" dirty="0"/>
-              <a:t>Local storage</a:t>
+              <a:t>Local storage [text log file]</a:t>
             </a:r>
             <a:endParaRPr lang="en-SG" sz="900" dirty="0"/>
           </a:p>
@@ -4838,8 +4838,8 @@
         </p:nvSpPr>
         <p:spPr>
           <a:xfrm>
-            <a:off x="1131090" y="2776814"/>
-            <a:ext cx="2993645" cy="1643752"/>
+            <a:off x="865554" y="2799732"/>
+            <a:ext cx="3400519" cy="1825345"/>
           </a:xfrm>
           <a:prstGeom prst="rect">
             <a:avLst/>
@@ -4931,8 +4931,8 @@
         </p:nvCxnSpPr>
         <p:spPr>
           <a:xfrm flipH="1" flipV="1">
-            <a:off x="3502778" y="3937527"/>
-            <a:ext cx="2819603" cy="7248"/>
+            <a:off x="3919873" y="3938339"/>
+            <a:ext cx="2402508" cy="6436"/>
           </a:xfrm>
           <a:prstGeom prst="straightConnector1">
             <a:avLst/>
@@ -4973,7 +4973,7 @@
         </p:nvSpPr>
         <p:spPr>
           <a:xfrm>
-            <a:off x="2679190" y="3869520"/>
+            <a:off x="3003150" y="3869161"/>
             <a:ext cx="802249" cy="329535"/>
           </a:xfrm>
           <a:prstGeom prst="rect">
@@ -5025,7 +5025,7 @@
         </p:nvCxnSpPr>
         <p:spPr>
           <a:xfrm flipV="1">
-            <a:off x="3236676" y="3670537"/>
+            <a:off x="3502778" y="3654598"/>
             <a:ext cx="0" cy="198983"/>
           </a:xfrm>
           <a:prstGeom prst="straightConnector1">
@@ -5075,7 +5075,7 @@
         </p:blipFill>
         <p:spPr>
           <a:xfrm>
-            <a:off x="2879053" y="3025203"/>
+            <a:off x="3203046" y="3024951"/>
             <a:ext cx="636948" cy="629395"/>
           </a:xfrm>
           <a:prstGeom prst="rect">
@@ -5100,7 +5100,7 @@
         <p:spPr>
           <a:xfrm flipH="1" flipV="1">
             <a:off x="2346218" y="3670537"/>
-            <a:ext cx="332972" cy="224699"/>
+            <a:ext cx="668239" cy="209962"/>
           </a:xfrm>
           <a:prstGeom prst="straightConnector1">
             <a:avLst/>
@@ -5141,8 +5141,8 @@
         </p:nvSpPr>
         <p:spPr>
           <a:xfrm rot="10800000">
-            <a:off x="2346218" y="3390354"/>
-            <a:ext cx="490159" cy="141665"/>
+            <a:off x="2346217" y="3390354"/>
+            <a:ext cx="802248" cy="120364"/>
           </a:xfrm>
           <a:prstGeom prst="rightArrow">
             <a:avLst/>
@@ -5456,7 +5456,7 @@
         </p:nvSpPr>
         <p:spPr>
           <a:xfrm>
-            <a:off x="2372599" y="3238170"/>
+            <a:off x="2383224" y="3172165"/>
             <a:ext cx="802249" cy="230832"/>
           </a:xfrm>
           <a:prstGeom prst="rect">
@@ -5748,6 +5748,406 @@
           </a:p>
         </p:txBody>
       </p:sp>
+      <p:sp>
+        <p:nvSpPr>
+          <p:cNvPr id="18" name="Rectangle 17">
+            <a:extLst>
+              <a:ext uri="{FF2B5EF4-FFF2-40B4-BE49-F238E27FC236}">
+                <a16:creationId xmlns:a16="http://schemas.microsoft.com/office/drawing/2014/main" id="{3CE4CB6F-231C-53F7-701A-4F7EDEF7C880}"/>
+              </a:ext>
+            </a:extLst>
+          </p:cNvPr>
+          <p:cNvSpPr/>
+          <p:nvPr/>
+        </p:nvSpPr>
+        <p:spPr>
+          <a:xfrm>
+            <a:off x="2109530" y="4196234"/>
+            <a:ext cx="802249" cy="329535"/>
+          </a:xfrm>
+          <a:prstGeom prst="rect">
+            <a:avLst/>
+          </a:prstGeom>
+        </p:spPr>
+        <p:style>
+          <a:lnRef idx="2">
+            <a:schemeClr val="accent1">
+              <a:shade val="50000"/>
+            </a:schemeClr>
+          </a:lnRef>
+          <a:fillRef idx="1">
+            <a:schemeClr val="accent1"/>
+          </a:fillRef>
+          <a:effectRef idx="0">
+            <a:schemeClr val="accent1"/>
+          </a:effectRef>
+          <a:fontRef idx="minor">
+            <a:schemeClr val="lt1"/>
+          </a:fontRef>
+        </p:style>
+        <p:txBody>
+          <a:bodyPr rtlCol="0" anchor="ctr"/>
+          <a:lstStyle/>
+          <a:p>
+            <a:pPr algn="ctr"/>
+            <a:r>
+              <a:rPr lang="en-SG" sz="900" dirty="0"/>
+              <a:t>alert raise module </a:t>
+            </a:r>
+          </a:p>
+        </p:txBody>
+      </p:sp>
+      <p:sp>
+        <p:nvSpPr>
+          <p:cNvPr id="23" name="Rectangle 22">
+            <a:extLst>
+              <a:ext uri="{FF2B5EF4-FFF2-40B4-BE49-F238E27FC236}">
+                <a16:creationId xmlns:a16="http://schemas.microsoft.com/office/drawing/2014/main" id="{0D7333E1-C362-17CE-3F0F-263CF26753BF}"/>
+              </a:ext>
+            </a:extLst>
+          </p:cNvPr>
+          <p:cNvSpPr/>
+          <p:nvPr/>
+        </p:nvSpPr>
+        <p:spPr>
+          <a:xfrm>
+            <a:off x="1000533" y="3924155"/>
+            <a:ext cx="1001478" cy="272080"/>
+          </a:xfrm>
+          <a:prstGeom prst="rect">
+            <a:avLst/>
+          </a:prstGeom>
+        </p:spPr>
+        <p:style>
+          <a:lnRef idx="2">
+            <a:schemeClr val="accent1">
+              <a:shade val="50000"/>
+            </a:schemeClr>
+          </a:lnRef>
+          <a:fillRef idx="1">
+            <a:schemeClr val="accent1"/>
+          </a:fillRef>
+          <a:effectRef idx="0">
+            <a:schemeClr val="accent1"/>
+          </a:effectRef>
+          <a:fontRef idx="minor">
+            <a:schemeClr val="lt1"/>
+          </a:fontRef>
+        </p:style>
+        <p:txBody>
+          <a:bodyPr rtlCol="0" anchor="ctr"/>
+          <a:lstStyle/>
+          <a:p>
+            <a:pPr algn="ctr"/>
+            <a:r>
+              <a:rPr lang="en-SG" sz="900" dirty="0"/>
+              <a:t>Connection map module</a:t>
+            </a:r>
+          </a:p>
+        </p:txBody>
+      </p:sp>
+      <p:cxnSp>
+        <p:nvCxnSpPr>
+          <p:cNvPr id="31" name="Connector: Elbow 30">
+            <a:extLst>
+              <a:ext uri="{FF2B5EF4-FFF2-40B4-BE49-F238E27FC236}">
+                <a16:creationId xmlns:a16="http://schemas.microsoft.com/office/drawing/2014/main" id="{0E2B4FA1-DA9C-4521-BC61-21DDF15631D5}"/>
+              </a:ext>
+            </a:extLst>
+          </p:cNvPr>
+          <p:cNvCxnSpPr>
+            <a:stCxn id="1024" idx="2"/>
+            <a:endCxn id="18" idx="3"/>
+          </p:cNvCxnSpPr>
+          <p:nvPr/>
+        </p:nvCxnSpPr>
+        <p:spPr>
+          <a:xfrm rot="5400000">
+            <a:off x="3076874" y="4033601"/>
+            <a:ext cx="162306" cy="492496"/>
+          </a:xfrm>
+          <a:prstGeom prst="bentConnector2">
+            <a:avLst/>
+          </a:prstGeom>
+          <a:ln>
+            <a:solidFill>
+              <a:schemeClr val="tx1"/>
+            </a:solidFill>
+            <a:tailEnd type="triangle"/>
+          </a:ln>
+        </p:spPr>
+        <p:style>
+          <a:lnRef idx="1">
+            <a:schemeClr val="accent1"/>
+          </a:lnRef>
+          <a:fillRef idx="0">
+            <a:schemeClr val="accent1"/>
+          </a:fillRef>
+          <a:effectRef idx="0">
+            <a:schemeClr val="accent1"/>
+          </a:effectRef>
+          <a:fontRef idx="minor">
+            <a:schemeClr val="tx1"/>
+          </a:fontRef>
+        </p:style>
+      </p:cxnSp>
+      <p:cxnSp>
+        <p:nvCxnSpPr>
+          <p:cNvPr id="40" name="Straight Arrow Connector 39">
+            <a:extLst>
+              <a:ext uri="{FF2B5EF4-FFF2-40B4-BE49-F238E27FC236}">
+                <a16:creationId xmlns:a16="http://schemas.microsoft.com/office/drawing/2014/main" id="{88DAD442-9477-8FF0-02C1-AA3F03225BEB}"/>
+              </a:ext>
+            </a:extLst>
+          </p:cNvPr>
+          <p:cNvCxnSpPr>
+            <a:cxnSpLocks/>
+          </p:cNvCxnSpPr>
+          <p:nvPr/>
+        </p:nvCxnSpPr>
+        <p:spPr>
+          <a:xfrm flipH="1" flipV="1">
+            <a:off x="1494845" y="3737113"/>
+            <a:ext cx="2998" cy="184807"/>
+          </a:xfrm>
+          <a:prstGeom prst="straightConnector1">
+            <a:avLst/>
+          </a:prstGeom>
+          <a:ln>
+            <a:solidFill>
+              <a:schemeClr val="tx1"/>
+            </a:solidFill>
+            <a:tailEnd type="triangle"/>
+          </a:ln>
+        </p:spPr>
+        <p:style>
+          <a:lnRef idx="1">
+            <a:schemeClr val="accent1"/>
+          </a:lnRef>
+          <a:fillRef idx="0">
+            <a:schemeClr val="accent1"/>
+          </a:fillRef>
+          <a:effectRef idx="0">
+            <a:schemeClr val="accent1"/>
+          </a:effectRef>
+          <a:fontRef idx="minor">
+            <a:schemeClr val="tx1"/>
+          </a:fontRef>
+        </p:style>
+      </p:cxnSp>
+      <p:sp>
+        <p:nvSpPr>
+          <p:cNvPr id="44" name="TextBox 43">
+            <a:extLst>
+              <a:ext uri="{FF2B5EF4-FFF2-40B4-BE49-F238E27FC236}">
+                <a16:creationId xmlns:a16="http://schemas.microsoft.com/office/drawing/2014/main" id="{FBA81C9E-C62A-5B17-0F00-86E66A58ED56}"/>
+              </a:ext>
+            </a:extLst>
+          </p:cNvPr>
+          <p:cNvSpPr txBox="1"/>
+          <p:nvPr/>
+        </p:nvSpPr>
+        <p:spPr>
+          <a:xfrm>
+            <a:off x="1462993" y="3708566"/>
+            <a:ext cx="802249" cy="230832"/>
+          </a:xfrm>
+          <a:prstGeom prst="rect">
+            <a:avLst/>
+          </a:prstGeom>
+          <a:noFill/>
+        </p:spPr>
+        <p:txBody>
+          <a:bodyPr wrap="square" rtlCol="0">
+            <a:spAutoFit/>
+          </a:bodyPr>
+          <a:lstStyle/>
+          <a:p>
+            <a:r>
+              <a:rPr lang="en-US" sz="900" dirty="0">
+                <a:solidFill>
+                  <a:srgbClr val="002060"/>
+                </a:solidFill>
+              </a:rPr>
+              <a:t>Ajax:5000</a:t>
+            </a:r>
+            <a:endParaRPr lang="en-SG" sz="900" dirty="0">
+              <a:solidFill>
+                <a:srgbClr val="002060"/>
+              </a:solidFill>
+            </a:endParaRPr>
+          </a:p>
+        </p:txBody>
+      </p:sp>
+      <p:cxnSp>
+        <p:nvCxnSpPr>
+          <p:cNvPr id="46" name="Straight Arrow Connector 45">
+            <a:extLst>
+              <a:ext uri="{FF2B5EF4-FFF2-40B4-BE49-F238E27FC236}">
+                <a16:creationId xmlns:a16="http://schemas.microsoft.com/office/drawing/2014/main" id="{A9AADEF5-9B44-5FAD-4679-8037363903F9}"/>
+              </a:ext>
+            </a:extLst>
+          </p:cNvPr>
+          <p:cNvCxnSpPr>
+            <a:cxnSpLocks/>
+          </p:cNvCxnSpPr>
+          <p:nvPr/>
+        </p:nvCxnSpPr>
+        <p:spPr>
+          <a:xfrm flipH="1" flipV="1">
+            <a:off x="1625355" y="4428086"/>
+            <a:ext cx="458958" cy="2008"/>
+          </a:xfrm>
+          <a:prstGeom prst="straightConnector1">
+            <a:avLst/>
+          </a:prstGeom>
+          <a:ln>
+            <a:solidFill>
+              <a:schemeClr val="tx1"/>
+            </a:solidFill>
+            <a:tailEnd type="triangle"/>
+          </a:ln>
+        </p:spPr>
+        <p:style>
+          <a:lnRef idx="1">
+            <a:schemeClr val="accent1"/>
+          </a:lnRef>
+          <a:fillRef idx="0">
+            <a:schemeClr val="accent1"/>
+          </a:fillRef>
+          <a:effectRef idx="0">
+            <a:schemeClr val="accent1"/>
+          </a:effectRef>
+          <a:fontRef idx="minor">
+            <a:schemeClr val="tx1"/>
+          </a:fontRef>
+        </p:style>
+      </p:cxnSp>
+      <p:sp>
+        <p:nvSpPr>
+          <p:cNvPr id="49" name="Cylinder 48">
+            <a:extLst>
+              <a:ext uri="{FF2B5EF4-FFF2-40B4-BE49-F238E27FC236}">
+                <a16:creationId xmlns:a16="http://schemas.microsoft.com/office/drawing/2014/main" id="{0F745472-A8A9-F6DC-8B60-FD6A55B7201A}"/>
+              </a:ext>
+            </a:extLst>
+          </p:cNvPr>
+          <p:cNvSpPr/>
+          <p:nvPr/>
+        </p:nvSpPr>
+        <p:spPr>
+          <a:xfrm>
+            <a:off x="1422789" y="4360719"/>
+            <a:ext cx="204817" cy="171879"/>
+          </a:xfrm>
+          <a:prstGeom prst="can">
+            <a:avLst/>
+          </a:prstGeom>
+        </p:spPr>
+        <p:style>
+          <a:lnRef idx="2">
+            <a:schemeClr val="accent1">
+              <a:shade val="50000"/>
+            </a:schemeClr>
+          </a:lnRef>
+          <a:fillRef idx="1">
+            <a:schemeClr val="accent1"/>
+          </a:fillRef>
+          <a:effectRef idx="0">
+            <a:schemeClr val="accent1"/>
+          </a:effectRef>
+          <a:fontRef idx="minor">
+            <a:schemeClr val="lt1"/>
+          </a:fontRef>
+        </p:style>
+        <p:txBody>
+          <a:bodyPr rtlCol="0" anchor="ctr"/>
+          <a:lstStyle/>
+          <a:p>
+            <a:pPr algn="ctr"/>
+            <a:endParaRPr lang="en-SG"/>
+          </a:p>
+        </p:txBody>
+      </p:sp>
+      <p:sp>
+        <p:nvSpPr>
+          <p:cNvPr id="55" name="TextBox 54">
+            <a:extLst>
+              <a:ext uri="{FF2B5EF4-FFF2-40B4-BE49-F238E27FC236}">
+                <a16:creationId xmlns:a16="http://schemas.microsoft.com/office/drawing/2014/main" id="{6A7172A8-36AA-2933-69EE-288E6545B5F4}"/>
+              </a:ext>
+            </a:extLst>
+          </p:cNvPr>
+          <p:cNvSpPr txBox="1"/>
+          <p:nvPr/>
+        </p:nvSpPr>
+        <p:spPr>
+          <a:xfrm>
+            <a:off x="843057" y="4462715"/>
+            <a:ext cx="1102290" cy="230832"/>
+          </a:xfrm>
+          <a:prstGeom prst="rect">
+            <a:avLst/>
+          </a:prstGeom>
+          <a:noFill/>
+        </p:spPr>
+        <p:txBody>
+          <a:bodyPr wrap="square" rtlCol="0">
+            <a:spAutoFit/>
+          </a:bodyPr>
+          <a:lstStyle/>
+          <a:p>
+            <a:r>
+              <a:rPr lang="en-SG" sz="900" dirty="0"/>
+              <a:t>Alert History DB</a:t>
+            </a:r>
+          </a:p>
+        </p:txBody>
+      </p:sp>
+      <p:cxnSp>
+        <p:nvCxnSpPr>
+          <p:cNvPr id="59" name="Straight Arrow Connector 58">
+            <a:extLst>
+              <a:ext uri="{FF2B5EF4-FFF2-40B4-BE49-F238E27FC236}">
+                <a16:creationId xmlns:a16="http://schemas.microsoft.com/office/drawing/2014/main" id="{72023996-EEC9-48DC-1399-0758043323AA}"/>
+              </a:ext>
+            </a:extLst>
+          </p:cNvPr>
+          <p:cNvCxnSpPr>
+            <a:cxnSpLocks/>
+          </p:cNvCxnSpPr>
+          <p:nvPr/>
+        </p:nvCxnSpPr>
+        <p:spPr>
+          <a:xfrm flipV="1">
+            <a:off x="1489676" y="4196234"/>
+            <a:ext cx="0" cy="152400"/>
+          </a:xfrm>
+          <a:prstGeom prst="straightConnector1">
+            <a:avLst/>
+          </a:prstGeom>
+          <a:ln>
+            <a:solidFill>
+              <a:schemeClr val="tx1"/>
+            </a:solidFill>
+            <a:tailEnd type="triangle"/>
+          </a:ln>
+        </p:spPr>
+        <p:style>
+          <a:lnRef idx="1">
+            <a:schemeClr val="accent1"/>
+          </a:lnRef>
+          <a:fillRef idx="0">
+            <a:schemeClr val="accent1"/>
+          </a:fillRef>
+          <a:effectRef idx="0">
+            <a:schemeClr val="accent1"/>
+          </a:effectRef>
+          <a:fontRef idx="minor">
+            <a:schemeClr val="tx1"/>
+          </a:fontRef>
+        </p:style>
+      </p:cxnSp>
     </p:spTree>
     <p:extLst>
       <p:ext uri="{BB962C8B-B14F-4D97-AF65-F5344CB8AC3E}">

--- a/doc/designDoc.pptx
+++ b/doc/designDoc.pptx
@@ -4,9 +4,13 @@
   <p:sldMasterIdLst>
     <p:sldMasterId id="2147483648" r:id="rId1"/>
   </p:sldMasterIdLst>
+  <p:notesMasterIdLst>
+    <p:notesMasterId r:id="rId5"/>
+  </p:notesMasterIdLst>
   <p:sldIdLst>
-    <p:sldId id="256" r:id="rId2"/>
-    <p:sldId id="257" r:id="rId3"/>
+    <p:sldId id="258" r:id="rId2"/>
+    <p:sldId id="256" r:id="rId3"/>
+    <p:sldId id="257" r:id="rId4"/>
   </p:sldIdLst>
   <p:sldSz cx="12192000" cy="6858000"/>
   <p:notesSz cx="6858000" cy="9144000"/>
@@ -113,6 +117,440 @@
 </p:presentation>
 </file>
 
+<file path=ppt/notesMasters/notesMaster1.xml><?xml version="1.0" encoding="utf-8"?>
+<p:notesMaster xmlns:a="http://schemas.openxmlformats.org/drawingml/2006/main" xmlns:r="http://schemas.openxmlformats.org/officeDocument/2006/relationships" xmlns:p="http://schemas.openxmlformats.org/presentationml/2006/main">
+  <p:cSld>
+    <p:bg>
+      <p:bgRef idx="1001">
+        <a:schemeClr val="bg1"/>
+      </p:bgRef>
+    </p:bg>
+    <p:spTree>
+      <p:nvGrpSpPr>
+        <p:cNvPr id="1" name=""/>
+        <p:cNvGrpSpPr/>
+        <p:nvPr/>
+      </p:nvGrpSpPr>
+      <p:grpSpPr>
+        <a:xfrm>
+          <a:off x="0" y="0"/>
+          <a:ext cx="0" cy="0"/>
+          <a:chOff x="0" y="0"/>
+          <a:chExt cx="0" cy="0"/>
+        </a:xfrm>
+      </p:grpSpPr>
+      <p:sp>
+        <p:nvSpPr>
+          <p:cNvPr id="2" name="Header Placeholder 1"/>
+          <p:cNvSpPr>
+            <a:spLocks noGrp="1"/>
+          </p:cNvSpPr>
+          <p:nvPr>
+            <p:ph type="hdr" sz="quarter"/>
+          </p:nvPr>
+        </p:nvSpPr>
+        <p:spPr>
+          <a:xfrm>
+            <a:off x="0" y="0"/>
+            <a:ext cx="2971800" cy="458788"/>
+          </a:xfrm>
+          <a:prstGeom prst="rect">
+            <a:avLst/>
+          </a:prstGeom>
+        </p:spPr>
+        <p:txBody>
+          <a:bodyPr vert="horz" lIns="91440" tIns="45720" rIns="91440" bIns="45720" rtlCol="0"/>
+          <a:lstStyle>
+            <a:lvl1pPr algn="l">
+              <a:defRPr sz="1200"/>
+            </a:lvl1pPr>
+          </a:lstStyle>
+          <a:p>
+            <a:endParaRPr lang="en-SG"/>
+          </a:p>
+        </p:txBody>
+      </p:sp>
+      <p:sp>
+        <p:nvSpPr>
+          <p:cNvPr id="3" name="Date Placeholder 2"/>
+          <p:cNvSpPr>
+            <a:spLocks noGrp="1"/>
+          </p:cNvSpPr>
+          <p:nvPr>
+            <p:ph type="dt" idx="1"/>
+          </p:nvPr>
+        </p:nvSpPr>
+        <p:spPr>
+          <a:xfrm>
+            <a:off x="3884613" y="0"/>
+            <a:ext cx="2971800" cy="458788"/>
+          </a:xfrm>
+          <a:prstGeom prst="rect">
+            <a:avLst/>
+          </a:prstGeom>
+        </p:spPr>
+        <p:txBody>
+          <a:bodyPr vert="horz" lIns="91440" tIns="45720" rIns="91440" bIns="45720" rtlCol="0"/>
+          <a:lstStyle>
+            <a:lvl1pPr algn="r">
+              <a:defRPr sz="1200"/>
+            </a:lvl1pPr>
+          </a:lstStyle>
+          <a:p>
+            <a:fld id="{7675BF5B-0608-47A2-AC0D-FF407BC23451}" type="datetimeFigureOut">
+              <a:rPr lang="en-SG" smtClean="0"/>
+              <a:t>17/11/2022</a:t>
+            </a:fld>
+            <a:endParaRPr lang="en-SG"/>
+          </a:p>
+        </p:txBody>
+      </p:sp>
+      <p:sp>
+        <p:nvSpPr>
+          <p:cNvPr id="4" name="Slide Image Placeholder 3"/>
+          <p:cNvSpPr>
+            <a:spLocks noGrp="1" noRot="1" noChangeAspect="1"/>
+          </p:cNvSpPr>
+          <p:nvPr>
+            <p:ph type="sldImg" idx="2"/>
+          </p:nvPr>
+        </p:nvSpPr>
+        <p:spPr>
+          <a:xfrm>
+            <a:off x="685800" y="1143000"/>
+            <a:ext cx="5486400" cy="3086100"/>
+          </a:xfrm>
+          <a:prstGeom prst="rect">
+            <a:avLst/>
+          </a:prstGeom>
+          <a:noFill/>
+          <a:ln w="12700">
+            <a:solidFill>
+              <a:prstClr val="black"/>
+            </a:solidFill>
+          </a:ln>
+        </p:spPr>
+        <p:txBody>
+          <a:bodyPr vert="horz" lIns="91440" tIns="45720" rIns="91440" bIns="45720" rtlCol="0" anchor="ctr"/>
+          <a:lstStyle/>
+          <a:p>
+            <a:endParaRPr lang="en-SG"/>
+          </a:p>
+        </p:txBody>
+      </p:sp>
+      <p:sp>
+        <p:nvSpPr>
+          <p:cNvPr id="5" name="Notes Placeholder 4"/>
+          <p:cNvSpPr>
+            <a:spLocks noGrp="1"/>
+          </p:cNvSpPr>
+          <p:nvPr>
+            <p:ph type="body" sz="quarter" idx="3"/>
+          </p:nvPr>
+        </p:nvSpPr>
+        <p:spPr>
+          <a:xfrm>
+            <a:off x="685800" y="4400550"/>
+            <a:ext cx="5486400" cy="3600450"/>
+          </a:xfrm>
+          <a:prstGeom prst="rect">
+            <a:avLst/>
+          </a:prstGeom>
+        </p:spPr>
+        <p:txBody>
+          <a:bodyPr vert="horz" lIns="91440" tIns="45720" rIns="91440" bIns="45720" rtlCol="0"/>
+          <a:lstStyle/>
+          <a:p>
+            <a:pPr lvl="0"/>
+            <a:r>
+              <a:rPr lang="en-US"/>
+              <a:t>Click to edit Master text styles</a:t>
+            </a:r>
+          </a:p>
+          <a:p>
+            <a:pPr lvl="1"/>
+            <a:r>
+              <a:rPr lang="en-US"/>
+              <a:t>Second level</a:t>
+            </a:r>
+          </a:p>
+          <a:p>
+            <a:pPr lvl="2"/>
+            <a:r>
+              <a:rPr lang="en-US"/>
+              <a:t>Third level</a:t>
+            </a:r>
+          </a:p>
+          <a:p>
+            <a:pPr lvl="3"/>
+            <a:r>
+              <a:rPr lang="en-US"/>
+              <a:t>Fourth level</a:t>
+            </a:r>
+          </a:p>
+          <a:p>
+            <a:pPr lvl="4"/>
+            <a:r>
+              <a:rPr lang="en-US"/>
+              <a:t>Fifth level</a:t>
+            </a:r>
+            <a:endParaRPr lang="en-SG"/>
+          </a:p>
+        </p:txBody>
+      </p:sp>
+      <p:sp>
+        <p:nvSpPr>
+          <p:cNvPr id="6" name="Footer Placeholder 5"/>
+          <p:cNvSpPr>
+            <a:spLocks noGrp="1"/>
+          </p:cNvSpPr>
+          <p:nvPr>
+            <p:ph type="ftr" sz="quarter" idx="4"/>
+          </p:nvPr>
+        </p:nvSpPr>
+        <p:spPr>
+          <a:xfrm>
+            <a:off x="0" y="8685213"/>
+            <a:ext cx="2971800" cy="458787"/>
+          </a:xfrm>
+          <a:prstGeom prst="rect">
+            <a:avLst/>
+          </a:prstGeom>
+        </p:spPr>
+        <p:txBody>
+          <a:bodyPr vert="horz" lIns="91440" tIns="45720" rIns="91440" bIns="45720" rtlCol="0" anchor="b"/>
+          <a:lstStyle>
+            <a:lvl1pPr algn="l">
+              <a:defRPr sz="1200"/>
+            </a:lvl1pPr>
+          </a:lstStyle>
+          <a:p>
+            <a:endParaRPr lang="en-SG"/>
+          </a:p>
+        </p:txBody>
+      </p:sp>
+      <p:sp>
+        <p:nvSpPr>
+          <p:cNvPr id="7" name="Slide Number Placeholder 6"/>
+          <p:cNvSpPr>
+            <a:spLocks noGrp="1"/>
+          </p:cNvSpPr>
+          <p:nvPr>
+            <p:ph type="sldNum" sz="quarter" idx="5"/>
+          </p:nvPr>
+        </p:nvSpPr>
+        <p:spPr>
+          <a:xfrm>
+            <a:off x="3884613" y="8685213"/>
+            <a:ext cx="2971800" cy="458787"/>
+          </a:xfrm>
+          <a:prstGeom prst="rect">
+            <a:avLst/>
+          </a:prstGeom>
+        </p:spPr>
+        <p:txBody>
+          <a:bodyPr vert="horz" lIns="91440" tIns="45720" rIns="91440" bIns="45720" rtlCol="0" anchor="b"/>
+          <a:lstStyle>
+            <a:lvl1pPr algn="r">
+              <a:defRPr sz="1200"/>
+            </a:lvl1pPr>
+          </a:lstStyle>
+          <a:p>
+            <a:fld id="{302063EB-2622-4C74-99BB-31DDAE866DA3}" type="slidenum">
+              <a:rPr lang="en-SG" smtClean="0"/>
+              <a:t>‹#›</a:t>
+            </a:fld>
+            <a:endParaRPr lang="en-SG"/>
+          </a:p>
+        </p:txBody>
+      </p:sp>
+    </p:spTree>
+    <p:extLst>
+      <p:ext uri="{BB962C8B-B14F-4D97-AF65-F5344CB8AC3E}">
+        <p14:creationId xmlns:p14="http://schemas.microsoft.com/office/powerpoint/2010/main" val="1751478052"/>
+      </p:ext>
+    </p:extLst>
+  </p:cSld>
+  <p:clrMap bg1="lt1" tx1="dk1" bg2="lt2" tx2="dk2" accent1="accent1" accent2="accent2" accent3="accent3" accent4="accent4" accent5="accent5" accent6="accent6" hlink="hlink" folHlink="folHlink"/>
+  <p:notesStyle>
+    <a:lvl1pPr marL="0" algn="l" defTabSz="914400" rtl="0" eaLnBrk="1" latinLnBrk="0" hangingPunct="1">
+      <a:defRPr sz="1200" kern="1200">
+        <a:solidFill>
+          <a:schemeClr val="tx1"/>
+        </a:solidFill>
+        <a:latin typeface="+mn-lt"/>
+        <a:ea typeface="+mn-ea"/>
+        <a:cs typeface="+mn-cs"/>
+      </a:defRPr>
+    </a:lvl1pPr>
+    <a:lvl2pPr marL="457200" algn="l" defTabSz="914400" rtl="0" eaLnBrk="1" latinLnBrk="0" hangingPunct="1">
+      <a:defRPr sz="1200" kern="1200">
+        <a:solidFill>
+          <a:schemeClr val="tx1"/>
+        </a:solidFill>
+        <a:latin typeface="+mn-lt"/>
+        <a:ea typeface="+mn-ea"/>
+        <a:cs typeface="+mn-cs"/>
+      </a:defRPr>
+    </a:lvl2pPr>
+    <a:lvl3pPr marL="914400" algn="l" defTabSz="914400" rtl="0" eaLnBrk="1" latinLnBrk="0" hangingPunct="1">
+      <a:defRPr sz="1200" kern="1200">
+        <a:solidFill>
+          <a:schemeClr val="tx1"/>
+        </a:solidFill>
+        <a:latin typeface="+mn-lt"/>
+        <a:ea typeface="+mn-ea"/>
+        <a:cs typeface="+mn-cs"/>
+      </a:defRPr>
+    </a:lvl3pPr>
+    <a:lvl4pPr marL="1371600" algn="l" defTabSz="914400" rtl="0" eaLnBrk="1" latinLnBrk="0" hangingPunct="1">
+      <a:defRPr sz="1200" kern="1200">
+        <a:solidFill>
+          <a:schemeClr val="tx1"/>
+        </a:solidFill>
+        <a:latin typeface="+mn-lt"/>
+        <a:ea typeface="+mn-ea"/>
+        <a:cs typeface="+mn-cs"/>
+      </a:defRPr>
+    </a:lvl4pPr>
+    <a:lvl5pPr marL="1828800" algn="l" defTabSz="914400" rtl="0" eaLnBrk="1" latinLnBrk="0" hangingPunct="1">
+      <a:defRPr sz="1200" kern="1200">
+        <a:solidFill>
+          <a:schemeClr val="tx1"/>
+        </a:solidFill>
+        <a:latin typeface="+mn-lt"/>
+        <a:ea typeface="+mn-ea"/>
+        <a:cs typeface="+mn-cs"/>
+      </a:defRPr>
+    </a:lvl5pPr>
+    <a:lvl6pPr marL="2286000" algn="l" defTabSz="914400" rtl="0" eaLnBrk="1" latinLnBrk="0" hangingPunct="1">
+      <a:defRPr sz="1200" kern="1200">
+        <a:solidFill>
+          <a:schemeClr val="tx1"/>
+        </a:solidFill>
+        <a:latin typeface="+mn-lt"/>
+        <a:ea typeface="+mn-ea"/>
+        <a:cs typeface="+mn-cs"/>
+      </a:defRPr>
+    </a:lvl6pPr>
+    <a:lvl7pPr marL="2743200" algn="l" defTabSz="914400" rtl="0" eaLnBrk="1" latinLnBrk="0" hangingPunct="1">
+      <a:defRPr sz="1200" kern="1200">
+        <a:solidFill>
+          <a:schemeClr val="tx1"/>
+        </a:solidFill>
+        <a:latin typeface="+mn-lt"/>
+        <a:ea typeface="+mn-ea"/>
+        <a:cs typeface="+mn-cs"/>
+      </a:defRPr>
+    </a:lvl7pPr>
+    <a:lvl8pPr marL="3200400" algn="l" defTabSz="914400" rtl="0" eaLnBrk="1" latinLnBrk="0" hangingPunct="1">
+      <a:defRPr sz="1200" kern="1200">
+        <a:solidFill>
+          <a:schemeClr val="tx1"/>
+        </a:solidFill>
+        <a:latin typeface="+mn-lt"/>
+        <a:ea typeface="+mn-ea"/>
+        <a:cs typeface="+mn-cs"/>
+      </a:defRPr>
+    </a:lvl8pPr>
+    <a:lvl9pPr marL="3657600" algn="l" defTabSz="914400" rtl="0" eaLnBrk="1" latinLnBrk="0" hangingPunct="1">
+      <a:defRPr sz="1200" kern="1200">
+        <a:solidFill>
+          <a:schemeClr val="tx1"/>
+        </a:solidFill>
+        <a:latin typeface="+mn-lt"/>
+        <a:ea typeface="+mn-ea"/>
+        <a:cs typeface="+mn-cs"/>
+      </a:defRPr>
+    </a:lvl9pPr>
+  </p:notesStyle>
+</p:notesMaster>
+</file>
+
+<file path=ppt/notesSlides/notesSlide1.xml><?xml version="1.0" encoding="utf-8"?>
+<p:notes xmlns:a="http://schemas.openxmlformats.org/drawingml/2006/main" xmlns:r="http://schemas.openxmlformats.org/officeDocument/2006/relationships" xmlns:p="http://schemas.openxmlformats.org/presentationml/2006/main">
+  <p:cSld>
+    <p:spTree>
+      <p:nvGrpSpPr>
+        <p:cNvPr id="1" name=""/>
+        <p:cNvGrpSpPr/>
+        <p:nvPr/>
+      </p:nvGrpSpPr>
+      <p:grpSpPr>
+        <a:xfrm>
+          <a:off x="0" y="0"/>
+          <a:ext cx="0" cy="0"/>
+          <a:chOff x="0" y="0"/>
+          <a:chExt cx="0" cy="0"/>
+        </a:xfrm>
+      </p:grpSpPr>
+      <p:sp>
+        <p:nvSpPr>
+          <p:cNvPr id="2" name="Slide Image Placeholder 1"/>
+          <p:cNvSpPr>
+            <a:spLocks noGrp="1" noRot="1" noChangeAspect="1"/>
+          </p:cNvSpPr>
+          <p:nvPr>
+            <p:ph type="sldImg"/>
+          </p:nvPr>
+        </p:nvSpPr>
+        <p:spPr/>
+      </p:sp>
+      <p:sp>
+        <p:nvSpPr>
+          <p:cNvPr id="3" name="Notes Placeholder 2"/>
+          <p:cNvSpPr>
+            <a:spLocks noGrp="1"/>
+          </p:cNvSpPr>
+          <p:nvPr>
+            <p:ph type="body" idx="1"/>
+          </p:nvPr>
+        </p:nvSpPr>
+        <p:spPr/>
+        <p:txBody>
+          <a:bodyPr/>
+          <a:lstStyle/>
+          <a:p>
+            <a:endParaRPr lang="en-SG" dirty="0"/>
+          </a:p>
+        </p:txBody>
+      </p:sp>
+      <p:sp>
+        <p:nvSpPr>
+          <p:cNvPr id="4" name="Slide Number Placeholder 3"/>
+          <p:cNvSpPr>
+            <a:spLocks noGrp="1"/>
+          </p:cNvSpPr>
+          <p:nvPr>
+            <p:ph type="sldNum" sz="quarter" idx="5"/>
+          </p:nvPr>
+        </p:nvSpPr>
+        <p:spPr/>
+        <p:txBody>
+          <a:bodyPr/>
+          <a:lstStyle/>
+          <a:p>
+            <a:fld id="{302063EB-2622-4C74-99BB-31DDAE866DA3}" type="slidenum">
+              <a:rPr lang="en-SG" smtClean="0"/>
+              <a:t>1</a:t>
+            </a:fld>
+            <a:endParaRPr lang="en-SG"/>
+          </a:p>
+        </p:txBody>
+      </p:sp>
+    </p:spTree>
+    <p:extLst>
+      <p:ext uri="{BB962C8B-B14F-4D97-AF65-F5344CB8AC3E}">
+        <p14:creationId xmlns:p14="http://schemas.microsoft.com/office/powerpoint/2010/main" val="427328844"/>
+      </p:ext>
+    </p:extLst>
+  </p:cSld>
+  <p:clrMapOvr>
+    <a:masterClrMapping/>
+  </p:clrMapOvr>
+</p:notes>
+</file>
+
 <file path=ppt/slideLayouts/slideLayout1.xml><?xml version="1.0" encoding="utf-8"?>
 <p:sldLayout xmlns:a="http://schemas.openxmlformats.org/drawingml/2006/main" xmlns:r="http://schemas.openxmlformats.org/officeDocument/2006/relationships" xmlns:p="http://schemas.openxmlformats.org/presentationml/2006/main" type="title" preserve="1">
   <p:cSld name="Title Slide">
@@ -262,7 +700,7 @@
           <a:p>
             <a:fld id="{CD7A883B-9441-489A-A520-EE2895922BEC}" type="datetimeFigureOut">
               <a:rPr lang="en-SG" smtClean="0"/>
-              <a:t>26/10/2022</a:t>
+              <a:t>17/11/2022</a:t>
             </a:fld>
             <a:endParaRPr lang="en-SG"/>
           </a:p>
@@ -462,7 +900,7 @@
           <a:p>
             <a:fld id="{CD7A883B-9441-489A-A520-EE2895922BEC}" type="datetimeFigureOut">
               <a:rPr lang="en-SG" smtClean="0"/>
-              <a:t>26/10/2022</a:t>
+              <a:t>17/11/2022</a:t>
             </a:fld>
             <a:endParaRPr lang="en-SG"/>
           </a:p>
@@ -672,7 +1110,7 @@
           <a:p>
             <a:fld id="{CD7A883B-9441-489A-A520-EE2895922BEC}" type="datetimeFigureOut">
               <a:rPr lang="en-SG" smtClean="0"/>
-              <a:t>26/10/2022</a:t>
+              <a:t>17/11/2022</a:t>
             </a:fld>
             <a:endParaRPr lang="en-SG"/>
           </a:p>
@@ -872,7 +1310,7 @@
           <a:p>
             <a:fld id="{CD7A883B-9441-489A-A520-EE2895922BEC}" type="datetimeFigureOut">
               <a:rPr lang="en-SG" smtClean="0"/>
-              <a:t>26/10/2022</a:t>
+              <a:t>17/11/2022</a:t>
             </a:fld>
             <a:endParaRPr lang="en-SG"/>
           </a:p>
@@ -1148,7 +1586,7 @@
           <a:p>
             <a:fld id="{CD7A883B-9441-489A-A520-EE2895922BEC}" type="datetimeFigureOut">
               <a:rPr lang="en-SG" smtClean="0"/>
-              <a:t>26/10/2022</a:t>
+              <a:t>17/11/2022</a:t>
             </a:fld>
             <a:endParaRPr lang="en-SG"/>
           </a:p>
@@ -1416,7 +1854,7 @@
           <a:p>
             <a:fld id="{CD7A883B-9441-489A-A520-EE2895922BEC}" type="datetimeFigureOut">
               <a:rPr lang="en-SG" smtClean="0"/>
-              <a:t>26/10/2022</a:t>
+              <a:t>17/11/2022</a:t>
             </a:fld>
             <a:endParaRPr lang="en-SG"/>
           </a:p>
@@ -1831,7 +2269,7 @@
           <a:p>
             <a:fld id="{CD7A883B-9441-489A-A520-EE2895922BEC}" type="datetimeFigureOut">
               <a:rPr lang="en-SG" smtClean="0"/>
-              <a:t>26/10/2022</a:t>
+              <a:t>17/11/2022</a:t>
             </a:fld>
             <a:endParaRPr lang="en-SG"/>
           </a:p>
@@ -1973,7 +2411,7 @@
           <a:p>
             <a:fld id="{CD7A883B-9441-489A-A520-EE2895922BEC}" type="datetimeFigureOut">
               <a:rPr lang="en-SG" smtClean="0"/>
-              <a:t>26/10/2022</a:t>
+              <a:t>17/11/2022</a:t>
             </a:fld>
             <a:endParaRPr lang="en-SG"/>
           </a:p>
@@ -2086,7 +2524,7 @@
           <a:p>
             <a:fld id="{CD7A883B-9441-489A-A520-EE2895922BEC}" type="datetimeFigureOut">
               <a:rPr lang="en-SG" smtClean="0"/>
-              <a:t>26/10/2022</a:t>
+              <a:t>17/11/2022</a:t>
             </a:fld>
             <a:endParaRPr lang="en-SG"/>
           </a:p>
@@ -2399,7 +2837,7 @@
           <a:p>
             <a:fld id="{CD7A883B-9441-489A-A520-EE2895922BEC}" type="datetimeFigureOut">
               <a:rPr lang="en-SG" smtClean="0"/>
-              <a:t>26/10/2022</a:t>
+              <a:t>17/11/2022</a:t>
             </a:fld>
             <a:endParaRPr lang="en-SG"/>
           </a:p>
@@ -2688,7 +3126,7 @@
           <a:p>
             <a:fld id="{CD7A883B-9441-489A-A520-EE2895922BEC}" type="datetimeFigureOut">
               <a:rPr lang="en-SG" smtClean="0"/>
-              <a:t>26/10/2022</a:t>
+              <a:t>17/11/2022</a:t>
             </a:fld>
             <a:endParaRPr lang="en-SG"/>
           </a:p>
@@ -2931,7 +3369,7 @@
           <a:p>
             <a:fld id="{CD7A883B-9441-489A-A520-EE2895922BEC}" type="datetimeFigureOut">
               <a:rPr lang="en-SG" smtClean="0"/>
-              <a:t>26/10/2022</a:t>
+              <a:t>17/11/2022</a:t>
             </a:fld>
             <a:endParaRPr lang="en-SG"/>
           </a:p>
@@ -3362,6 +3800,4313 @@
         </p:nvSpPr>
         <p:spPr>
           <a:xfrm>
+            <a:off x="421128" y="794124"/>
+            <a:ext cx="9585939" cy="5828884"/>
+          </a:xfrm>
+          <a:prstGeom prst="rect">
+            <a:avLst/>
+          </a:prstGeom>
+          <a:solidFill>
+            <a:schemeClr val="accent1">
+              <a:lumMod val="20000"/>
+              <a:lumOff val="80000"/>
+            </a:schemeClr>
+          </a:solidFill>
+        </p:spPr>
+        <p:style>
+          <a:lnRef idx="2">
+            <a:schemeClr val="accent1">
+              <a:shade val="50000"/>
+            </a:schemeClr>
+          </a:lnRef>
+          <a:fillRef idx="1">
+            <a:schemeClr val="accent1"/>
+          </a:fillRef>
+          <a:effectRef idx="0">
+            <a:schemeClr val="accent1"/>
+          </a:effectRef>
+          <a:fontRef idx="minor">
+            <a:schemeClr val="lt1"/>
+          </a:fontRef>
+        </p:style>
+        <p:txBody>
+          <a:bodyPr rtlCol="0" anchor="ctr"/>
+          <a:lstStyle/>
+          <a:p>
+            <a:pPr algn="ctr"/>
+            <a:endParaRPr lang="en-SG" dirty="0">
+              <a:noFill/>
+            </a:endParaRPr>
+          </a:p>
+        </p:txBody>
+      </p:sp>
+      <p:sp>
+        <p:nvSpPr>
+          <p:cNvPr id="36" name="矩形 9">
+            <a:extLst>
+              <a:ext uri="{FF2B5EF4-FFF2-40B4-BE49-F238E27FC236}">
+                <a16:creationId xmlns:a16="http://schemas.microsoft.com/office/drawing/2014/main" id="{B9CC4486-B3EC-3548-F035-E2AC03DE1FD4}"/>
+              </a:ext>
+            </a:extLst>
+          </p:cNvPr>
+          <p:cNvSpPr/>
+          <p:nvPr/>
+        </p:nvSpPr>
+        <p:spPr>
+          <a:xfrm>
+            <a:off x="886641" y="5417862"/>
+            <a:ext cx="1544208" cy="1013762"/>
+          </a:xfrm>
+          <a:prstGeom prst="rect">
+            <a:avLst/>
+          </a:prstGeom>
+          <a:ln>
+            <a:prstDash val="dash"/>
+          </a:ln>
+        </p:spPr>
+        <p:style>
+          <a:lnRef idx="2">
+            <a:schemeClr val="accent1"/>
+          </a:lnRef>
+          <a:fillRef idx="1">
+            <a:schemeClr val="lt1"/>
+          </a:fillRef>
+          <a:effectRef idx="0">
+            <a:schemeClr val="accent1"/>
+          </a:effectRef>
+          <a:fontRef idx="minor">
+            <a:schemeClr val="dk1"/>
+          </a:fontRef>
+        </p:style>
+        <p:txBody>
+          <a:bodyPr rtlCol="0" anchor="ctr"/>
+          <a:lstStyle/>
+          <a:p>
+            <a:pPr algn="ctr"/>
+            <a:endParaRPr lang="zh-CN" altLang="en-US" dirty="0"/>
+          </a:p>
+        </p:txBody>
+      </p:sp>
+      <p:sp>
+        <p:nvSpPr>
+          <p:cNvPr id="37" name="TextBox 36">
+            <a:extLst>
+              <a:ext uri="{FF2B5EF4-FFF2-40B4-BE49-F238E27FC236}">
+                <a16:creationId xmlns:a16="http://schemas.microsoft.com/office/drawing/2014/main" id="{3264B38C-6847-7711-1E16-EC830CBFD5AC}"/>
+              </a:ext>
+            </a:extLst>
+          </p:cNvPr>
+          <p:cNvSpPr txBox="1"/>
+          <p:nvPr/>
+        </p:nvSpPr>
+        <p:spPr>
+          <a:xfrm>
+            <a:off x="847118" y="5379986"/>
+            <a:ext cx="1950336" cy="276999"/>
+          </a:xfrm>
+          <a:prstGeom prst="rect">
+            <a:avLst/>
+          </a:prstGeom>
+          <a:noFill/>
+        </p:spPr>
+        <p:txBody>
+          <a:bodyPr wrap="square" rtlCol="0">
+            <a:spAutoFit/>
+          </a:bodyPr>
+          <a:lstStyle/>
+          <a:p>
+            <a:r>
+              <a:rPr lang="en-US" sz="1200" b="1" dirty="0">
+                <a:solidFill>
+                  <a:srgbClr val="002060"/>
+                </a:solidFill>
+              </a:rPr>
+              <a:t>CIDEX- SUTD-Cluster</a:t>
+            </a:r>
+            <a:endParaRPr lang="en-SG" sz="1200" b="1" dirty="0">
+              <a:solidFill>
+                <a:srgbClr val="002060"/>
+              </a:solidFill>
+            </a:endParaRPr>
+          </a:p>
+        </p:txBody>
+      </p:sp>
+      <p:sp>
+        <p:nvSpPr>
+          <p:cNvPr id="25" name="矩形 9">
+            <a:extLst>
+              <a:ext uri="{FF2B5EF4-FFF2-40B4-BE49-F238E27FC236}">
+                <a16:creationId xmlns:a16="http://schemas.microsoft.com/office/drawing/2014/main" id="{2FC48F3B-63F2-E2C9-1CE6-7183799B14E3}"/>
+              </a:ext>
+            </a:extLst>
+          </p:cNvPr>
+          <p:cNvSpPr/>
+          <p:nvPr/>
+        </p:nvSpPr>
+        <p:spPr>
+          <a:xfrm>
+            <a:off x="2764302" y="5417862"/>
+            <a:ext cx="1712378" cy="1013762"/>
+          </a:xfrm>
+          <a:prstGeom prst="rect">
+            <a:avLst/>
+          </a:prstGeom>
+          <a:ln>
+            <a:prstDash val="dash"/>
+          </a:ln>
+        </p:spPr>
+        <p:style>
+          <a:lnRef idx="2">
+            <a:schemeClr val="accent1"/>
+          </a:lnRef>
+          <a:fillRef idx="1">
+            <a:schemeClr val="lt1"/>
+          </a:fillRef>
+          <a:effectRef idx="0">
+            <a:schemeClr val="accent1"/>
+          </a:effectRef>
+          <a:fontRef idx="minor">
+            <a:schemeClr val="dk1"/>
+          </a:fontRef>
+        </p:style>
+        <p:txBody>
+          <a:bodyPr rtlCol="0" anchor="ctr"/>
+          <a:lstStyle/>
+          <a:p>
+            <a:pPr algn="ctr"/>
+            <a:endParaRPr lang="zh-CN" altLang="en-US" dirty="0"/>
+          </a:p>
+        </p:txBody>
+      </p:sp>
+      <p:sp>
+        <p:nvSpPr>
+          <p:cNvPr id="4" name="矩形 9">
+            <a:extLst>
+              <a:ext uri="{FF2B5EF4-FFF2-40B4-BE49-F238E27FC236}">
+                <a16:creationId xmlns:a16="http://schemas.microsoft.com/office/drawing/2014/main" id="{AA60BA11-65D5-FCB9-1028-E2FCEC2BC192}"/>
+              </a:ext>
+            </a:extLst>
+          </p:cNvPr>
+          <p:cNvSpPr/>
+          <p:nvPr/>
+        </p:nvSpPr>
+        <p:spPr>
+          <a:xfrm>
+            <a:off x="5686547" y="5017393"/>
+            <a:ext cx="2780635" cy="1399650"/>
+          </a:xfrm>
+          <a:prstGeom prst="rect">
+            <a:avLst/>
+          </a:prstGeom>
+          <a:ln>
+            <a:prstDash val="dash"/>
+          </a:ln>
+        </p:spPr>
+        <p:style>
+          <a:lnRef idx="2">
+            <a:schemeClr val="accent1"/>
+          </a:lnRef>
+          <a:fillRef idx="1">
+            <a:schemeClr val="lt1"/>
+          </a:fillRef>
+          <a:effectRef idx="0">
+            <a:schemeClr val="accent1"/>
+          </a:effectRef>
+          <a:fontRef idx="minor">
+            <a:schemeClr val="dk1"/>
+          </a:fontRef>
+        </p:style>
+        <p:txBody>
+          <a:bodyPr rtlCol="0" anchor="ctr"/>
+          <a:lstStyle/>
+          <a:p>
+            <a:pPr algn="ctr"/>
+            <a:endParaRPr lang="zh-CN" altLang="en-US" dirty="0"/>
+          </a:p>
+        </p:txBody>
+      </p:sp>
+      <p:sp>
+        <p:nvSpPr>
+          <p:cNvPr id="5" name="TextBox 4">
+            <a:extLst>
+              <a:ext uri="{FF2B5EF4-FFF2-40B4-BE49-F238E27FC236}">
+                <a16:creationId xmlns:a16="http://schemas.microsoft.com/office/drawing/2014/main" id="{1FFD5221-1187-1301-5C31-3C8AF8658E4E}"/>
+              </a:ext>
+            </a:extLst>
+          </p:cNvPr>
+          <p:cNvSpPr txBox="1"/>
+          <p:nvPr/>
+        </p:nvSpPr>
+        <p:spPr>
+          <a:xfrm>
+            <a:off x="5611601" y="4711824"/>
+            <a:ext cx="1641854" cy="338554"/>
+          </a:xfrm>
+          <a:prstGeom prst="rect">
+            <a:avLst/>
+          </a:prstGeom>
+          <a:noFill/>
+        </p:spPr>
+        <p:txBody>
+          <a:bodyPr wrap="square" rtlCol="0">
+            <a:spAutoFit/>
+          </a:bodyPr>
+          <a:lstStyle/>
+          <a:p>
+            <a:r>
+              <a:rPr lang="en-US" sz="1600" b="1" dirty="0">
+                <a:solidFill>
+                  <a:srgbClr val="002060"/>
+                </a:solidFill>
+              </a:rPr>
+              <a:t>COM3-MPH</a:t>
+            </a:r>
+            <a:endParaRPr lang="en-SG" sz="1600" b="1" dirty="0">
+              <a:solidFill>
+                <a:srgbClr val="002060"/>
+              </a:solidFill>
+            </a:endParaRPr>
+          </a:p>
+        </p:txBody>
+      </p:sp>
+      <p:pic>
+        <p:nvPicPr>
+          <p:cNvPr id="7" name="Picture 6">
+            <a:extLst>
+              <a:ext uri="{FF2B5EF4-FFF2-40B4-BE49-F238E27FC236}">
+                <a16:creationId xmlns:a16="http://schemas.microsoft.com/office/drawing/2014/main" id="{EEF1099D-06FC-9B35-7C18-041E6B2013F2}"/>
+              </a:ext>
+            </a:extLst>
+          </p:cNvPr>
+          <p:cNvPicPr>
+            <a:picLocks noChangeAspect="1"/>
+          </p:cNvPicPr>
+          <p:nvPr/>
+        </p:nvPicPr>
+        <p:blipFill>
+          <a:blip r:embed="rId3"/>
+          <a:stretch>
+            <a:fillRect/>
+          </a:stretch>
+        </p:blipFill>
+        <p:spPr>
+          <a:xfrm>
+            <a:off x="5830472" y="5318730"/>
+            <a:ext cx="752381" cy="585715"/>
+          </a:xfrm>
+          <a:prstGeom prst="rect">
+            <a:avLst/>
+          </a:prstGeom>
+          <a:ln w="3175">
+            <a:solidFill>
+              <a:schemeClr val="tx1"/>
+            </a:solidFill>
+          </a:ln>
+        </p:spPr>
+      </p:pic>
+      <p:sp>
+        <p:nvSpPr>
+          <p:cNvPr id="10" name="TextBox 9">
+            <a:extLst>
+              <a:ext uri="{FF2B5EF4-FFF2-40B4-BE49-F238E27FC236}">
+                <a16:creationId xmlns:a16="http://schemas.microsoft.com/office/drawing/2014/main" id="{D57202DD-EF03-0C9E-7279-F66F44FB6847}"/>
+              </a:ext>
+            </a:extLst>
+          </p:cNvPr>
+          <p:cNvSpPr txBox="1"/>
+          <p:nvPr/>
+        </p:nvSpPr>
+        <p:spPr>
+          <a:xfrm>
+            <a:off x="1224230" y="1324388"/>
+            <a:ext cx="802249" cy="230832"/>
+          </a:xfrm>
+          <a:prstGeom prst="rect">
+            <a:avLst/>
+          </a:prstGeom>
+          <a:noFill/>
+        </p:spPr>
+        <p:txBody>
+          <a:bodyPr wrap="square" rtlCol="0">
+            <a:spAutoFit/>
+          </a:bodyPr>
+          <a:lstStyle/>
+          <a:p>
+            <a:r>
+              <a:rPr lang="en-US" sz="900" dirty="0">
+                <a:solidFill>
+                  <a:srgbClr val="002060"/>
+                </a:solidFill>
+              </a:rPr>
+              <a:t>User </a:t>
+            </a:r>
+            <a:endParaRPr lang="en-SG" sz="900" dirty="0">
+              <a:solidFill>
+                <a:srgbClr val="002060"/>
+              </a:solidFill>
+            </a:endParaRPr>
+          </a:p>
+        </p:txBody>
+      </p:sp>
+      <p:sp>
+        <p:nvSpPr>
+          <p:cNvPr id="11" name="Cloud 10">
+            <a:extLst>
+              <a:ext uri="{FF2B5EF4-FFF2-40B4-BE49-F238E27FC236}">
+                <a16:creationId xmlns:a16="http://schemas.microsoft.com/office/drawing/2014/main" id="{A4953439-6AC2-4F44-9EA7-838CDE31D095}"/>
+              </a:ext>
+            </a:extLst>
+          </p:cNvPr>
+          <p:cNvSpPr/>
+          <p:nvPr/>
+        </p:nvSpPr>
+        <p:spPr>
+          <a:xfrm>
+            <a:off x="8710296" y="1445201"/>
+            <a:ext cx="956953" cy="512956"/>
+          </a:xfrm>
+          <a:prstGeom prst="cloud">
+            <a:avLst/>
+          </a:prstGeom>
+        </p:spPr>
+        <p:style>
+          <a:lnRef idx="2">
+            <a:schemeClr val="accent1">
+              <a:shade val="50000"/>
+            </a:schemeClr>
+          </a:lnRef>
+          <a:fillRef idx="1">
+            <a:schemeClr val="accent1"/>
+          </a:fillRef>
+          <a:effectRef idx="0">
+            <a:schemeClr val="accent1"/>
+          </a:effectRef>
+          <a:fontRef idx="minor">
+            <a:schemeClr val="lt1"/>
+          </a:fontRef>
+        </p:style>
+        <p:txBody>
+          <a:bodyPr rtlCol="0" anchor="ctr"/>
+          <a:lstStyle/>
+          <a:p>
+            <a:pPr algn="ctr"/>
+            <a:r>
+              <a:rPr lang="en-US" sz="1200" dirty="0"/>
+              <a:t>Public IP</a:t>
+            </a:r>
+            <a:endParaRPr lang="en-SG" sz="1200" dirty="0"/>
+          </a:p>
+        </p:txBody>
+      </p:sp>
+      <p:pic>
+        <p:nvPicPr>
+          <p:cNvPr id="15" name="Picture 14">
+            <a:extLst>
+              <a:ext uri="{FF2B5EF4-FFF2-40B4-BE49-F238E27FC236}">
+                <a16:creationId xmlns:a16="http://schemas.microsoft.com/office/drawing/2014/main" id="{2F7FE210-6688-FB2D-B7EA-8EC637A3971A}"/>
+              </a:ext>
+            </a:extLst>
+          </p:cNvPr>
+          <p:cNvPicPr>
+            <a:picLocks noChangeAspect="1"/>
+          </p:cNvPicPr>
+          <p:nvPr/>
+        </p:nvPicPr>
+        <p:blipFill>
+          <a:blip r:embed="rId4"/>
+          <a:stretch>
+            <a:fillRect/>
+          </a:stretch>
+        </p:blipFill>
+        <p:spPr>
+          <a:xfrm>
+            <a:off x="5951720" y="5420634"/>
+            <a:ext cx="254941" cy="254941"/>
+          </a:xfrm>
+          <a:prstGeom prst="rect">
+            <a:avLst/>
+          </a:prstGeom>
+          <a:ln w="12700">
+            <a:solidFill>
+              <a:schemeClr val="tx1"/>
+            </a:solidFill>
+          </a:ln>
+        </p:spPr>
+      </p:pic>
+      <p:sp>
+        <p:nvSpPr>
+          <p:cNvPr id="16" name="TextBox 15">
+            <a:extLst>
+              <a:ext uri="{FF2B5EF4-FFF2-40B4-BE49-F238E27FC236}">
+                <a16:creationId xmlns:a16="http://schemas.microsoft.com/office/drawing/2014/main" id="{D28B5A34-42DE-FDE5-CAF9-8235FD9476DD}"/>
+              </a:ext>
+            </a:extLst>
+          </p:cNvPr>
+          <p:cNvSpPr txBox="1"/>
+          <p:nvPr/>
+        </p:nvSpPr>
+        <p:spPr>
+          <a:xfrm>
+            <a:off x="9216067" y="1989974"/>
+            <a:ext cx="802249" cy="507831"/>
+          </a:xfrm>
+          <a:prstGeom prst="rect">
+            <a:avLst/>
+          </a:prstGeom>
+          <a:noFill/>
+        </p:spPr>
+        <p:txBody>
+          <a:bodyPr wrap="square" rtlCol="0">
+            <a:spAutoFit/>
+          </a:bodyPr>
+          <a:lstStyle/>
+          <a:p>
+            <a:r>
+              <a:rPr lang="en-US" sz="900" b="1" dirty="0">
+                <a:solidFill>
+                  <a:srgbClr val="002060"/>
+                </a:solidFill>
+              </a:rPr>
+              <a:t>SUTD, Singtel, gov.sg</a:t>
+            </a:r>
+            <a:endParaRPr lang="en-SG" sz="900" b="1" dirty="0">
+              <a:solidFill>
+                <a:srgbClr val="002060"/>
+              </a:solidFill>
+            </a:endParaRPr>
+          </a:p>
+        </p:txBody>
+      </p:sp>
+      <p:cxnSp>
+        <p:nvCxnSpPr>
+          <p:cNvPr id="24" name="Straight Connector 23">
+            <a:extLst>
+              <a:ext uri="{FF2B5EF4-FFF2-40B4-BE49-F238E27FC236}">
+                <a16:creationId xmlns:a16="http://schemas.microsoft.com/office/drawing/2014/main" id="{EBE8E35C-444D-0796-846E-05D6E08A9468}"/>
+              </a:ext>
+            </a:extLst>
+          </p:cNvPr>
+          <p:cNvCxnSpPr>
+            <a:cxnSpLocks/>
+            <a:stCxn id="7" idx="1"/>
+            <a:endCxn id="1026" idx="3"/>
+          </p:cNvCxnSpPr>
+          <p:nvPr/>
+        </p:nvCxnSpPr>
+        <p:spPr>
+          <a:xfrm flipH="1">
+            <a:off x="3795740" y="5611588"/>
+            <a:ext cx="2034732" cy="466087"/>
+          </a:xfrm>
+          <a:prstGeom prst="line">
+            <a:avLst/>
+          </a:prstGeom>
+          <a:ln w="28575"/>
+        </p:spPr>
+        <p:style>
+          <a:lnRef idx="1">
+            <a:schemeClr val="accent6"/>
+          </a:lnRef>
+          <a:fillRef idx="0">
+            <a:schemeClr val="accent6"/>
+          </a:fillRef>
+          <a:effectRef idx="0">
+            <a:schemeClr val="accent6"/>
+          </a:effectRef>
+          <a:fontRef idx="minor">
+            <a:schemeClr val="tx1"/>
+          </a:fontRef>
+        </p:style>
+      </p:cxnSp>
+      <p:sp>
+        <p:nvSpPr>
+          <p:cNvPr id="26" name="TextBox 25">
+            <a:extLst>
+              <a:ext uri="{FF2B5EF4-FFF2-40B4-BE49-F238E27FC236}">
+                <a16:creationId xmlns:a16="http://schemas.microsoft.com/office/drawing/2014/main" id="{18012DEC-F0C8-A303-A41F-137E8524B02B}"/>
+              </a:ext>
+            </a:extLst>
+          </p:cNvPr>
+          <p:cNvSpPr txBox="1"/>
+          <p:nvPr/>
+        </p:nvSpPr>
+        <p:spPr>
+          <a:xfrm>
+            <a:off x="2719042" y="5404982"/>
+            <a:ext cx="1864242" cy="276999"/>
+          </a:xfrm>
+          <a:prstGeom prst="rect">
+            <a:avLst/>
+          </a:prstGeom>
+          <a:noFill/>
+        </p:spPr>
+        <p:txBody>
+          <a:bodyPr wrap="square" rtlCol="0">
+            <a:spAutoFit/>
+          </a:bodyPr>
+          <a:lstStyle/>
+          <a:p>
+            <a:r>
+              <a:rPr lang="en-US" sz="1200" b="1" dirty="0">
+                <a:solidFill>
+                  <a:srgbClr val="002060"/>
+                </a:solidFill>
+              </a:rPr>
+              <a:t>CIDEX-CR1-Cluster</a:t>
+            </a:r>
+            <a:endParaRPr lang="en-SG" sz="1200" b="1" dirty="0">
+              <a:solidFill>
+                <a:srgbClr val="002060"/>
+              </a:solidFill>
+            </a:endParaRPr>
+          </a:p>
+        </p:txBody>
+      </p:sp>
+      <p:pic>
+        <p:nvPicPr>
+          <p:cNvPr id="1026" name="Picture 2" descr="Green and yellow logo, VMware vSphere VMware ESXi Virtual ...">
+            <a:extLst>
+              <a:ext uri="{FF2B5EF4-FFF2-40B4-BE49-F238E27FC236}">
+                <a16:creationId xmlns:a16="http://schemas.microsoft.com/office/drawing/2014/main" id="{4124B307-5D4A-C57F-BC59-BB2333DCF6CD}"/>
+              </a:ext>
+            </a:extLst>
+          </p:cNvPr>
+          <p:cNvPicPr>
+            <a:picLocks noChangeAspect="1" noChangeArrowheads="1"/>
+          </p:cNvPicPr>
+          <p:nvPr/>
+        </p:nvPicPr>
+        <p:blipFill>
+          <a:blip r:embed="rId5">
+            <a:extLst>
+              <a:ext uri="{28A0092B-C50C-407E-A947-70E740481C1C}">
+                <a14:useLocalDpi xmlns:a14="http://schemas.microsoft.com/office/drawing/2010/main" val="0"/>
+              </a:ext>
+            </a:extLst>
+          </a:blip>
+          <a:srcRect/>
+          <a:stretch>
+            <a:fillRect/>
+          </a:stretch>
+        </p:blipFill>
+        <p:spPr bwMode="auto">
+          <a:xfrm>
+            <a:off x="3271417" y="5815513"/>
+            <a:ext cx="524323" cy="524323"/>
+          </a:xfrm>
+          <a:prstGeom prst="rect">
+            <a:avLst/>
+          </a:prstGeom>
+          <a:noFill/>
+          <a:ln w="9525">
+            <a:solidFill>
+              <a:schemeClr val="tx1"/>
+            </a:solidFill>
+          </a:ln>
+          <a:extLst>
+            <a:ext uri="{909E8E84-426E-40DD-AFC4-6F175D3DCCD1}">
+              <a14:hiddenFill xmlns:a14="http://schemas.microsoft.com/office/drawing/2010/main">
+                <a:solidFill>
+                  <a:srgbClr val="FFFFFF"/>
+                </a:solidFill>
+              </a14:hiddenFill>
+            </a:ext>
+          </a:extLst>
+        </p:spPr>
+      </p:pic>
+      <p:cxnSp>
+        <p:nvCxnSpPr>
+          <p:cNvPr id="29" name="Straight Arrow Connector 28">
+            <a:extLst>
+              <a:ext uri="{FF2B5EF4-FFF2-40B4-BE49-F238E27FC236}">
+                <a16:creationId xmlns:a16="http://schemas.microsoft.com/office/drawing/2014/main" id="{531F9C99-2F46-588B-72F4-CFA79DB374CC}"/>
+              </a:ext>
+            </a:extLst>
+          </p:cNvPr>
+          <p:cNvCxnSpPr>
+            <a:cxnSpLocks/>
+          </p:cNvCxnSpPr>
+          <p:nvPr/>
+        </p:nvCxnSpPr>
+        <p:spPr>
+          <a:xfrm flipH="1">
+            <a:off x="3789462" y="5499728"/>
+            <a:ext cx="2003689" cy="456422"/>
+          </a:xfrm>
+          <a:prstGeom prst="straightConnector1">
+            <a:avLst/>
+          </a:prstGeom>
+          <a:ln>
+            <a:tailEnd type="triangle"/>
+          </a:ln>
+        </p:spPr>
+        <p:style>
+          <a:lnRef idx="1">
+            <a:schemeClr val="accent1"/>
+          </a:lnRef>
+          <a:fillRef idx="0">
+            <a:schemeClr val="accent1"/>
+          </a:fillRef>
+          <a:effectRef idx="0">
+            <a:schemeClr val="accent1"/>
+          </a:effectRef>
+          <a:fontRef idx="minor">
+            <a:schemeClr val="tx1"/>
+          </a:fontRef>
+        </p:style>
+      </p:cxnSp>
+      <p:sp>
+        <p:nvSpPr>
+          <p:cNvPr id="32" name="TextBox 31">
+            <a:extLst>
+              <a:ext uri="{FF2B5EF4-FFF2-40B4-BE49-F238E27FC236}">
+                <a16:creationId xmlns:a16="http://schemas.microsoft.com/office/drawing/2014/main" id="{F9973342-5EA7-52A1-C497-D46D565FA1C6}"/>
+              </a:ext>
+            </a:extLst>
+          </p:cNvPr>
+          <p:cNvSpPr txBox="1"/>
+          <p:nvPr/>
+        </p:nvSpPr>
+        <p:spPr>
+          <a:xfrm>
+            <a:off x="4555136" y="5459531"/>
+            <a:ext cx="802249" cy="230832"/>
+          </a:xfrm>
+          <a:prstGeom prst="rect">
+            <a:avLst/>
+          </a:prstGeom>
+          <a:noFill/>
+        </p:spPr>
+        <p:txBody>
+          <a:bodyPr wrap="square" rtlCol="0">
+            <a:spAutoFit/>
+          </a:bodyPr>
+          <a:lstStyle/>
+          <a:p>
+            <a:r>
+              <a:rPr lang="en-US" sz="900" dirty="0">
+                <a:solidFill>
+                  <a:srgbClr val="002060"/>
+                </a:solidFill>
+              </a:rPr>
+              <a:t>Ping </a:t>
+            </a:r>
+            <a:endParaRPr lang="en-SG" sz="900" dirty="0">
+              <a:solidFill>
+                <a:srgbClr val="002060"/>
+              </a:solidFill>
+            </a:endParaRPr>
+          </a:p>
+        </p:txBody>
+      </p:sp>
+      <p:sp>
+        <p:nvSpPr>
+          <p:cNvPr id="33" name="TextBox 32">
+            <a:extLst>
+              <a:ext uri="{FF2B5EF4-FFF2-40B4-BE49-F238E27FC236}">
+                <a16:creationId xmlns:a16="http://schemas.microsoft.com/office/drawing/2014/main" id="{AD11E7BA-E07E-20FE-7EB6-DA58E2E09045}"/>
+              </a:ext>
+            </a:extLst>
+          </p:cNvPr>
+          <p:cNvSpPr txBox="1"/>
+          <p:nvPr/>
+        </p:nvSpPr>
+        <p:spPr>
+          <a:xfrm>
+            <a:off x="4449440" y="5888318"/>
+            <a:ext cx="802249" cy="230832"/>
+          </a:xfrm>
+          <a:prstGeom prst="rect">
+            <a:avLst/>
+          </a:prstGeom>
+          <a:noFill/>
+        </p:spPr>
+        <p:txBody>
+          <a:bodyPr wrap="square" rtlCol="0">
+            <a:spAutoFit/>
+          </a:bodyPr>
+          <a:lstStyle/>
+          <a:p>
+            <a:r>
+              <a:rPr lang="en-US" sz="900" b="1" dirty="0">
+                <a:solidFill>
+                  <a:schemeClr val="accent6">
+                    <a:lumMod val="75000"/>
+                  </a:schemeClr>
+                </a:solidFill>
+              </a:rPr>
+              <a:t>VPN tunnel </a:t>
+            </a:r>
+            <a:endParaRPr lang="en-SG" sz="900" b="1" dirty="0">
+              <a:solidFill>
+                <a:schemeClr val="accent6">
+                  <a:lumMod val="75000"/>
+                </a:schemeClr>
+              </a:solidFill>
+            </a:endParaRPr>
+          </a:p>
+        </p:txBody>
+      </p:sp>
+      <p:cxnSp>
+        <p:nvCxnSpPr>
+          <p:cNvPr id="34" name="Straight Connector 33">
+            <a:extLst>
+              <a:ext uri="{FF2B5EF4-FFF2-40B4-BE49-F238E27FC236}">
+                <a16:creationId xmlns:a16="http://schemas.microsoft.com/office/drawing/2014/main" id="{A5EA5A8E-5789-128C-B422-62E073C1E6C0}"/>
+              </a:ext>
+            </a:extLst>
+          </p:cNvPr>
+          <p:cNvCxnSpPr>
+            <a:cxnSpLocks/>
+          </p:cNvCxnSpPr>
+          <p:nvPr/>
+        </p:nvCxnSpPr>
+        <p:spPr>
+          <a:xfrm flipH="1">
+            <a:off x="2252238" y="6112373"/>
+            <a:ext cx="1019179" cy="0"/>
+          </a:xfrm>
+          <a:prstGeom prst="line">
+            <a:avLst/>
+          </a:prstGeom>
+          <a:ln w="28575"/>
+        </p:spPr>
+        <p:style>
+          <a:lnRef idx="1">
+            <a:schemeClr val="accent6"/>
+          </a:lnRef>
+          <a:fillRef idx="0">
+            <a:schemeClr val="accent6"/>
+          </a:fillRef>
+          <a:effectRef idx="0">
+            <a:schemeClr val="accent6"/>
+          </a:effectRef>
+          <a:fontRef idx="minor">
+            <a:schemeClr val="tx1"/>
+          </a:fontRef>
+        </p:style>
+      </p:cxnSp>
+      <p:cxnSp>
+        <p:nvCxnSpPr>
+          <p:cNvPr id="42" name="Straight Arrow Connector 41">
+            <a:extLst>
+              <a:ext uri="{FF2B5EF4-FFF2-40B4-BE49-F238E27FC236}">
+                <a16:creationId xmlns:a16="http://schemas.microsoft.com/office/drawing/2014/main" id="{026FF063-8F3F-5B76-B424-096D2C75E49D}"/>
+              </a:ext>
+            </a:extLst>
+          </p:cNvPr>
+          <p:cNvCxnSpPr>
+            <a:cxnSpLocks/>
+          </p:cNvCxnSpPr>
+          <p:nvPr/>
+        </p:nvCxnSpPr>
+        <p:spPr>
+          <a:xfrm flipH="1">
+            <a:off x="2252238" y="5998447"/>
+            <a:ext cx="979810" cy="0"/>
+          </a:xfrm>
+          <a:prstGeom prst="straightConnector1">
+            <a:avLst/>
+          </a:prstGeom>
+          <a:ln>
+            <a:tailEnd type="triangle"/>
+          </a:ln>
+        </p:spPr>
+        <p:style>
+          <a:lnRef idx="1">
+            <a:schemeClr val="accent1"/>
+          </a:lnRef>
+          <a:fillRef idx="0">
+            <a:schemeClr val="accent1"/>
+          </a:fillRef>
+          <a:effectRef idx="0">
+            <a:schemeClr val="accent1"/>
+          </a:effectRef>
+          <a:fontRef idx="minor">
+            <a:schemeClr val="tx1"/>
+          </a:fontRef>
+        </p:style>
+      </p:cxnSp>
+      <p:sp>
+        <p:nvSpPr>
+          <p:cNvPr id="45" name="TextBox 44">
+            <a:extLst>
+              <a:ext uri="{FF2B5EF4-FFF2-40B4-BE49-F238E27FC236}">
+                <a16:creationId xmlns:a16="http://schemas.microsoft.com/office/drawing/2014/main" id="{57F371C6-4437-70A1-209B-AA50F6F37599}"/>
+              </a:ext>
+            </a:extLst>
+          </p:cNvPr>
+          <p:cNvSpPr txBox="1"/>
+          <p:nvPr/>
+        </p:nvSpPr>
+        <p:spPr>
+          <a:xfrm>
+            <a:off x="2696876" y="5783555"/>
+            <a:ext cx="802249" cy="230832"/>
+          </a:xfrm>
+          <a:prstGeom prst="rect">
+            <a:avLst/>
+          </a:prstGeom>
+          <a:noFill/>
+        </p:spPr>
+        <p:txBody>
+          <a:bodyPr wrap="square" rtlCol="0">
+            <a:spAutoFit/>
+          </a:bodyPr>
+          <a:lstStyle/>
+          <a:p>
+            <a:r>
+              <a:rPr lang="en-US" sz="900" dirty="0">
+                <a:solidFill>
+                  <a:srgbClr val="002060"/>
+                </a:solidFill>
+              </a:rPr>
+              <a:t>Ping </a:t>
+            </a:r>
+            <a:endParaRPr lang="en-SG" sz="900" dirty="0">
+              <a:solidFill>
+                <a:srgbClr val="002060"/>
+              </a:solidFill>
+            </a:endParaRPr>
+          </a:p>
+        </p:txBody>
+      </p:sp>
+      <p:pic>
+        <p:nvPicPr>
+          <p:cNvPr id="47" name="Picture 46">
+            <a:extLst>
+              <a:ext uri="{FF2B5EF4-FFF2-40B4-BE49-F238E27FC236}">
+                <a16:creationId xmlns:a16="http://schemas.microsoft.com/office/drawing/2014/main" id="{60C4B177-DCAD-987A-B1FE-EAFAA357647E}"/>
+              </a:ext>
+            </a:extLst>
+          </p:cNvPr>
+          <p:cNvPicPr>
+            <a:picLocks noChangeAspect="1"/>
+          </p:cNvPicPr>
+          <p:nvPr/>
+        </p:nvPicPr>
+        <p:blipFill>
+          <a:blip r:embed="rId6"/>
+          <a:stretch>
+            <a:fillRect/>
+          </a:stretch>
+        </p:blipFill>
+        <p:spPr>
+          <a:xfrm>
+            <a:off x="1047667" y="5783555"/>
+            <a:ext cx="1161905" cy="476190"/>
+          </a:xfrm>
+          <a:prstGeom prst="rect">
+            <a:avLst/>
+          </a:prstGeom>
+          <a:ln w="6350">
+            <a:solidFill>
+              <a:schemeClr val="tx1"/>
+            </a:solidFill>
+          </a:ln>
+        </p:spPr>
+      </p:pic>
+      <p:sp>
+        <p:nvSpPr>
+          <p:cNvPr id="50" name="TextBox 49">
+            <a:extLst>
+              <a:ext uri="{FF2B5EF4-FFF2-40B4-BE49-F238E27FC236}">
+                <a16:creationId xmlns:a16="http://schemas.microsoft.com/office/drawing/2014/main" id="{BCD941EA-24F4-71BB-9839-2CC406F718E4}"/>
+              </a:ext>
+            </a:extLst>
+          </p:cNvPr>
+          <p:cNvSpPr txBox="1"/>
+          <p:nvPr/>
+        </p:nvSpPr>
+        <p:spPr>
+          <a:xfrm>
+            <a:off x="2360702" y="6137190"/>
+            <a:ext cx="802249" cy="230832"/>
+          </a:xfrm>
+          <a:prstGeom prst="rect">
+            <a:avLst/>
+          </a:prstGeom>
+          <a:noFill/>
+        </p:spPr>
+        <p:txBody>
+          <a:bodyPr wrap="square" rtlCol="0">
+            <a:spAutoFit/>
+          </a:bodyPr>
+          <a:lstStyle/>
+          <a:p>
+            <a:r>
+              <a:rPr lang="en-US" sz="900" b="1" dirty="0">
+                <a:solidFill>
+                  <a:schemeClr val="accent6">
+                    <a:lumMod val="75000"/>
+                  </a:schemeClr>
+                </a:solidFill>
+              </a:rPr>
+              <a:t>VPN tunnel </a:t>
+            </a:r>
+            <a:endParaRPr lang="en-SG" sz="900" b="1" dirty="0">
+              <a:solidFill>
+                <a:schemeClr val="accent6">
+                  <a:lumMod val="75000"/>
+                </a:schemeClr>
+              </a:solidFill>
+            </a:endParaRPr>
+          </a:p>
+        </p:txBody>
+      </p:sp>
+      <p:sp>
+        <p:nvSpPr>
+          <p:cNvPr id="51" name="TextBox 50">
+            <a:extLst>
+              <a:ext uri="{FF2B5EF4-FFF2-40B4-BE49-F238E27FC236}">
+                <a16:creationId xmlns:a16="http://schemas.microsoft.com/office/drawing/2014/main" id="{073291B8-62C7-9A3D-4765-9A9E29DC9E02}"/>
+              </a:ext>
+            </a:extLst>
+          </p:cNvPr>
+          <p:cNvSpPr txBox="1"/>
+          <p:nvPr/>
+        </p:nvSpPr>
+        <p:spPr>
+          <a:xfrm>
+            <a:off x="3217556" y="5603206"/>
+            <a:ext cx="802249" cy="230832"/>
+          </a:xfrm>
+          <a:prstGeom prst="rect">
+            <a:avLst/>
+          </a:prstGeom>
+          <a:noFill/>
+        </p:spPr>
+        <p:txBody>
+          <a:bodyPr wrap="square" rtlCol="0">
+            <a:spAutoFit/>
+          </a:bodyPr>
+          <a:lstStyle/>
+          <a:p>
+            <a:r>
+              <a:rPr lang="en-US" sz="900" dirty="0">
+                <a:solidFill>
+                  <a:srgbClr val="002060"/>
+                </a:solidFill>
+              </a:rPr>
+              <a:t>vCenter </a:t>
+            </a:r>
+            <a:endParaRPr lang="en-SG" sz="900" dirty="0">
+              <a:solidFill>
+                <a:srgbClr val="002060"/>
+              </a:solidFill>
+            </a:endParaRPr>
+          </a:p>
+        </p:txBody>
+      </p:sp>
+      <p:sp>
+        <p:nvSpPr>
+          <p:cNvPr id="52" name="TextBox 51">
+            <a:extLst>
+              <a:ext uri="{FF2B5EF4-FFF2-40B4-BE49-F238E27FC236}">
+                <a16:creationId xmlns:a16="http://schemas.microsoft.com/office/drawing/2014/main" id="{B8219291-81C9-CC37-738B-3C8DEE6D5BDB}"/>
+              </a:ext>
+            </a:extLst>
+          </p:cNvPr>
+          <p:cNvSpPr txBox="1"/>
+          <p:nvPr/>
+        </p:nvSpPr>
+        <p:spPr>
+          <a:xfrm>
+            <a:off x="1009634" y="5567842"/>
+            <a:ext cx="802249" cy="230832"/>
+          </a:xfrm>
+          <a:prstGeom prst="rect">
+            <a:avLst/>
+          </a:prstGeom>
+          <a:noFill/>
+        </p:spPr>
+        <p:txBody>
+          <a:bodyPr wrap="square" rtlCol="0">
+            <a:spAutoFit/>
+          </a:bodyPr>
+          <a:lstStyle/>
+          <a:p>
+            <a:r>
+              <a:rPr lang="en-US" sz="900" dirty="0">
+                <a:solidFill>
+                  <a:srgbClr val="002060"/>
+                </a:solidFill>
+              </a:rPr>
+              <a:t>gateway</a:t>
+            </a:r>
+            <a:endParaRPr lang="en-SG" sz="900" dirty="0">
+              <a:solidFill>
+                <a:srgbClr val="002060"/>
+              </a:solidFill>
+            </a:endParaRPr>
+          </a:p>
+        </p:txBody>
+      </p:sp>
+      <p:sp>
+        <p:nvSpPr>
+          <p:cNvPr id="53" name="TextBox 52">
+            <a:extLst>
+              <a:ext uri="{FF2B5EF4-FFF2-40B4-BE49-F238E27FC236}">
+                <a16:creationId xmlns:a16="http://schemas.microsoft.com/office/drawing/2014/main" id="{FAAC8572-46AB-3030-8AC3-5E6A8226322F}"/>
+              </a:ext>
+            </a:extLst>
+          </p:cNvPr>
+          <p:cNvSpPr txBox="1"/>
+          <p:nvPr/>
+        </p:nvSpPr>
+        <p:spPr>
+          <a:xfrm>
+            <a:off x="5873267" y="5197511"/>
+            <a:ext cx="802249" cy="230832"/>
+          </a:xfrm>
+          <a:prstGeom prst="rect">
+            <a:avLst/>
+          </a:prstGeom>
+          <a:noFill/>
+        </p:spPr>
+        <p:txBody>
+          <a:bodyPr wrap="square" rtlCol="0">
+            <a:spAutoFit/>
+          </a:bodyPr>
+          <a:lstStyle/>
+          <a:p>
+            <a:r>
+              <a:rPr lang="en-US" sz="900" dirty="0" err="1"/>
+              <a:t>PingClient</a:t>
+            </a:r>
+            <a:endParaRPr lang="en-SG" sz="900" dirty="0"/>
+          </a:p>
+        </p:txBody>
+      </p:sp>
+      <p:cxnSp>
+        <p:nvCxnSpPr>
+          <p:cNvPr id="54" name="Straight Arrow Connector 53">
+            <a:extLst>
+              <a:ext uri="{FF2B5EF4-FFF2-40B4-BE49-F238E27FC236}">
+                <a16:creationId xmlns:a16="http://schemas.microsoft.com/office/drawing/2014/main" id="{CEEE1C48-CCE5-E362-19A8-CCA597FBA1CB}"/>
+              </a:ext>
+            </a:extLst>
+          </p:cNvPr>
+          <p:cNvCxnSpPr>
+            <a:cxnSpLocks/>
+          </p:cNvCxnSpPr>
+          <p:nvPr/>
+        </p:nvCxnSpPr>
+        <p:spPr>
+          <a:xfrm>
+            <a:off x="6206662" y="5756694"/>
+            <a:ext cx="0" cy="308314"/>
+          </a:xfrm>
+          <a:prstGeom prst="straightConnector1">
+            <a:avLst/>
+          </a:prstGeom>
+          <a:ln>
+            <a:solidFill>
+              <a:schemeClr val="tx1"/>
+            </a:solidFill>
+            <a:tailEnd type="triangle"/>
+          </a:ln>
+        </p:spPr>
+        <p:style>
+          <a:lnRef idx="1">
+            <a:schemeClr val="accent1"/>
+          </a:lnRef>
+          <a:fillRef idx="0">
+            <a:schemeClr val="accent1"/>
+          </a:fillRef>
+          <a:effectRef idx="0">
+            <a:schemeClr val="accent1"/>
+          </a:effectRef>
+          <a:fontRef idx="minor">
+            <a:schemeClr val="tx1"/>
+          </a:fontRef>
+        </p:style>
+      </p:cxnSp>
+      <p:sp>
+        <p:nvSpPr>
+          <p:cNvPr id="56" name="Cylinder 55">
+            <a:extLst>
+              <a:ext uri="{FF2B5EF4-FFF2-40B4-BE49-F238E27FC236}">
+                <a16:creationId xmlns:a16="http://schemas.microsoft.com/office/drawing/2014/main" id="{1F15E6B9-3EAC-56AA-36FA-D3F786AC87D9}"/>
+              </a:ext>
+            </a:extLst>
+          </p:cNvPr>
+          <p:cNvSpPr/>
+          <p:nvPr/>
+        </p:nvSpPr>
+        <p:spPr>
+          <a:xfrm>
+            <a:off x="6123107" y="6087873"/>
+            <a:ext cx="204817" cy="171879"/>
+          </a:xfrm>
+          <a:prstGeom prst="can">
+            <a:avLst/>
+          </a:prstGeom>
+        </p:spPr>
+        <p:style>
+          <a:lnRef idx="2">
+            <a:schemeClr val="accent1">
+              <a:shade val="50000"/>
+            </a:schemeClr>
+          </a:lnRef>
+          <a:fillRef idx="1">
+            <a:schemeClr val="accent1"/>
+          </a:fillRef>
+          <a:effectRef idx="0">
+            <a:schemeClr val="accent1"/>
+          </a:effectRef>
+          <a:fontRef idx="minor">
+            <a:schemeClr val="lt1"/>
+          </a:fontRef>
+        </p:style>
+        <p:txBody>
+          <a:bodyPr rtlCol="0" anchor="ctr"/>
+          <a:lstStyle/>
+          <a:p>
+            <a:pPr algn="ctr"/>
+            <a:endParaRPr lang="en-SG"/>
+          </a:p>
+        </p:txBody>
+      </p:sp>
+      <p:sp>
+        <p:nvSpPr>
+          <p:cNvPr id="57" name="TextBox 56">
+            <a:extLst>
+              <a:ext uri="{FF2B5EF4-FFF2-40B4-BE49-F238E27FC236}">
+                <a16:creationId xmlns:a16="http://schemas.microsoft.com/office/drawing/2014/main" id="{28384312-E2FD-BEDB-0CDF-2B94E94D2DB5}"/>
+              </a:ext>
+            </a:extLst>
+          </p:cNvPr>
+          <p:cNvSpPr txBox="1"/>
+          <p:nvPr/>
+        </p:nvSpPr>
+        <p:spPr>
+          <a:xfrm>
+            <a:off x="6327924" y="6033889"/>
+            <a:ext cx="802249" cy="369332"/>
+          </a:xfrm>
+          <a:prstGeom prst="rect">
+            <a:avLst/>
+          </a:prstGeom>
+          <a:noFill/>
+        </p:spPr>
+        <p:txBody>
+          <a:bodyPr wrap="square" rtlCol="0">
+            <a:spAutoFit/>
+          </a:bodyPr>
+          <a:lstStyle/>
+          <a:p>
+            <a:r>
+              <a:rPr lang="en-US" sz="900" dirty="0"/>
+              <a:t>Local storage [text log file]</a:t>
+            </a:r>
+            <a:endParaRPr lang="en-SG" sz="900" dirty="0"/>
+          </a:p>
+        </p:txBody>
+      </p:sp>
+      <p:sp>
+        <p:nvSpPr>
+          <p:cNvPr id="61" name="TextBox 60">
+            <a:extLst>
+              <a:ext uri="{FF2B5EF4-FFF2-40B4-BE49-F238E27FC236}">
+                <a16:creationId xmlns:a16="http://schemas.microsoft.com/office/drawing/2014/main" id="{326DE301-7A06-CAF3-A809-AC63E324F218}"/>
+              </a:ext>
+            </a:extLst>
+          </p:cNvPr>
+          <p:cNvSpPr txBox="1"/>
+          <p:nvPr/>
+        </p:nvSpPr>
+        <p:spPr>
+          <a:xfrm>
+            <a:off x="4555136" y="4798782"/>
+            <a:ext cx="802249" cy="230832"/>
+          </a:xfrm>
+          <a:prstGeom prst="rect">
+            <a:avLst/>
+          </a:prstGeom>
+          <a:noFill/>
+        </p:spPr>
+        <p:txBody>
+          <a:bodyPr wrap="square" rtlCol="0">
+            <a:spAutoFit/>
+          </a:bodyPr>
+          <a:lstStyle/>
+          <a:p>
+            <a:r>
+              <a:rPr lang="en-US" sz="900" dirty="0">
+                <a:solidFill>
+                  <a:srgbClr val="002060"/>
+                </a:solidFill>
+              </a:rPr>
+              <a:t>UDP:3001 </a:t>
+            </a:r>
+            <a:endParaRPr lang="en-SG" sz="900" dirty="0">
+              <a:solidFill>
+                <a:srgbClr val="002060"/>
+              </a:solidFill>
+            </a:endParaRPr>
+          </a:p>
+        </p:txBody>
+      </p:sp>
+      <p:sp>
+        <p:nvSpPr>
+          <p:cNvPr id="62" name="矩形 9">
+            <a:extLst>
+              <a:ext uri="{FF2B5EF4-FFF2-40B4-BE49-F238E27FC236}">
+                <a16:creationId xmlns:a16="http://schemas.microsoft.com/office/drawing/2014/main" id="{177DF20B-913A-5BEB-DC3C-A22563F974D6}"/>
+              </a:ext>
+            </a:extLst>
+          </p:cNvPr>
+          <p:cNvSpPr/>
+          <p:nvPr/>
+        </p:nvSpPr>
+        <p:spPr>
+          <a:xfrm>
+            <a:off x="790931" y="2787387"/>
+            <a:ext cx="3708913" cy="2086584"/>
+          </a:xfrm>
+          <a:prstGeom prst="rect">
+            <a:avLst/>
+          </a:prstGeom>
+          <a:ln>
+            <a:prstDash val="dash"/>
+          </a:ln>
+        </p:spPr>
+        <p:style>
+          <a:lnRef idx="2">
+            <a:schemeClr val="accent1"/>
+          </a:lnRef>
+          <a:fillRef idx="1">
+            <a:schemeClr val="lt1"/>
+          </a:fillRef>
+          <a:effectRef idx="0">
+            <a:schemeClr val="accent1"/>
+          </a:effectRef>
+          <a:fontRef idx="minor">
+            <a:schemeClr val="dk1"/>
+          </a:fontRef>
+        </p:style>
+        <p:txBody>
+          <a:bodyPr rtlCol="0" anchor="ctr"/>
+          <a:lstStyle/>
+          <a:p>
+            <a:pPr algn="ctr"/>
+            <a:endParaRPr lang="zh-CN" altLang="en-US" dirty="0"/>
+          </a:p>
+        </p:txBody>
+      </p:sp>
+      <p:sp>
+        <p:nvSpPr>
+          <p:cNvPr id="63" name="TextBox 62">
+            <a:extLst>
+              <a:ext uri="{FF2B5EF4-FFF2-40B4-BE49-F238E27FC236}">
+                <a16:creationId xmlns:a16="http://schemas.microsoft.com/office/drawing/2014/main" id="{00C963CF-0DF6-9521-F75A-858FB665F730}"/>
+              </a:ext>
+            </a:extLst>
+          </p:cNvPr>
+          <p:cNvSpPr txBox="1"/>
+          <p:nvPr/>
+        </p:nvSpPr>
+        <p:spPr>
+          <a:xfrm>
+            <a:off x="908935" y="2768183"/>
+            <a:ext cx="1641854" cy="338554"/>
+          </a:xfrm>
+          <a:prstGeom prst="rect">
+            <a:avLst/>
+          </a:prstGeom>
+          <a:noFill/>
+        </p:spPr>
+        <p:txBody>
+          <a:bodyPr wrap="square" rtlCol="0">
+            <a:spAutoFit/>
+          </a:bodyPr>
+          <a:lstStyle/>
+          <a:p>
+            <a:r>
+              <a:rPr lang="en-US" sz="1600" b="1" dirty="0">
+                <a:solidFill>
+                  <a:srgbClr val="002060"/>
+                </a:solidFill>
+              </a:rPr>
+              <a:t>Hub server</a:t>
+            </a:r>
+            <a:endParaRPr lang="en-SG" sz="1600" b="1" dirty="0">
+              <a:solidFill>
+                <a:srgbClr val="002060"/>
+              </a:solidFill>
+            </a:endParaRPr>
+          </a:p>
+        </p:txBody>
+      </p:sp>
+      <p:cxnSp>
+        <p:nvCxnSpPr>
+          <p:cNvPr id="58" name="Straight Arrow Connector 57">
+            <a:extLst>
+              <a:ext uri="{FF2B5EF4-FFF2-40B4-BE49-F238E27FC236}">
+                <a16:creationId xmlns:a16="http://schemas.microsoft.com/office/drawing/2014/main" id="{DD92080A-E6F3-5C71-B0F3-3710600F8BFC}"/>
+              </a:ext>
+            </a:extLst>
+          </p:cNvPr>
+          <p:cNvCxnSpPr>
+            <a:cxnSpLocks/>
+          </p:cNvCxnSpPr>
+          <p:nvPr/>
+        </p:nvCxnSpPr>
+        <p:spPr>
+          <a:xfrm flipH="1" flipV="1">
+            <a:off x="3848194" y="4131288"/>
+            <a:ext cx="1982278" cy="1163834"/>
+          </a:xfrm>
+          <a:prstGeom prst="straightConnector1">
+            <a:avLst/>
+          </a:prstGeom>
+          <a:ln>
+            <a:solidFill>
+              <a:schemeClr val="tx1"/>
+            </a:solidFill>
+            <a:tailEnd type="triangle"/>
+          </a:ln>
+        </p:spPr>
+        <p:style>
+          <a:lnRef idx="1">
+            <a:schemeClr val="accent1"/>
+          </a:lnRef>
+          <a:fillRef idx="0">
+            <a:schemeClr val="accent1"/>
+          </a:fillRef>
+          <a:effectRef idx="0">
+            <a:schemeClr val="accent1"/>
+          </a:effectRef>
+          <a:fontRef idx="minor">
+            <a:schemeClr val="tx1"/>
+          </a:fontRef>
+        </p:style>
+      </p:cxnSp>
+      <p:sp>
+        <p:nvSpPr>
+          <p:cNvPr id="1024" name="Rectangle 1023">
+            <a:extLst>
+              <a:ext uri="{FF2B5EF4-FFF2-40B4-BE49-F238E27FC236}">
+                <a16:creationId xmlns:a16="http://schemas.microsoft.com/office/drawing/2014/main" id="{FF999CB4-CE39-8344-1F75-D3B11C9F559F}"/>
+              </a:ext>
+            </a:extLst>
+          </p:cNvPr>
+          <p:cNvSpPr/>
+          <p:nvPr/>
+        </p:nvSpPr>
+        <p:spPr>
+          <a:xfrm>
+            <a:off x="3003150" y="3869161"/>
+            <a:ext cx="802249" cy="329535"/>
+          </a:xfrm>
+          <a:prstGeom prst="rect">
+            <a:avLst/>
+          </a:prstGeom>
+        </p:spPr>
+        <p:style>
+          <a:lnRef idx="2">
+            <a:schemeClr val="accent1">
+              <a:shade val="50000"/>
+            </a:schemeClr>
+          </a:lnRef>
+          <a:fillRef idx="1">
+            <a:schemeClr val="accent1"/>
+          </a:fillRef>
+          <a:effectRef idx="0">
+            <a:schemeClr val="accent1"/>
+          </a:effectRef>
+          <a:fontRef idx="minor">
+            <a:schemeClr val="lt1"/>
+          </a:fontRef>
+        </p:style>
+        <p:txBody>
+          <a:bodyPr rtlCol="0" anchor="ctr"/>
+          <a:lstStyle/>
+          <a:p>
+            <a:r>
+              <a:rPr lang="en-US" sz="1100" b="1" dirty="0"/>
+              <a:t>Data manager </a:t>
+            </a:r>
+            <a:endParaRPr lang="en-SG" sz="1100" b="1" dirty="0"/>
+          </a:p>
+        </p:txBody>
+      </p:sp>
+      <p:cxnSp>
+        <p:nvCxnSpPr>
+          <p:cNvPr id="1025" name="Straight Arrow Connector 1024">
+            <a:extLst>
+              <a:ext uri="{FF2B5EF4-FFF2-40B4-BE49-F238E27FC236}">
+                <a16:creationId xmlns:a16="http://schemas.microsoft.com/office/drawing/2014/main" id="{28966DDD-D262-9CE3-F5F5-17B72EBDCCDC}"/>
+              </a:ext>
+            </a:extLst>
+          </p:cNvPr>
+          <p:cNvCxnSpPr>
+            <a:cxnSpLocks/>
+          </p:cNvCxnSpPr>
+          <p:nvPr/>
+        </p:nvCxnSpPr>
+        <p:spPr>
+          <a:xfrm flipV="1">
+            <a:off x="3098000" y="3640790"/>
+            <a:ext cx="0" cy="198983"/>
+          </a:xfrm>
+          <a:prstGeom prst="straightConnector1">
+            <a:avLst/>
+          </a:prstGeom>
+          <a:ln>
+            <a:solidFill>
+              <a:schemeClr val="tx1"/>
+            </a:solidFill>
+            <a:tailEnd type="triangle"/>
+          </a:ln>
+        </p:spPr>
+        <p:style>
+          <a:lnRef idx="1">
+            <a:schemeClr val="accent1"/>
+          </a:lnRef>
+          <a:fillRef idx="0">
+            <a:schemeClr val="accent1"/>
+          </a:fillRef>
+          <a:effectRef idx="0">
+            <a:schemeClr val="accent1"/>
+          </a:effectRef>
+          <a:fontRef idx="minor">
+            <a:schemeClr val="tx1"/>
+          </a:fontRef>
+        </p:style>
+      </p:cxnSp>
+      <p:pic>
+        <p:nvPicPr>
+          <p:cNvPr id="1029" name="Picture 1028">
+            <a:extLst>
+              <a:ext uri="{FF2B5EF4-FFF2-40B4-BE49-F238E27FC236}">
+                <a16:creationId xmlns:a16="http://schemas.microsoft.com/office/drawing/2014/main" id="{13488011-1113-0C12-6825-8594545D9140}"/>
+              </a:ext>
+            </a:extLst>
+          </p:cNvPr>
+          <p:cNvPicPr>
+            <a:picLocks noChangeAspect="1"/>
+          </p:cNvPicPr>
+          <p:nvPr/>
+        </p:nvPicPr>
+        <p:blipFill>
+          <a:blip r:embed="rId7"/>
+          <a:stretch>
+            <a:fillRect/>
+          </a:stretch>
+        </p:blipFill>
+        <p:spPr>
+          <a:xfrm>
+            <a:off x="2834349" y="3170078"/>
+            <a:ext cx="467303" cy="461762"/>
+          </a:xfrm>
+          <a:prstGeom prst="rect">
+            <a:avLst/>
+          </a:prstGeom>
+        </p:spPr>
+      </p:pic>
+      <p:cxnSp>
+        <p:nvCxnSpPr>
+          <p:cNvPr id="1030" name="Straight Arrow Connector 1029">
+            <a:extLst>
+              <a:ext uri="{FF2B5EF4-FFF2-40B4-BE49-F238E27FC236}">
+                <a16:creationId xmlns:a16="http://schemas.microsoft.com/office/drawing/2014/main" id="{344E90C8-DCDA-AB28-3575-4ABDC50B52A5}"/>
+              </a:ext>
+            </a:extLst>
+          </p:cNvPr>
+          <p:cNvCxnSpPr>
+            <a:cxnSpLocks/>
+            <a:stCxn id="1024" idx="1"/>
+            <a:endCxn id="23" idx="3"/>
+          </p:cNvCxnSpPr>
+          <p:nvPr/>
+        </p:nvCxnSpPr>
+        <p:spPr>
+          <a:xfrm flipH="1">
+            <a:off x="2269984" y="4033929"/>
+            <a:ext cx="733166" cy="7559"/>
+          </a:xfrm>
+          <a:prstGeom prst="straightConnector1">
+            <a:avLst/>
+          </a:prstGeom>
+          <a:ln>
+            <a:solidFill>
+              <a:schemeClr val="tx1"/>
+            </a:solidFill>
+            <a:tailEnd type="triangle"/>
+          </a:ln>
+        </p:spPr>
+        <p:style>
+          <a:lnRef idx="1">
+            <a:schemeClr val="accent1"/>
+          </a:lnRef>
+          <a:fillRef idx="0">
+            <a:schemeClr val="accent1"/>
+          </a:fillRef>
+          <a:effectRef idx="0">
+            <a:schemeClr val="accent1"/>
+          </a:effectRef>
+          <a:fontRef idx="minor">
+            <a:schemeClr val="tx1"/>
+          </a:fontRef>
+        </p:style>
+      </p:cxnSp>
+      <p:sp>
+        <p:nvSpPr>
+          <p:cNvPr id="1033" name="Arrow: Right 1032">
+            <a:extLst>
+              <a:ext uri="{FF2B5EF4-FFF2-40B4-BE49-F238E27FC236}">
+                <a16:creationId xmlns:a16="http://schemas.microsoft.com/office/drawing/2014/main" id="{D0F9A9EF-AB0F-5FE7-BF3C-B95A8C0F1428}"/>
+              </a:ext>
+            </a:extLst>
+          </p:cNvPr>
+          <p:cNvSpPr/>
+          <p:nvPr/>
+        </p:nvSpPr>
+        <p:spPr>
+          <a:xfrm rot="10800000">
+            <a:off x="2001459" y="3353477"/>
+            <a:ext cx="802248" cy="120364"/>
+          </a:xfrm>
+          <a:prstGeom prst="rightArrow">
+            <a:avLst/>
+          </a:prstGeom>
+        </p:spPr>
+        <p:style>
+          <a:lnRef idx="2">
+            <a:schemeClr val="accent1">
+              <a:shade val="50000"/>
+            </a:schemeClr>
+          </a:lnRef>
+          <a:fillRef idx="1">
+            <a:schemeClr val="accent1"/>
+          </a:fillRef>
+          <a:effectRef idx="0">
+            <a:schemeClr val="accent1"/>
+          </a:effectRef>
+          <a:fontRef idx="minor">
+            <a:schemeClr val="lt1"/>
+          </a:fontRef>
+        </p:style>
+        <p:txBody>
+          <a:bodyPr rtlCol="0" anchor="ctr"/>
+          <a:lstStyle/>
+          <a:p>
+            <a:pPr algn="ctr"/>
+            <a:endParaRPr lang="en-SG"/>
+          </a:p>
+        </p:txBody>
+      </p:sp>
+      <p:pic>
+        <p:nvPicPr>
+          <p:cNvPr id="1036" name="Picture 4">
+            <a:extLst>
+              <a:ext uri="{FF2B5EF4-FFF2-40B4-BE49-F238E27FC236}">
+                <a16:creationId xmlns:a16="http://schemas.microsoft.com/office/drawing/2014/main" id="{BE851CDA-755F-6EF3-1A90-B80B8E31400D}"/>
+              </a:ext>
+            </a:extLst>
+          </p:cNvPr>
+          <p:cNvPicPr>
+            <a:picLocks noChangeAspect="1" noChangeArrowheads="1"/>
+          </p:cNvPicPr>
+          <p:nvPr/>
+        </p:nvPicPr>
+        <p:blipFill>
+          <a:blip r:embed="rId8">
+            <a:extLst>
+              <a:ext uri="{28A0092B-C50C-407E-A947-70E740481C1C}">
+                <a14:useLocalDpi xmlns:a14="http://schemas.microsoft.com/office/drawing/2010/main" val="0"/>
+              </a:ext>
+            </a:extLst>
+          </a:blip>
+          <a:srcRect/>
+          <a:stretch>
+            <a:fillRect/>
+          </a:stretch>
+        </p:blipFill>
+        <p:spPr bwMode="auto">
+          <a:xfrm>
+            <a:off x="994135" y="3258129"/>
+            <a:ext cx="871031" cy="387125"/>
+          </a:xfrm>
+          <a:prstGeom prst="rect">
+            <a:avLst/>
+          </a:prstGeom>
+          <a:noFill/>
+          <a:ln w="9525">
+            <a:solidFill>
+              <a:schemeClr val="tx1"/>
+            </a:solidFill>
+          </a:ln>
+          <a:extLst>
+            <a:ext uri="{909E8E84-426E-40DD-AFC4-6F175D3DCCD1}">
+              <a14:hiddenFill xmlns:a14="http://schemas.microsoft.com/office/drawing/2010/main">
+                <a:solidFill>
+                  <a:srgbClr val="FFFFFF"/>
+                </a:solidFill>
+              </a14:hiddenFill>
+            </a:ext>
+          </a:extLst>
+        </p:spPr>
+      </p:pic>
+      <p:sp>
+        <p:nvSpPr>
+          <p:cNvPr id="1038" name="TextBox 1037">
+            <a:extLst>
+              <a:ext uri="{FF2B5EF4-FFF2-40B4-BE49-F238E27FC236}">
+                <a16:creationId xmlns:a16="http://schemas.microsoft.com/office/drawing/2014/main" id="{5223A482-BE09-0D82-8C9A-FC345E1BDA72}"/>
+              </a:ext>
+            </a:extLst>
+          </p:cNvPr>
+          <p:cNvSpPr txBox="1"/>
+          <p:nvPr/>
+        </p:nvSpPr>
+        <p:spPr>
+          <a:xfrm>
+            <a:off x="937161" y="1701679"/>
+            <a:ext cx="1176072" cy="230832"/>
+          </a:xfrm>
+          <a:prstGeom prst="rect">
+            <a:avLst/>
+          </a:prstGeom>
+        </p:spPr>
+        <p:style>
+          <a:lnRef idx="2">
+            <a:schemeClr val="dk1"/>
+          </a:lnRef>
+          <a:fillRef idx="1">
+            <a:schemeClr val="lt1"/>
+          </a:fillRef>
+          <a:effectRef idx="0">
+            <a:schemeClr val="dk1"/>
+          </a:effectRef>
+          <a:fontRef idx="minor">
+            <a:schemeClr val="dk1"/>
+          </a:fontRef>
+        </p:style>
+        <p:txBody>
+          <a:bodyPr wrap="square" rtlCol="0">
+            <a:spAutoFit/>
+          </a:bodyPr>
+          <a:lstStyle/>
+          <a:p>
+            <a:r>
+              <a:rPr lang="en-US" altLang="zh-CN" sz="900" b="1" dirty="0"/>
+              <a:t>Web-Browser </a:t>
+            </a:r>
+            <a:endParaRPr lang="zh-CN" altLang="en-US" sz="1600" dirty="0"/>
+          </a:p>
+        </p:txBody>
+      </p:sp>
+      <p:pic>
+        <p:nvPicPr>
+          <p:cNvPr id="1039" name="Picture 4">
+            <a:extLst>
+              <a:ext uri="{FF2B5EF4-FFF2-40B4-BE49-F238E27FC236}">
+                <a16:creationId xmlns:a16="http://schemas.microsoft.com/office/drawing/2014/main" id="{0987DC2A-AF98-A3CF-BBE4-07B4087EE53C}"/>
+              </a:ext>
+            </a:extLst>
+          </p:cNvPr>
+          <p:cNvPicPr>
+            <a:picLocks noChangeAspect="1" noChangeArrowheads="1"/>
+          </p:cNvPicPr>
+          <p:nvPr/>
+        </p:nvPicPr>
+        <p:blipFill>
+          <a:blip r:embed="rId9">
+            <a:extLst>
+              <a:ext uri="{28A0092B-C50C-407E-A947-70E740481C1C}">
+                <a14:useLocalDpi xmlns:a14="http://schemas.microsoft.com/office/drawing/2010/main" val="0"/>
+              </a:ext>
+            </a:extLst>
+          </a:blip>
+          <a:srcRect/>
+          <a:stretch>
+            <a:fillRect/>
+          </a:stretch>
+        </p:blipFill>
+        <p:spPr bwMode="auto">
+          <a:xfrm>
+            <a:off x="1553054" y="1320624"/>
+            <a:ext cx="257116" cy="257116"/>
+          </a:xfrm>
+          <a:prstGeom prst="rect">
+            <a:avLst/>
+          </a:prstGeom>
+          <a:noFill/>
+          <a:extLst>
+            <a:ext uri="{909E8E84-426E-40DD-AFC4-6F175D3DCCD1}">
+              <a14:hiddenFill xmlns:a14="http://schemas.microsoft.com/office/drawing/2010/main">
+                <a:solidFill>
+                  <a:srgbClr val="FFFFFF"/>
+                </a:solidFill>
+              </a14:hiddenFill>
+            </a:ext>
+          </a:extLst>
+        </p:spPr>
+      </p:pic>
+      <p:cxnSp>
+        <p:nvCxnSpPr>
+          <p:cNvPr id="1040" name="Straight Arrow Connector 1039">
+            <a:extLst>
+              <a:ext uri="{FF2B5EF4-FFF2-40B4-BE49-F238E27FC236}">
+                <a16:creationId xmlns:a16="http://schemas.microsoft.com/office/drawing/2014/main" id="{14E54A97-E700-17A1-31F9-61F33D135977}"/>
+              </a:ext>
+            </a:extLst>
+          </p:cNvPr>
+          <p:cNvCxnSpPr>
+            <a:cxnSpLocks/>
+          </p:cNvCxnSpPr>
+          <p:nvPr/>
+        </p:nvCxnSpPr>
+        <p:spPr>
+          <a:xfrm>
+            <a:off x="1669758" y="1552984"/>
+            <a:ext cx="0" cy="148695"/>
+          </a:xfrm>
+          <a:prstGeom prst="straightConnector1">
+            <a:avLst/>
+          </a:prstGeom>
+          <a:ln>
+            <a:tailEnd type="triangle"/>
+          </a:ln>
+        </p:spPr>
+        <p:style>
+          <a:lnRef idx="1">
+            <a:schemeClr val="accent1"/>
+          </a:lnRef>
+          <a:fillRef idx="0">
+            <a:schemeClr val="accent1"/>
+          </a:fillRef>
+          <a:effectRef idx="0">
+            <a:schemeClr val="accent1"/>
+          </a:effectRef>
+          <a:fontRef idx="minor">
+            <a:schemeClr val="tx1"/>
+          </a:fontRef>
+        </p:style>
+      </p:cxnSp>
+      <p:sp>
+        <p:nvSpPr>
+          <p:cNvPr id="1044" name="TextBox 1043">
+            <a:extLst>
+              <a:ext uri="{FF2B5EF4-FFF2-40B4-BE49-F238E27FC236}">
+                <a16:creationId xmlns:a16="http://schemas.microsoft.com/office/drawing/2014/main" id="{C9D31DB6-01E7-3E72-7425-DC06FADBEB8A}"/>
+              </a:ext>
+            </a:extLst>
+          </p:cNvPr>
+          <p:cNvSpPr txBox="1"/>
+          <p:nvPr/>
+        </p:nvSpPr>
+        <p:spPr>
+          <a:xfrm>
+            <a:off x="969167" y="3035787"/>
+            <a:ext cx="802249" cy="230832"/>
+          </a:xfrm>
+          <a:prstGeom prst="rect">
+            <a:avLst/>
+          </a:prstGeom>
+          <a:noFill/>
+        </p:spPr>
+        <p:txBody>
+          <a:bodyPr wrap="square" rtlCol="0">
+            <a:spAutoFit/>
+          </a:bodyPr>
+          <a:lstStyle/>
+          <a:p>
+            <a:r>
+              <a:rPr lang="en-US" sz="900" dirty="0">
+                <a:solidFill>
+                  <a:srgbClr val="002060"/>
+                </a:solidFill>
+              </a:rPr>
+              <a:t>Http:3000 </a:t>
+            </a:r>
+            <a:endParaRPr lang="en-SG" sz="900" dirty="0">
+              <a:solidFill>
+                <a:srgbClr val="002060"/>
+              </a:solidFill>
+            </a:endParaRPr>
+          </a:p>
+        </p:txBody>
+      </p:sp>
+      <p:sp>
+        <p:nvSpPr>
+          <p:cNvPr id="1045" name="TextBox 1044">
+            <a:extLst>
+              <a:ext uri="{FF2B5EF4-FFF2-40B4-BE49-F238E27FC236}">
+                <a16:creationId xmlns:a16="http://schemas.microsoft.com/office/drawing/2014/main" id="{894A50ED-8C44-1A60-13CF-F3433FB9F0A9}"/>
+              </a:ext>
+            </a:extLst>
+          </p:cNvPr>
+          <p:cNvSpPr txBox="1"/>
+          <p:nvPr/>
+        </p:nvSpPr>
+        <p:spPr>
+          <a:xfrm>
+            <a:off x="2075699" y="3159458"/>
+            <a:ext cx="802249" cy="230832"/>
+          </a:xfrm>
+          <a:prstGeom prst="rect">
+            <a:avLst/>
+          </a:prstGeom>
+          <a:noFill/>
+        </p:spPr>
+        <p:txBody>
+          <a:bodyPr wrap="square" rtlCol="0">
+            <a:spAutoFit/>
+          </a:bodyPr>
+          <a:lstStyle/>
+          <a:p>
+            <a:r>
+              <a:rPr lang="en-US" sz="900" dirty="0">
+                <a:solidFill>
+                  <a:srgbClr val="002060"/>
+                </a:solidFill>
+              </a:rPr>
+              <a:t>tcp:8086</a:t>
+            </a:r>
+            <a:endParaRPr lang="en-SG" sz="900" dirty="0">
+              <a:solidFill>
+                <a:srgbClr val="002060"/>
+              </a:solidFill>
+            </a:endParaRPr>
+          </a:p>
+        </p:txBody>
+      </p:sp>
+      <p:cxnSp>
+        <p:nvCxnSpPr>
+          <p:cNvPr id="1050" name="Straight Connector 1049">
+            <a:extLst>
+              <a:ext uri="{FF2B5EF4-FFF2-40B4-BE49-F238E27FC236}">
+                <a16:creationId xmlns:a16="http://schemas.microsoft.com/office/drawing/2014/main" id="{BDEC9B3A-FB15-1EFA-4691-BC46B17ADFFE}"/>
+              </a:ext>
+            </a:extLst>
+          </p:cNvPr>
+          <p:cNvCxnSpPr>
+            <a:cxnSpLocks/>
+          </p:cNvCxnSpPr>
+          <p:nvPr/>
+        </p:nvCxnSpPr>
+        <p:spPr>
+          <a:xfrm flipV="1">
+            <a:off x="409879" y="2645877"/>
+            <a:ext cx="9585939" cy="12868"/>
+          </a:xfrm>
+          <a:prstGeom prst="line">
+            <a:avLst/>
+          </a:prstGeom>
+          <a:ln>
+            <a:prstDash val="sysDash"/>
+          </a:ln>
+        </p:spPr>
+        <p:style>
+          <a:lnRef idx="1">
+            <a:schemeClr val="accent1"/>
+          </a:lnRef>
+          <a:fillRef idx="0">
+            <a:schemeClr val="accent1"/>
+          </a:fillRef>
+          <a:effectRef idx="0">
+            <a:schemeClr val="accent1"/>
+          </a:effectRef>
+          <a:fontRef idx="minor">
+            <a:schemeClr val="tx1"/>
+          </a:fontRef>
+        </p:style>
+      </p:cxnSp>
+      <p:sp>
+        <p:nvSpPr>
+          <p:cNvPr id="1055" name="TextBox 1054">
+            <a:extLst>
+              <a:ext uri="{FF2B5EF4-FFF2-40B4-BE49-F238E27FC236}">
+                <a16:creationId xmlns:a16="http://schemas.microsoft.com/office/drawing/2014/main" id="{5909302C-C8DB-E949-66B9-7589D34F9514}"/>
+              </a:ext>
+            </a:extLst>
+          </p:cNvPr>
+          <p:cNvSpPr txBox="1"/>
+          <p:nvPr/>
+        </p:nvSpPr>
+        <p:spPr>
+          <a:xfrm>
+            <a:off x="7108011" y="2299426"/>
+            <a:ext cx="1523769" cy="369332"/>
+          </a:xfrm>
+          <a:prstGeom prst="rect">
+            <a:avLst/>
+          </a:prstGeom>
+          <a:noFill/>
+        </p:spPr>
+        <p:txBody>
+          <a:bodyPr wrap="square" rtlCol="0">
+            <a:spAutoFit/>
+          </a:bodyPr>
+          <a:lstStyle/>
+          <a:p>
+            <a:r>
+              <a:rPr lang="en-US" sz="1400" b="1" dirty="0"/>
+              <a:t>Public network</a:t>
+            </a:r>
+            <a:r>
+              <a:rPr lang="en-US" dirty="0"/>
+              <a:t>  </a:t>
+            </a:r>
+            <a:endParaRPr lang="en-SG" dirty="0"/>
+          </a:p>
+        </p:txBody>
+      </p:sp>
+      <p:sp>
+        <p:nvSpPr>
+          <p:cNvPr id="1056" name="TextBox 1055">
+            <a:extLst>
+              <a:ext uri="{FF2B5EF4-FFF2-40B4-BE49-F238E27FC236}">
+                <a16:creationId xmlns:a16="http://schemas.microsoft.com/office/drawing/2014/main" id="{7DB12135-003D-BB6D-85F6-300654A080A2}"/>
+              </a:ext>
+            </a:extLst>
+          </p:cNvPr>
+          <p:cNvSpPr txBox="1"/>
+          <p:nvPr/>
+        </p:nvSpPr>
+        <p:spPr>
+          <a:xfrm>
+            <a:off x="7159619" y="2633949"/>
+            <a:ext cx="1320499" cy="369332"/>
+          </a:xfrm>
+          <a:prstGeom prst="rect">
+            <a:avLst/>
+          </a:prstGeom>
+          <a:noFill/>
+        </p:spPr>
+        <p:txBody>
+          <a:bodyPr wrap="square" rtlCol="0">
+            <a:spAutoFit/>
+          </a:bodyPr>
+          <a:lstStyle/>
+          <a:p>
+            <a:r>
+              <a:rPr lang="en-US" sz="1400" b="1" dirty="0"/>
+              <a:t>SoC network  </a:t>
+            </a:r>
+            <a:r>
+              <a:rPr lang="en-US" dirty="0"/>
+              <a:t>   </a:t>
+            </a:r>
+            <a:endParaRPr lang="en-SG" dirty="0"/>
+          </a:p>
+        </p:txBody>
+      </p:sp>
+      <p:sp>
+        <p:nvSpPr>
+          <p:cNvPr id="13" name="TextBox 12">
+            <a:extLst>
+              <a:ext uri="{FF2B5EF4-FFF2-40B4-BE49-F238E27FC236}">
+                <a16:creationId xmlns:a16="http://schemas.microsoft.com/office/drawing/2014/main" id="{BB8294A8-1035-782E-D523-671A5AE6B525}"/>
+              </a:ext>
+            </a:extLst>
+          </p:cNvPr>
+          <p:cNvSpPr txBox="1"/>
+          <p:nvPr/>
+        </p:nvSpPr>
+        <p:spPr>
+          <a:xfrm>
+            <a:off x="691375" y="841474"/>
+            <a:ext cx="2873510" cy="338554"/>
+          </a:xfrm>
+          <a:prstGeom prst="rect">
+            <a:avLst/>
+          </a:prstGeom>
+          <a:noFill/>
+        </p:spPr>
+        <p:txBody>
+          <a:bodyPr wrap="square" rtlCol="0">
+            <a:spAutoFit/>
+          </a:bodyPr>
+          <a:lstStyle/>
+          <a:p>
+            <a:r>
+              <a:rPr lang="en-US" sz="1600" b="1" dirty="0">
+                <a:solidFill>
+                  <a:srgbClr val="002060"/>
+                </a:solidFill>
+              </a:rPr>
+              <a:t>Infra Connection Monitor Hub</a:t>
+            </a:r>
+            <a:endParaRPr lang="en-SG" sz="1600" b="1" dirty="0">
+              <a:solidFill>
+                <a:srgbClr val="002060"/>
+              </a:solidFill>
+            </a:endParaRPr>
+          </a:p>
+        </p:txBody>
+      </p:sp>
+      <p:sp>
+        <p:nvSpPr>
+          <p:cNvPr id="18" name="Rectangle 17">
+            <a:extLst>
+              <a:ext uri="{FF2B5EF4-FFF2-40B4-BE49-F238E27FC236}">
+                <a16:creationId xmlns:a16="http://schemas.microsoft.com/office/drawing/2014/main" id="{3CE4CB6F-231C-53F7-701A-4F7EDEF7C880}"/>
+              </a:ext>
+            </a:extLst>
+          </p:cNvPr>
+          <p:cNvSpPr/>
+          <p:nvPr/>
+        </p:nvSpPr>
+        <p:spPr>
+          <a:xfrm>
+            <a:off x="1905899" y="4386673"/>
+            <a:ext cx="681412" cy="329535"/>
+          </a:xfrm>
+          <a:prstGeom prst="rect">
+            <a:avLst/>
+          </a:prstGeom>
+        </p:spPr>
+        <p:style>
+          <a:lnRef idx="2">
+            <a:schemeClr val="accent1">
+              <a:shade val="50000"/>
+            </a:schemeClr>
+          </a:lnRef>
+          <a:fillRef idx="1">
+            <a:schemeClr val="accent1"/>
+          </a:fillRef>
+          <a:effectRef idx="0">
+            <a:schemeClr val="accent1"/>
+          </a:effectRef>
+          <a:fontRef idx="minor">
+            <a:schemeClr val="lt1"/>
+          </a:fontRef>
+        </p:style>
+        <p:txBody>
+          <a:bodyPr rtlCol="0" anchor="ctr"/>
+          <a:lstStyle/>
+          <a:p>
+            <a:r>
+              <a:rPr lang="en-SG" sz="900" b="1" dirty="0"/>
+              <a:t>Alert raise module </a:t>
+            </a:r>
+          </a:p>
+        </p:txBody>
+      </p:sp>
+      <p:sp>
+        <p:nvSpPr>
+          <p:cNvPr id="23" name="Rectangle 22">
+            <a:extLst>
+              <a:ext uri="{FF2B5EF4-FFF2-40B4-BE49-F238E27FC236}">
+                <a16:creationId xmlns:a16="http://schemas.microsoft.com/office/drawing/2014/main" id="{0D7333E1-C362-17CE-3F0F-263CF26753BF}"/>
+              </a:ext>
+            </a:extLst>
+          </p:cNvPr>
+          <p:cNvSpPr/>
+          <p:nvPr/>
+        </p:nvSpPr>
+        <p:spPr>
+          <a:xfrm>
+            <a:off x="1460348" y="3905448"/>
+            <a:ext cx="809636" cy="272080"/>
+          </a:xfrm>
+          <a:prstGeom prst="rect">
+            <a:avLst/>
+          </a:prstGeom>
+        </p:spPr>
+        <p:style>
+          <a:lnRef idx="2">
+            <a:schemeClr val="accent1">
+              <a:shade val="50000"/>
+            </a:schemeClr>
+          </a:lnRef>
+          <a:fillRef idx="1">
+            <a:schemeClr val="accent1"/>
+          </a:fillRef>
+          <a:effectRef idx="0">
+            <a:schemeClr val="accent1"/>
+          </a:effectRef>
+          <a:fontRef idx="minor">
+            <a:schemeClr val="lt1"/>
+          </a:fontRef>
+        </p:style>
+        <p:txBody>
+          <a:bodyPr rtlCol="0" anchor="ctr"/>
+          <a:lstStyle/>
+          <a:p>
+            <a:r>
+              <a:rPr lang="en-SG" sz="900" b="1" dirty="0"/>
+              <a:t>Connection map module</a:t>
+            </a:r>
+          </a:p>
+        </p:txBody>
+      </p:sp>
+      <p:cxnSp>
+        <p:nvCxnSpPr>
+          <p:cNvPr id="31" name="Connector: Elbow 30">
+            <a:extLst>
+              <a:ext uri="{FF2B5EF4-FFF2-40B4-BE49-F238E27FC236}">
+                <a16:creationId xmlns:a16="http://schemas.microsoft.com/office/drawing/2014/main" id="{0E2B4FA1-DA9C-4521-BC61-21DDF15631D5}"/>
+              </a:ext>
+            </a:extLst>
+          </p:cNvPr>
+          <p:cNvCxnSpPr>
+            <a:cxnSpLocks/>
+            <a:stCxn id="1024" idx="2"/>
+            <a:endCxn id="18" idx="3"/>
+          </p:cNvCxnSpPr>
+          <p:nvPr/>
+        </p:nvCxnSpPr>
+        <p:spPr>
+          <a:xfrm rot="5400000">
+            <a:off x="2819421" y="3966586"/>
+            <a:ext cx="352745" cy="816964"/>
+          </a:xfrm>
+          <a:prstGeom prst="bentConnector2">
+            <a:avLst/>
+          </a:prstGeom>
+          <a:ln>
+            <a:solidFill>
+              <a:schemeClr val="tx1"/>
+            </a:solidFill>
+            <a:tailEnd type="triangle"/>
+          </a:ln>
+        </p:spPr>
+        <p:style>
+          <a:lnRef idx="1">
+            <a:schemeClr val="accent1"/>
+          </a:lnRef>
+          <a:fillRef idx="0">
+            <a:schemeClr val="accent1"/>
+          </a:fillRef>
+          <a:effectRef idx="0">
+            <a:schemeClr val="accent1"/>
+          </a:effectRef>
+          <a:fontRef idx="minor">
+            <a:schemeClr val="tx1"/>
+          </a:fontRef>
+        </p:style>
+      </p:cxnSp>
+      <p:cxnSp>
+        <p:nvCxnSpPr>
+          <p:cNvPr id="40" name="Straight Arrow Connector 39">
+            <a:extLst>
+              <a:ext uri="{FF2B5EF4-FFF2-40B4-BE49-F238E27FC236}">
+                <a16:creationId xmlns:a16="http://schemas.microsoft.com/office/drawing/2014/main" id="{88DAD442-9477-8FF0-02C1-AA3F03225BEB}"/>
+              </a:ext>
+            </a:extLst>
+          </p:cNvPr>
+          <p:cNvCxnSpPr>
+            <a:cxnSpLocks/>
+          </p:cNvCxnSpPr>
+          <p:nvPr/>
+        </p:nvCxnSpPr>
+        <p:spPr>
+          <a:xfrm flipH="1" flipV="1">
+            <a:off x="1679339" y="3657662"/>
+            <a:ext cx="2273" cy="241488"/>
+          </a:xfrm>
+          <a:prstGeom prst="straightConnector1">
+            <a:avLst/>
+          </a:prstGeom>
+          <a:ln>
+            <a:solidFill>
+              <a:schemeClr val="tx1"/>
+            </a:solidFill>
+            <a:tailEnd type="triangle"/>
+          </a:ln>
+        </p:spPr>
+        <p:style>
+          <a:lnRef idx="1">
+            <a:schemeClr val="accent1"/>
+          </a:lnRef>
+          <a:fillRef idx="0">
+            <a:schemeClr val="accent1"/>
+          </a:fillRef>
+          <a:effectRef idx="0">
+            <a:schemeClr val="accent1"/>
+          </a:effectRef>
+          <a:fontRef idx="minor">
+            <a:schemeClr val="tx1"/>
+          </a:fontRef>
+        </p:style>
+      </p:cxnSp>
+      <p:sp>
+        <p:nvSpPr>
+          <p:cNvPr id="44" name="TextBox 43">
+            <a:extLst>
+              <a:ext uri="{FF2B5EF4-FFF2-40B4-BE49-F238E27FC236}">
+                <a16:creationId xmlns:a16="http://schemas.microsoft.com/office/drawing/2014/main" id="{FBA81C9E-C62A-5B17-0F00-86E66A58ED56}"/>
+              </a:ext>
+            </a:extLst>
+          </p:cNvPr>
+          <p:cNvSpPr txBox="1"/>
+          <p:nvPr/>
+        </p:nvSpPr>
+        <p:spPr>
+          <a:xfrm>
+            <a:off x="1695770" y="3681716"/>
+            <a:ext cx="953101" cy="230832"/>
+          </a:xfrm>
+          <a:prstGeom prst="rect">
+            <a:avLst/>
+          </a:prstGeom>
+          <a:noFill/>
+        </p:spPr>
+        <p:txBody>
+          <a:bodyPr wrap="square" rtlCol="0">
+            <a:spAutoFit/>
+          </a:bodyPr>
+          <a:lstStyle/>
+          <a:p>
+            <a:r>
+              <a:rPr lang="en-US" sz="900" dirty="0">
+                <a:solidFill>
+                  <a:srgbClr val="002060"/>
+                </a:solidFill>
+              </a:rPr>
+              <a:t>Ajax page:5000</a:t>
+            </a:r>
+            <a:endParaRPr lang="en-SG" sz="900" dirty="0">
+              <a:solidFill>
+                <a:srgbClr val="002060"/>
+              </a:solidFill>
+            </a:endParaRPr>
+          </a:p>
+        </p:txBody>
+      </p:sp>
+      <p:cxnSp>
+        <p:nvCxnSpPr>
+          <p:cNvPr id="46" name="Straight Arrow Connector 45">
+            <a:extLst>
+              <a:ext uri="{FF2B5EF4-FFF2-40B4-BE49-F238E27FC236}">
+                <a16:creationId xmlns:a16="http://schemas.microsoft.com/office/drawing/2014/main" id="{A9AADEF5-9B44-5FAD-4679-8037363903F9}"/>
+              </a:ext>
+            </a:extLst>
+          </p:cNvPr>
+          <p:cNvCxnSpPr>
+            <a:cxnSpLocks/>
+          </p:cNvCxnSpPr>
+          <p:nvPr/>
+        </p:nvCxnSpPr>
+        <p:spPr>
+          <a:xfrm flipH="1" flipV="1">
+            <a:off x="1383401" y="4518405"/>
+            <a:ext cx="458958" cy="2008"/>
+          </a:xfrm>
+          <a:prstGeom prst="straightConnector1">
+            <a:avLst/>
+          </a:prstGeom>
+          <a:ln>
+            <a:solidFill>
+              <a:schemeClr val="tx1"/>
+            </a:solidFill>
+            <a:tailEnd type="triangle"/>
+          </a:ln>
+        </p:spPr>
+        <p:style>
+          <a:lnRef idx="1">
+            <a:schemeClr val="accent1"/>
+          </a:lnRef>
+          <a:fillRef idx="0">
+            <a:schemeClr val="accent1"/>
+          </a:fillRef>
+          <a:effectRef idx="0">
+            <a:schemeClr val="accent1"/>
+          </a:effectRef>
+          <a:fontRef idx="minor">
+            <a:schemeClr val="tx1"/>
+          </a:fontRef>
+        </p:style>
+      </p:cxnSp>
+      <p:sp>
+        <p:nvSpPr>
+          <p:cNvPr id="49" name="Cylinder 48">
+            <a:extLst>
+              <a:ext uri="{FF2B5EF4-FFF2-40B4-BE49-F238E27FC236}">
+                <a16:creationId xmlns:a16="http://schemas.microsoft.com/office/drawing/2014/main" id="{0F745472-A8A9-F6DC-8B60-FD6A55B7201A}"/>
+              </a:ext>
+            </a:extLst>
+          </p:cNvPr>
+          <p:cNvSpPr/>
+          <p:nvPr/>
+        </p:nvSpPr>
+        <p:spPr>
+          <a:xfrm>
+            <a:off x="1137642" y="4386673"/>
+            <a:ext cx="204817" cy="171879"/>
+          </a:xfrm>
+          <a:prstGeom prst="can">
+            <a:avLst/>
+          </a:prstGeom>
+        </p:spPr>
+        <p:style>
+          <a:lnRef idx="2">
+            <a:schemeClr val="accent1">
+              <a:shade val="50000"/>
+            </a:schemeClr>
+          </a:lnRef>
+          <a:fillRef idx="1">
+            <a:schemeClr val="accent1"/>
+          </a:fillRef>
+          <a:effectRef idx="0">
+            <a:schemeClr val="accent1"/>
+          </a:effectRef>
+          <a:fontRef idx="minor">
+            <a:schemeClr val="lt1"/>
+          </a:fontRef>
+        </p:style>
+        <p:txBody>
+          <a:bodyPr rtlCol="0" anchor="ctr"/>
+          <a:lstStyle/>
+          <a:p>
+            <a:pPr algn="ctr"/>
+            <a:endParaRPr lang="en-SG"/>
+          </a:p>
+        </p:txBody>
+      </p:sp>
+      <p:sp>
+        <p:nvSpPr>
+          <p:cNvPr id="55" name="TextBox 54">
+            <a:extLst>
+              <a:ext uri="{FF2B5EF4-FFF2-40B4-BE49-F238E27FC236}">
+                <a16:creationId xmlns:a16="http://schemas.microsoft.com/office/drawing/2014/main" id="{6A7172A8-36AA-2933-69EE-288E6545B5F4}"/>
+              </a:ext>
+            </a:extLst>
+          </p:cNvPr>
+          <p:cNvSpPr txBox="1"/>
+          <p:nvPr/>
+        </p:nvSpPr>
+        <p:spPr>
+          <a:xfrm>
+            <a:off x="791314" y="4563858"/>
+            <a:ext cx="1102290" cy="230832"/>
+          </a:xfrm>
+          <a:prstGeom prst="rect">
+            <a:avLst/>
+          </a:prstGeom>
+          <a:noFill/>
+        </p:spPr>
+        <p:txBody>
+          <a:bodyPr wrap="square" rtlCol="0">
+            <a:spAutoFit/>
+          </a:bodyPr>
+          <a:lstStyle/>
+          <a:p>
+            <a:r>
+              <a:rPr lang="en-SG" sz="900" dirty="0"/>
+              <a:t>Alert History DB</a:t>
+            </a:r>
+          </a:p>
+        </p:txBody>
+      </p:sp>
+      <p:cxnSp>
+        <p:nvCxnSpPr>
+          <p:cNvPr id="59" name="Straight Arrow Connector 58">
+            <a:extLst>
+              <a:ext uri="{FF2B5EF4-FFF2-40B4-BE49-F238E27FC236}">
+                <a16:creationId xmlns:a16="http://schemas.microsoft.com/office/drawing/2014/main" id="{72023996-EEC9-48DC-1399-0758043323AA}"/>
+              </a:ext>
+            </a:extLst>
+          </p:cNvPr>
+          <p:cNvCxnSpPr>
+            <a:cxnSpLocks/>
+          </p:cNvCxnSpPr>
+          <p:nvPr/>
+        </p:nvCxnSpPr>
+        <p:spPr>
+          <a:xfrm flipV="1">
+            <a:off x="1246522" y="3681716"/>
+            <a:ext cx="0" cy="680775"/>
+          </a:xfrm>
+          <a:prstGeom prst="straightConnector1">
+            <a:avLst/>
+          </a:prstGeom>
+          <a:ln>
+            <a:solidFill>
+              <a:schemeClr val="tx1"/>
+            </a:solidFill>
+            <a:tailEnd type="triangle"/>
+          </a:ln>
+        </p:spPr>
+        <p:style>
+          <a:lnRef idx="1">
+            <a:schemeClr val="accent1"/>
+          </a:lnRef>
+          <a:fillRef idx="0">
+            <a:schemeClr val="accent1"/>
+          </a:fillRef>
+          <a:effectRef idx="0">
+            <a:schemeClr val="accent1"/>
+          </a:effectRef>
+          <a:fontRef idx="minor">
+            <a:schemeClr val="tx1"/>
+          </a:fontRef>
+        </p:style>
+      </p:cxnSp>
+      <p:pic>
+        <p:nvPicPr>
+          <p:cNvPr id="12" name="Picture 11">
+            <a:extLst>
+              <a:ext uri="{FF2B5EF4-FFF2-40B4-BE49-F238E27FC236}">
+                <a16:creationId xmlns:a16="http://schemas.microsoft.com/office/drawing/2014/main" id="{DE53018D-CD7E-4FF3-DC74-F8F9274C4CDC}"/>
+              </a:ext>
+            </a:extLst>
+          </p:cNvPr>
+          <p:cNvPicPr>
+            <a:picLocks noChangeAspect="1"/>
+          </p:cNvPicPr>
+          <p:nvPr/>
+        </p:nvPicPr>
+        <p:blipFill>
+          <a:blip r:embed="rId10"/>
+          <a:stretch>
+            <a:fillRect/>
+          </a:stretch>
+        </p:blipFill>
+        <p:spPr>
+          <a:xfrm>
+            <a:off x="1706489" y="1723931"/>
+            <a:ext cx="176680" cy="175361"/>
+          </a:xfrm>
+          <a:prstGeom prst="rect">
+            <a:avLst/>
+          </a:prstGeom>
+        </p:spPr>
+      </p:pic>
+      <p:pic>
+        <p:nvPicPr>
+          <p:cNvPr id="19" name="Picture 18">
+            <a:extLst>
+              <a:ext uri="{FF2B5EF4-FFF2-40B4-BE49-F238E27FC236}">
+                <a16:creationId xmlns:a16="http://schemas.microsoft.com/office/drawing/2014/main" id="{4E5C1D0F-EABF-9458-29BD-16EBBE3F6B6A}"/>
+              </a:ext>
+            </a:extLst>
+          </p:cNvPr>
+          <p:cNvPicPr>
+            <a:picLocks noChangeAspect="1"/>
+          </p:cNvPicPr>
+          <p:nvPr/>
+        </p:nvPicPr>
+        <p:blipFill>
+          <a:blip r:embed="rId11"/>
+          <a:stretch>
+            <a:fillRect/>
+          </a:stretch>
+        </p:blipFill>
+        <p:spPr>
+          <a:xfrm>
+            <a:off x="1905898" y="1724571"/>
+            <a:ext cx="198715" cy="194395"/>
+          </a:xfrm>
+          <a:prstGeom prst="rect">
+            <a:avLst/>
+          </a:prstGeom>
+        </p:spPr>
+      </p:pic>
+      <p:sp>
+        <p:nvSpPr>
+          <p:cNvPr id="35" name="TextBox 34">
+            <a:extLst>
+              <a:ext uri="{FF2B5EF4-FFF2-40B4-BE49-F238E27FC236}">
+                <a16:creationId xmlns:a16="http://schemas.microsoft.com/office/drawing/2014/main" id="{D9720C04-21EB-54E6-2935-36CBF8962211}"/>
+              </a:ext>
+            </a:extLst>
+          </p:cNvPr>
+          <p:cNvSpPr txBox="1"/>
+          <p:nvPr/>
+        </p:nvSpPr>
+        <p:spPr>
+          <a:xfrm>
+            <a:off x="2370443" y="1708092"/>
+            <a:ext cx="660701" cy="230832"/>
+          </a:xfrm>
+          <a:prstGeom prst="rect">
+            <a:avLst/>
+          </a:prstGeom>
+        </p:spPr>
+        <p:style>
+          <a:lnRef idx="2">
+            <a:schemeClr val="dk1"/>
+          </a:lnRef>
+          <a:fillRef idx="1">
+            <a:schemeClr val="lt1"/>
+          </a:fillRef>
+          <a:effectRef idx="0">
+            <a:schemeClr val="dk1"/>
+          </a:effectRef>
+          <a:fontRef idx="minor">
+            <a:schemeClr val="dk1"/>
+          </a:fontRef>
+        </p:style>
+        <p:txBody>
+          <a:bodyPr wrap="square" rtlCol="0">
+            <a:spAutoFit/>
+          </a:bodyPr>
+          <a:lstStyle/>
+          <a:p>
+            <a:r>
+              <a:rPr lang="en-US" altLang="zh-CN" sz="900" b="1" dirty="0"/>
+              <a:t>Telegram  </a:t>
+            </a:r>
+            <a:endParaRPr lang="zh-CN" altLang="en-US" sz="1600" dirty="0"/>
+          </a:p>
+        </p:txBody>
+      </p:sp>
+      <p:pic>
+        <p:nvPicPr>
+          <p:cNvPr id="39" name="Picture 38">
+            <a:extLst>
+              <a:ext uri="{FF2B5EF4-FFF2-40B4-BE49-F238E27FC236}">
+                <a16:creationId xmlns:a16="http://schemas.microsoft.com/office/drawing/2014/main" id="{03E14F1A-1574-281F-0D25-BED075A3A1AF}"/>
+              </a:ext>
+            </a:extLst>
+          </p:cNvPr>
+          <p:cNvPicPr>
+            <a:picLocks noChangeAspect="1"/>
+          </p:cNvPicPr>
+          <p:nvPr/>
+        </p:nvPicPr>
+        <p:blipFill>
+          <a:blip r:embed="rId12"/>
+          <a:stretch>
+            <a:fillRect/>
+          </a:stretch>
+        </p:blipFill>
+        <p:spPr>
+          <a:xfrm>
+            <a:off x="3459477" y="1839914"/>
+            <a:ext cx="206130" cy="212424"/>
+          </a:xfrm>
+          <a:prstGeom prst="rect">
+            <a:avLst/>
+          </a:prstGeom>
+        </p:spPr>
+      </p:pic>
+      <p:cxnSp>
+        <p:nvCxnSpPr>
+          <p:cNvPr id="43" name="Connector: Elbow 42">
+            <a:extLst>
+              <a:ext uri="{FF2B5EF4-FFF2-40B4-BE49-F238E27FC236}">
+                <a16:creationId xmlns:a16="http://schemas.microsoft.com/office/drawing/2014/main" id="{32EC390E-5801-BE8F-2793-9F3FF0C091F1}"/>
+              </a:ext>
+            </a:extLst>
+          </p:cNvPr>
+          <p:cNvCxnSpPr>
+            <a:cxnSpLocks/>
+            <a:stCxn id="1039" idx="3"/>
+            <a:endCxn id="35" idx="0"/>
+          </p:cNvCxnSpPr>
+          <p:nvPr/>
+        </p:nvCxnSpPr>
+        <p:spPr>
+          <a:xfrm>
+            <a:off x="1810170" y="1449182"/>
+            <a:ext cx="890624" cy="258910"/>
+          </a:xfrm>
+          <a:prstGeom prst="bentConnector2">
+            <a:avLst/>
+          </a:prstGeom>
+          <a:ln>
+            <a:tailEnd type="triangle"/>
+          </a:ln>
+        </p:spPr>
+        <p:style>
+          <a:lnRef idx="1">
+            <a:schemeClr val="accent1"/>
+          </a:lnRef>
+          <a:fillRef idx="0">
+            <a:schemeClr val="accent1"/>
+          </a:fillRef>
+          <a:effectRef idx="0">
+            <a:schemeClr val="accent1"/>
+          </a:effectRef>
+          <a:fontRef idx="minor">
+            <a:schemeClr val="tx1"/>
+          </a:fontRef>
+        </p:style>
+      </p:cxnSp>
+      <p:sp>
+        <p:nvSpPr>
+          <p:cNvPr id="1042" name="TextBox 1041">
+            <a:extLst>
+              <a:ext uri="{FF2B5EF4-FFF2-40B4-BE49-F238E27FC236}">
+                <a16:creationId xmlns:a16="http://schemas.microsoft.com/office/drawing/2014/main" id="{071975BD-189B-20F0-1BC9-3795DB729600}"/>
+              </a:ext>
+            </a:extLst>
+          </p:cNvPr>
+          <p:cNvSpPr txBox="1"/>
+          <p:nvPr/>
+        </p:nvSpPr>
+        <p:spPr>
+          <a:xfrm>
+            <a:off x="3041111" y="3629531"/>
+            <a:ext cx="651183" cy="230832"/>
+          </a:xfrm>
+          <a:prstGeom prst="rect">
+            <a:avLst/>
+          </a:prstGeom>
+          <a:noFill/>
+        </p:spPr>
+        <p:txBody>
+          <a:bodyPr wrap="square" rtlCol="0">
+            <a:spAutoFit/>
+          </a:bodyPr>
+          <a:lstStyle/>
+          <a:p>
+            <a:r>
+              <a:rPr lang="en-US" sz="900" dirty="0">
+                <a:solidFill>
+                  <a:srgbClr val="002060"/>
+                </a:solidFill>
+              </a:rPr>
+              <a:t>All data</a:t>
+            </a:r>
+            <a:endParaRPr lang="en-SG" sz="900" dirty="0">
+              <a:solidFill>
+                <a:srgbClr val="002060"/>
+              </a:solidFill>
+            </a:endParaRPr>
+          </a:p>
+        </p:txBody>
+      </p:sp>
+      <p:sp>
+        <p:nvSpPr>
+          <p:cNvPr id="1043" name="TextBox 1042">
+            <a:extLst>
+              <a:ext uri="{FF2B5EF4-FFF2-40B4-BE49-F238E27FC236}">
+                <a16:creationId xmlns:a16="http://schemas.microsoft.com/office/drawing/2014/main" id="{CAB097C4-8642-771A-E3E5-05ABFFC2A353}"/>
+              </a:ext>
+            </a:extLst>
+          </p:cNvPr>
+          <p:cNvSpPr txBox="1"/>
+          <p:nvPr/>
+        </p:nvSpPr>
+        <p:spPr>
+          <a:xfrm>
+            <a:off x="2315032" y="3846076"/>
+            <a:ext cx="802249" cy="369332"/>
+          </a:xfrm>
+          <a:prstGeom prst="rect">
+            <a:avLst/>
+          </a:prstGeom>
+          <a:noFill/>
+        </p:spPr>
+        <p:txBody>
+          <a:bodyPr wrap="square" rtlCol="0">
+            <a:spAutoFit/>
+          </a:bodyPr>
+          <a:lstStyle/>
+          <a:p>
+            <a:r>
+              <a:rPr lang="en-US" sz="900" dirty="0">
+                <a:solidFill>
+                  <a:srgbClr val="002060"/>
+                </a:solidFill>
+              </a:rPr>
+              <a:t>Summarized data</a:t>
+            </a:r>
+            <a:endParaRPr lang="en-SG" sz="900" dirty="0">
+              <a:solidFill>
+                <a:srgbClr val="002060"/>
+              </a:solidFill>
+            </a:endParaRPr>
+          </a:p>
+        </p:txBody>
+      </p:sp>
+      <p:sp>
+        <p:nvSpPr>
+          <p:cNvPr id="1046" name="TextBox 1045">
+            <a:extLst>
+              <a:ext uri="{FF2B5EF4-FFF2-40B4-BE49-F238E27FC236}">
+                <a16:creationId xmlns:a16="http://schemas.microsoft.com/office/drawing/2014/main" id="{4A68CE71-20DD-3B80-C4AB-570EF01993B9}"/>
+              </a:ext>
+            </a:extLst>
+          </p:cNvPr>
+          <p:cNvSpPr txBox="1"/>
+          <p:nvPr/>
+        </p:nvSpPr>
+        <p:spPr>
+          <a:xfrm>
+            <a:off x="2663544" y="4367453"/>
+            <a:ext cx="802249" cy="369332"/>
+          </a:xfrm>
+          <a:prstGeom prst="rect">
+            <a:avLst/>
+          </a:prstGeom>
+          <a:noFill/>
+        </p:spPr>
+        <p:txBody>
+          <a:bodyPr wrap="square" rtlCol="0">
+            <a:spAutoFit/>
+          </a:bodyPr>
+          <a:lstStyle/>
+          <a:p>
+            <a:r>
+              <a:rPr lang="en-US" sz="900" dirty="0">
+                <a:solidFill>
+                  <a:srgbClr val="002060"/>
+                </a:solidFill>
+              </a:rPr>
+              <a:t>Exception data</a:t>
+            </a:r>
+            <a:endParaRPr lang="en-SG" sz="900" dirty="0">
+              <a:solidFill>
+                <a:srgbClr val="002060"/>
+              </a:solidFill>
+            </a:endParaRPr>
+          </a:p>
+        </p:txBody>
+      </p:sp>
+      <p:sp>
+        <p:nvSpPr>
+          <p:cNvPr id="1048" name="Rectangle 1047">
+            <a:extLst>
+              <a:ext uri="{FF2B5EF4-FFF2-40B4-BE49-F238E27FC236}">
+                <a16:creationId xmlns:a16="http://schemas.microsoft.com/office/drawing/2014/main" id="{21520FC2-864B-74E7-29D5-059A23FD911F}"/>
+              </a:ext>
+            </a:extLst>
+          </p:cNvPr>
+          <p:cNvSpPr/>
+          <p:nvPr/>
+        </p:nvSpPr>
+        <p:spPr>
+          <a:xfrm>
+            <a:off x="3634988" y="3159458"/>
+            <a:ext cx="681412" cy="329535"/>
+          </a:xfrm>
+          <a:prstGeom prst="rect">
+            <a:avLst/>
+          </a:prstGeom>
+        </p:spPr>
+        <p:style>
+          <a:lnRef idx="2">
+            <a:schemeClr val="accent1">
+              <a:shade val="50000"/>
+            </a:schemeClr>
+          </a:lnRef>
+          <a:fillRef idx="1">
+            <a:schemeClr val="accent1"/>
+          </a:fillRef>
+          <a:effectRef idx="0">
+            <a:schemeClr val="accent1"/>
+          </a:effectRef>
+          <a:fontRef idx="minor">
+            <a:schemeClr val="lt1"/>
+          </a:fontRef>
+        </p:style>
+        <p:txBody>
+          <a:bodyPr rtlCol="0" anchor="ctr"/>
+          <a:lstStyle/>
+          <a:p>
+            <a:r>
+              <a:rPr lang="en-SG" sz="900" b="1" dirty="0"/>
+              <a:t>Telegram client</a:t>
+            </a:r>
+          </a:p>
+        </p:txBody>
+      </p:sp>
+      <p:cxnSp>
+        <p:nvCxnSpPr>
+          <p:cNvPr id="1049" name="Straight Arrow Connector 1048">
+            <a:extLst>
+              <a:ext uri="{FF2B5EF4-FFF2-40B4-BE49-F238E27FC236}">
+                <a16:creationId xmlns:a16="http://schemas.microsoft.com/office/drawing/2014/main" id="{5957F78E-DC77-A725-A415-09C73DD6CFE7}"/>
+              </a:ext>
+            </a:extLst>
+          </p:cNvPr>
+          <p:cNvCxnSpPr>
+            <a:cxnSpLocks/>
+          </p:cNvCxnSpPr>
+          <p:nvPr/>
+        </p:nvCxnSpPr>
+        <p:spPr>
+          <a:xfrm flipV="1">
+            <a:off x="3651163" y="3509583"/>
+            <a:ext cx="0" cy="330190"/>
+          </a:xfrm>
+          <a:prstGeom prst="straightConnector1">
+            <a:avLst/>
+          </a:prstGeom>
+          <a:ln>
+            <a:solidFill>
+              <a:schemeClr val="tx1"/>
+            </a:solidFill>
+            <a:tailEnd type="triangle"/>
+          </a:ln>
+        </p:spPr>
+        <p:style>
+          <a:lnRef idx="1">
+            <a:schemeClr val="accent1"/>
+          </a:lnRef>
+          <a:fillRef idx="0">
+            <a:schemeClr val="accent1"/>
+          </a:fillRef>
+          <a:effectRef idx="0">
+            <a:schemeClr val="accent1"/>
+          </a:effectRef>
+          <a:fontRef idx="minor">
+            <a:schemeClr val="tx1"/>
+          </a:fontRef>
+        </p:style>
+      </p:cxnSp>
+      <p:sp>
+        <p:nvSpPr>
+          <p:cNvPr id="1052" name="TextBox 1051">
+            <a:extLst>
+              <a:ext uri="{FF2B5EF4-FFF2-40B4-BE49-F238E27FC236}">
+                <a16:creationId xmlns:a16="http://schemas.microsoft.com/office/drawing/2014/main" id="{DC8050BB-4D29-5958-7920-4F0F3211F9B5}"/>
+              </a:ext>
+            </a:extLst>
+          </p:cNvPr>
+          <p:cNvSpPr txBox="1"/>
+          <p:nvPr/>
+        </p:nvSpPr>
+        <p:spPr>
+          <a:xfrm>
+            <a:off x="3635770" y="3470539"/>
+            <a:ext cx="802249" cy="230832"/>
+          </a:xfrm>
+          <a:prstGeom prst="rect">
+            <a:avLst/>
+          </a:prstGeom>
+          <a:noFill/>
+        </p:spPr>
+        <p:txBody>
+          <a:bodyPr wrap="square" rtlCol="0">
+            <a:spAutoFit/>
+          </a:bodyPr>
+          <a:lstStyle/>
+          <a:p>
+            <a:r>
+              <a:rPr lang="en-US" sz="900" dirty="0">
+                <a:solidFill>
+                  <a:srgbClr val="002060"/>
+                </a:solidFill>
+              </a:rPr>
+              <a:t>Filtered data</a:t>
+            </a:r>
+            <a:endParaRPr lang="en-SG" sz="900" dirty="0">
+              <a:solidFill>
+                <a:srgbClr val="002060"/>
+              </a:solidFill>
+            </a:endParaRPr>
+          </a:p>
+        </p:txBody>
+      </p:sp>
+      <p:pic>
+        <p:nvPicPr>
+          <p:cNvPr id="1054" name="Picture 1053">
+            <a:extLst>
+              <a:ext uri="{FF2B5EF4-FFF2-40B4-BE49-F238E27FC236}">
+                <a16:creationId xmlns:a16="http://schemas.microsoft.com/office/drawing/2014/main" id="{225C88D5-2C29-E9CC-4384-35A79787707C}"/>
+              </a:ext>
+            </a:extLst>
+          </p:cNvPr>
+          <p:cNvPicPr>
+            <a:picLocks noChangeAspect="1"/>
+          </p:cNvPicPr>
+          <p:nvPr/>
+        </p:nvPicPr>
+        <p:blipFill>
+          <a:blip r:embed="rId13"/>
+          <a:stretch>
+            <a:fillRect/>
+          </a:stretch>
+        </p:blipFill>
+        <p:spPr>
+          <a:xfrm>
+            <a:off x="3744826" y="1930972"/>
+            <a:ext cx="770228" cy="397275"/>
+          </a:xfrm>
+          <a:prstGeom prst="rect">
+            <a:avLst/>
+          </a:prstGeom>
+          <a:ln w="3175">
+            <a:solidFill>
+              <a:schemeClr val="tx1"/>
+            </a:solidFill>
+          </a:ln>
+        </p:spPr>
+      </p:pic>
+      <p:cxnSp>
+        <p:nvCxnSpPr>
+          <p:cNvPr id="1059" name="Straight Arrow Connector 1058">
+            <a:extLst>
+              <a:ext uri="{FF2B5EF4-FFF2-40B4-BE49-F238E27FC236}">
+                <a16:creationId xmlns:a16="http://schemas.microsoft.com/office/drawing/2014/main" id="{11D42D71-4844-74AC-0942-2893C172AC47}"/>
+              </a:ext>
+            </a:extLst>
+          </p:cNvPr>
+          <p:cNvCxnSpPr>
+            <a:cxnSpLocks/>
+            <a:endCxn id="1054" idx="2"/>
+          </p:cNvCxnSpPr>
+          <p:nvPr/>
+        </p:nvCxnSpPr>
+        <p:spPr>
+          <a:xfrm flipV="1">
+            <a:off x="4129940" y="2328247"/>
+            <a:ext cx="0" cy="805561"/>
+          </a:xfrm>
+          <a:prstGeom prst="straightConnector1">
+            <a:avLst/>
+          </a:prstGeom>
+          <a:ln>
+            <a:solidFill>
+              <a:schemeClr val="tx1"/>
+            </a:solidFill>
+            <a:tailEnd type="triangle"/>
+          </a:ln>
+        </p:spPr>
+        <p:style>
+          <a:lnRef idx="1">
+            <a:schemeClr val="accent1"/>
+          </a:lnRef>
+          <a:fillRef idx="0">
+            <a:schemeClr val="accent1"/>
+          </a:fillRef>
+          <a:effectRef idx="0">
+            <a:schemeClr val="accent1"/>
+          </a:effectRef>
+          <a:fontRef idx="minor">
+            <a:schemeClr val="tx1"/>
+          </a:fontRef>
+        </p:style>
+      </p:cxnSp>
+      <p:pic>
+        <p:nvPicPr>
+          <p:cNvPr id="1064" name="Picture 1063">
+            <a:extLst>
+              <a:ext uri="{FF2B5EF4-FFF2-40B4-BE49-F238E27FC236}">
+                <a16:creationId xmlns:a16="http://schemas.microsoft.com/office/drawing/2014/main" id="{9B680055-7B65-A882-6DA1-14266A83ACAC}"/>
+              </a:ext>
+            </a:extLst>
+          </p:cNvPr>
+          <p:cNvPicPr>
+            <a:picLocks noChangeAspect="1"/>
+          </p:cNvPicPr>
+          <p:nvPr/>
+        </p:nvPicPr>
+        <p:blipFill>
+          <a:blip r:embed="rId14"/>
+          <a:stretch>
+            <a:fillRect/>
+          </a:stretch>
+        </p:blipFill>
+        <p:spPr>
+          <a:xfrm>
+            <a:off x="3038887" y="1705291"/>
+            <a:ext cx="303813" cy="544332"/>
+          </a:xfrm>
+          <a:prstGeom prst="rect">
+            <a:avLst/>
+          </a:prstGeom>
+          <a:ln w="6350">
+            <a:solidFill>
+              <a:schemeClr val="tx1"/>
+            </a:solidFill>
+          </a:ln>
+        </p:spPr>
+      </p:pic>
+      <p:cxnSp>
+        <p:nvCxnSpPr>
+          <p:cNvPr id="1071" name="Straight Arrow Connector 1070">
+            <a:extLst>
+              <a:ext uri="{FF2B5EF4-FFF2-40B4-BE49-F238E27FC236}">
+                <a16:creationId xmlns:a16="http://schemas.microsoft.com/office/drawing/2014/main" id="{D0D48952-203E-FA21-7FD4-29F731C1CE1F}"/>
+              </a:ext>
+            </a:extLst>
+          </p:cNvPr>
+          <p:cNvCxnSpPr>
+            <a:cxnSpLocks/>
+          </p:cNvCxnSpPr>
+          <p:nvPr/>
+        </p:nvCxnSpPr>
+        <p:spPr>
+          <a:xfrm flipH="1">
+            <a:off x="3342700" y="2084528"/>
+            <a:ext cx="402126" cy="0"/>
+          </a:xfrm>
+          <a:prstGeom prst="straightConnector1">
+            <a:avLst/>
+          </a:prstGeom>
+          <a:ln>
+            <a:solidFill>
+              <a:schemeClr val="tx1"/>
+            </a:solidFill>
+            <a:tailEnd type="triangle"/>
+          </a:ln>
+        </p:spPr>
+        <p:style>
+          <a:lnRef idx="1">
+            <a:schemeClr val="accent1"/>
+          </a:lnRef>
+          <a:fillRef idx="0">
+            <a:schemeClr val="accent1"/>
+          </a:fillRef>
+          <a:effectRef idx="0">
+            <a:schemeClr val="accent1"/>
+          </a:effectRef>
+          <a:fontRef idx="minor">
+            <a:schemeClr val="tx1"/>
+          </a:fontRef>
+        </p:style>
+      </p:cxnSp>
+      <p:pic>
+        <p:nvPicPr>
+          <p:cNvPr id="1079" name="Picture 1078">
+            <a:extLst>
+              <a:ext uri="{FF2B5EF4-FFF2-40B4-BE49-F238E27FC236}">
+                <a16:creationId xmlns:a16="http://schemas.microsoft.com/office/drawing/2014/main" id="{0E5C55AB-FD43-D79E-8728-BA26984B0651}"/>
+              </a:ext>
+            </a:extLst>
+          </p:cNvPr>
+          <p:cNvPicPr>
+            <a:picLocks noChangeAspect="1"/>
+          </p:cNvPicPr>
+          <p:nvPr/>
+        </p:nvPicPr>
+        <p:blipFill>
+          <a:blip r:embed="rId3"/>
+          <a:stretch>
+            <a:fillRect/>
+          </a:stretch>
+        </p:blipFill>
+        <p:spPr>
+          <a:xfrm>
+            <a:off x="7338825" y="5086719"/>
+            <a:ext cx="371326" cy="289071"/>
+          </a:xfrm>
+          <a:prstGeom prst="rect">
+            <a:avLst/>
+          </a:prstGeom>
+          <a:ln w="3175">
+            <a:solidFill>
+              <a:schemeClr val="tx1"/>
+            </a:solidFill>
+          </a:ln>
+        </p:spPr>
+      </p:pic>
+      <p:pic>
+        <p:nvPicPr>
+          <p:cNvPr id="1082" name="Picture 1081">
+            <a:extLst>
+              <a:ext uri="{FF2B5EF4-FFF2-40B4-BE49-F238E27FC236}">
+                <a16:creationId xmlns:a16="http://schemas.microsoft.com/office/drawing/2014/main" id="{00A1FE99-DAE1-E578-4C62-35A3C64F1A6D}"/>
+              </a:ext>
+            </a:extLst>
+          </p:cNvPr>
+          <p:cNvPicPr>
+            <a:picLocks noChangeAspect="1"/>
+          </p:cNvPicPr>
+          <p:nvPr/>
+        </p:nvPicPr>
+        <p:blipFill>
+          <a:blip r:embed="rId15"/>
+          <a:stretch>
+            <a:fillRect/>
+          </a:stretch>
+        </p:blipFill>
+        <p:spPr>
+          <a:xfrm>
+            <a:off x="7358026" y="5439632"/>
+            <a:ext cx="352499" cy="257881"/>
+          </a:xfrm>
+          <a:prstGeom prst="rect">
+            <a:avLst/>
+          </a:prstGeom>
+          <a:ln w="3175">
+            <a:solidFill>
+              <a:schemeClr val="tx1"/>
+            </a:solidFill>
+          </a:ln>
+        </p:spPr>
+      </p:pic>
+      <p:pic>
+        <p:nvPicPr>
+          <p:cNvPr id="1084" name="Picture 5">
+            <a:extLst>
+              <a:ext uri="{FF2B5EF4-FFF2-40B4-BE49-F238E27FC236}">
+                <a16:creationId xmlns:a16="http://schemas.microsoft.com/office/drawing/2014/main" id="{888C1428-13D9-48D0-2B80-6F449181EE07}"/>
+              </a:ext>
+            </a:extLst>
+          </p:cNvPr>
+          <p:cNvPicPr>
+            <a:picLocks noChangeAspect="1" noChangeArrowheads="1"/>
+          </p:cNvPicPr>
+          <p:nvPr/>
+        </p:nvPicPr>
+        <p:blipFill>
+          <a:blip r:embed="rId16">
+            <a:extLst>
+              <a:ext uri="{BEBA8EAE-BF5A-486C-A8C5-ECC9F3942E4B}">
+                <a14:imgProps xmlns:a14="http://schemas.microsoft.com/office/drawing/2010/main">
+                  <a14:imgLayer r:embed="rId17">
+                    <a14:imgEffect>
+                      <a14:backgroundRemoval t="9474" b="89474" l="9924" r="90840">
+                        <a14:foregroundMark x1="12977" y1="27368" x2="24118" y2="74418"/>
+                        <a14:foregroundMark x1="22901" y1="73684" x2="12977" y2="57895"/>
+                        <a14:foregroundMark x1="23913" y1="74621" x2="9924" y2="30526"/>
+                        <a14:foregroundMark x1="9924" y1="30526" x2="10687" y2="24211"/>
+                        <a14:foregroundMark x1="90549" y1="33999" x2="89313" y2="62105"/>
+                        <a14:foregroundMark x1="88847" y1="30615" x2="89313" y2="31579"/>
+                        <a14:foregroundMark x1="88225" y1="31584" x2="89313" y2="33684"/>
+                        <a14:foregroundMark x1="86682" y1="33990" x2="89313" y2="62105"/>
+                        <a14:backgroundMark x1="20611" y1="77895" x2="25954" y2="86316"/>
+                        <a14:backgroundMark x1="78626" y1="17895" x2="91603" y2="26316"/>
+                      </a14:backgroundRemoval>
+                    </a14:imgEffect>
+                  </a14:imgLayer>
+                </a14:imgProps>
+              </a:ext>
+              <a:ext uri="{28A0092B-C50C-407E-A947-70E740481C1C}">
+                <a14:useLocalDpi xmlns:a14="http://schemas.microsoft.com/office/drawing/2010/main" val="0"/>
+              </a:ext>
+            </a:extLst>
+          </a:blip>
+          <a:srcRect/>
+          <a:stretch>
+            <a:fillRect/>
+          </a:stretch>
+        </p:blipFill>
+        <p:spPr bwMode="auto">
+          <a:xfrm>
+            <a:off x="7309926" y="5974614"/>
+            <a:ext cx="398614" cy="289071"/>
+          </a:xfrm>
+          <a:prstGeom prst="rect">
+            <a:avLst/>
+          </a:prstGeom>
+          <a:noFill/>
+          <a:ln w="3175">
+            <a:solidFill>
+              <a:schemeClr val="tx1"/>
+            </a:solidFill>
+          </a:ln>
+          <a:extLst>
+            <a:ext uri="{909E8E84-426E-40DD-AFC4-6F175D3DCCD1}">
+              <a14:hiddenFill xmlns:a14="http://schemas.microsoft.com/office/drawing/2010/main">
+                <a:solidFill>
+                  <a:srgbClr val="FFFFFF"/>
+                </a:solidFill>
+              </a14:hiddenFill>
+            </a:ext>
+          </a:extLst>
+        </p:spPr>
+      </p:pic>
+      <p:cxnSp>
+        <p:nvCxnSpPr>
+          <p:cNvPr id="1085" name="Straight Arrow Connector 1084">
+            <a:extLst>
+              <a:ext uri="{FF2B5EF4-FFF2-40B4-BE49-F238E27FC236}">
+                <a16:creationId xmlns:a16="http://schemas.microsoft.com/office/drawing/2014/main" id="{3EB3818B-F1B8-013C-3F61-A84661E1941A}"/>
+              </a:ext>
+            </a:extLst>
+          </p:cNvPr>
+          <p:cNvCxnSpPr>
+            <a:cxnSpLocks/>
+          </p:cNvCxnSpPr>
+          <p:nvPr/>
+        </p:nvCxnSpPr>
+        <p:spPr>
+          <a:xfrm>
+            <a:off x="6675516" y="5336780"/>
+            <a:ext cx="684000" cy="0"/>
+          </a:xfrm>
+          <a:prstGeom prst="straightConnector1">
+            <a:avLst/>
+          </a:prstGeom>
+          <a:ln>
+            <a:tailEnd type="triangle"/>
+          </a:ln>
+        </p:spPr>
+        <p:style>
+          <a:lnRef idx="1">
+            <a:schemeClr val="accent1"/>
+          </a:lnRef>
+          <a:fillRef idx="0">
+            <a:schemeClr val="accent1"/>
+          </a:fillRef>
+          <a:effectRef idx="0">
+            <a:schemeClr val="accent1"/>
+          </a:effectRef>
+          <a:fontRef idx="minor">
+            <a:schemeClr val="tx1"/>
+          </a:fontRef>
+        </p:style>
+      </p:cxnSp>
+      <p:cxnSp>
+        <p:nvCxnSpPr>
+          <p:cNvPr id="1088" name="Straight Arrow Connector 1087">
+            <a:extLst>
+              <a:ext uri="{FF2B5EF4-FFF2-40B4-BE49-F238E27FC236}">
+                <a16:creationId xmlns:a16="http://schemas.microsoft.com/office/drawing/2014/main" id="{A21CE99A-6288-6A48-5C9A-EA88864CA91F}"/>
+              </a:ext>
+            </a:extLst>
+          </p:cNvPr>
+          <p:cNvCxnSpPr>
+            <a:cxnSpLocks/>
+            <a:endCxn id="1082" idx="1"/>
+          </p:cNvCxnSpPr>
+          <p:nvPr/>
+        </p:nvCxnSpPr>
+        <p:spPr>
+          <a:xfrm>
+            <a:off x="6675516" y="5568573"/>
+            <a:ext cx="682510" cy="0"/>
+          </a:xfrm>
+          <a:prstGeom prst="straightConnector1">
+            <a:avLst/>
+          </a:prstGeom>
+          <a:ln>
+            <a:tailEnd type="triangle"/>
+          </a:ln>
+        </p:spPr>
+        <p:style>
+          <a:lnRef idx="1">
+            <a:schemeClr val="accent1"/>
+          </a:lnRef>
+          <a:fillRef idx="0">
+            <a:schemeClr val="accent1"/>
+          </a:fillRef>
+          <a:effectRef idx="0">
+            <a:schemeClr val="accent1"/>
+          </a:effectRef>
+          <a:fontRef idx="minor">
+            <a:schemeClr val="tx1"/>
+          </a:fontRef>
+        </p:style>
+      </p:cxnSp>
+      <p:cxnSp>
+        <p:nvCxnSpPr>
+          <p:cNvPr id="1091" name="Straight Arrow Connector 1090">
+            <a:extLst>
+              <a:ext uri="{FF2B5EF4-FFF2-40B4-BE49-F238E27FC236}">
+                <a16:creationId xmlns:a16="http://schemas.microsoft.com/office/drawing/2014/main" id="{2D795DF7-7EAE-1C52-51A9-FC1F6E8410C5}"/>
+              </a:ext>
+            </a:extLst>
+          </p:cNvPr>
+          <p:cNvCxnSpPr>
+            <a:cxnSpLocks/>
+            <a:endCxn id="1084" idx="1"/>
+          </p:cNvCxnSpPr>
+          <p:nvPr/>
+        </p:nvCxnSpPr>
+        <p:spPr>
+          <a:xfrm>
+            <a:off x="6657086" y="5888318"/>
+            <a:ext cx="652840" cy="230832"/>
+          </a:xfrm>
+          <a:prstGeom prst="straightConnector1">
+            <a:avLst/>
+          </a:prstGeom>
+          <a:ln>
+            <a:tailEnd type="triangle"/>
+          </a:ln>
+        </p:spPr>
+        <p:style>
+          <a:lnRef idx="1">
+            <a:schemeClr val="accent1"/>
+          </a:lnRef>
+          <a:fillRef idx="0">
+            <a:schemeClr val="accent1"/>
+          </a:fillRef>
+          <a:effectRef idx="0">
+            <a:schemeClr val="accent1"/>
+          </a:effectRef>
+          <a:fontRef idx="minor">
+            <a:schemeClr val="tx1"/>
+          </a:fontRef>
+        </p:style>
+      </p:cxnSp>
+      <p:cxnSp>
+        <p:nvCxnSpPr>
+          <p:cNvPr id="1094" name="Connector: Elbow 1093">
+            <a:extLst>
+              <a:ext uri="{FF2B5EF4-FFF2-40B4-BE49-F238E27FC236}">
+                <a16:creationId xmlns:a16="http://schemas.microsoft.com/office/drawing/2014/main" id="{2EC73421-B91E-18BA-F653-098EA6EACA71}"/>
+              </a:ext>
+            </a:extLst>
+          </p:cNvPr>
+          <p:cNvCxnSpPr>
+            <a:cxnSpLocks/>
+            <a:endCxn id="11" idx="1"/>
+          </p:cNvCxnSpPr>
+          <p:nvPr/>
+        </p:nvCxnSpPr>
+        <p:spPr>
+          <a:xfrm rot="5400000" flipH="1" flipV="1">
+            <a:off x="6037091" y="2601996"/>
+            <a:ext cx="3796066" cy="2507297"/>
+          </a:xfrm>
+          <a:prstGeom prst="bentConnector3">
+            <a:avLst>
+              <a:gd name="adj1" fmla="val -271"/>
+            </a:avLst>
+          </a:prstGeom>
+          <a:ln>
+            <a:tailEnd type="triangle"/>
+          </a:ln>
+        </p:spPr>
+        <p:style>
+          <a:lnRef idx="1">
+            <a:schemeClr val="accent1"/>
+          </a:lnRef>
+          <a:fillRef idx="0">
+            <a:schemeClr val="accent1"/>
+          </a:fillRef>
+          <a:effectRef idx="0">
+            <a:schemeClr val="accent1"/>
+          </a:effectRef>
+          <a:fontRef idx="minor">
+            <a:schemeClr val="tx1"/>
+          </a:fontRef>
+        </p:style>
+      </p:cxnSp>
+      <p:sp>
+        <p:nvSpPr>
+          <p:cNvPr id="1099" name="TextBox 1098">
+            <a:extLst>
+              <a:ext uri="{FF2B5EF4-FFF2-40B4-BE49-F238E27FC236}">
+                <a16:creationId xmlns:a16="http://schemas.microsoft.com/office/drawing/2014/main" id="{325E4D51-8CEF-7FD6-7A41-AD0AB61F9F8D}"/>
+              </a:ext>
+            </a:extLst>
+          </p:cNvPr>
+          <p:cNvSpPr txBox="1"/>
+          <p:nvPr/>
+        </p:nvSpPr>
+        <p:spPr>
+          <a:xfrm>
+            <a:off x="7662742" y="5094130"/>
+            <a:ext cx="552851" cy="230832"/>
+          </a:xfrm>
+          <a:prstGeom prst="rect">
+            <a:avLst/>
+          </a:prstGeom>
+          <a:noFill/>
+        </p:spPr>
+        <p:txBody>
+          <a:bodyPr wrap="square" rtlCol="0">
+            <a:spAutoFit/>
+          </a:bodyPr>
+          <a:lstStyle/>
+          <a:p>
+            <a:r>
+              <a:rPr lang="en-US" sz="900" dirty="0">
+                <a:solidFill>
+                  <a:srgbClr val="002060"/>
+                </a:solidFill>
+              </a:rPr>
+              <a:t>User PC </a:t>
+            </a:r>
+            <a:endParaRPr lang="en-SG" sz="900" dirty="0">
+              <a:solidFill>
+                <a:srgbClr val="002060"/>
+              </a:solidFill>
+            </a:endParaRPr>
+          </a:p>
+        </p:txBody>
+      </p:sp>
+      <p:sp>
+        <p:nvSpPr>
+          <p:cNvPr id="1100" name="TextBox 1099">
+            <a:extLst>
+              <a:ext uri="{FF2B5EF4-FFF2-40B4-BE49-F238E27FC236}">
+                <a16:creationId xmlns:a16="http://schemas.microsoft.com/office/drawing/2014/main" id="{07044A5A-51F2-0789-C471-FE79AF236BD0}"/>
+              </a:ext>
+            </a:extLst>
+          </p:cNvPr>
+          <p:cNvSpPr txBox="1"/>
+          <p:nvPr/>
+        </p:nvSpPr>
+        <p:spPr>
+          <a:xfrm>
+            <a:off x="7637970" y="5400175"/>
+            <a:ext cx="829212" cy="230832"/>
+          </a:xfrm>
+          <a:prstGeom prst="rect">
+            <a:avLst/>
+          </a:prstGeom>
+          <a:noFill/>
+        </p:spPr>
+        <p:txBody>
+          <a:bodyPr wrap="square" rtlCol="0">
+            <a:spAutoFit/>
+          </a:bodyPr>
+          <a:lstStyle/>
+          <a:p>
+            <a:r>
+              <a:rPr lang="en-US" sz="900" dirty="0">
+                <a:solidFill>
+                  <a:srgbClr val="002060"/>
+                </a:solidFill>
+              </a:rPr>
+              <a:t>Event server</a:t>
+            </a:r>
+            <a:endParaRPr lang="en-SG" sz="900" dirty="0">
+              <a:solidFill>
+                <a:srgbClr val="002060"/>
+              </a:solidFill>
+            </a:endParaRPr>
+          </a:p>
+        </p:txBody>
+      </p:sp>
+      <p:sp>
+        <p:nvSpPr>
+          <p:cNvPr id="1101" name="TextBox 1100">
+            <a:extLst>
+              <a:ext uri="{FF2B5EF4-FFF2-40B4-BE49-F238E27FC236}">
+                <a16:creationId xmlns:a16="http://schemas.microsoft.com/office/drawing/2014/main" id="{1E0734AF-A35E-36C7-B989-CB7F23483DF8}"/>
+              </a:ext>
+            </a:extLst>
+          </p:cNvPr>
+          <p:cNvSpPr txBox="1"/>
+          <p:nvPr/>
+        </p:nvSpPr>
+        <p:spPr>
+          <a:xfrm>
+            <a:off x="7668255" y="5998447"/>
+            <a:ext cx="829212" cy="369332"/>
+          </a:xfrm>
+          <a:prstGeom prst="rect">
+            <a:avLst/>
+          </a:prstGeom>
+          <a:noFill/>
+        </p:spPr>
+        <p:txBody>
+          <a:bodyPr wrap="square" rtlCol="0">
+            <a:spAutoFit/>
+          </a:bodyPr>
+          <a:lstStyle/>
+          <a:p>
+            <a:r>
+              <a:rPr lang="en-US" sz="900" dirty="0">
+                <a:solidFill>
+                  <a:srgbClr val="002060"/>
+                </a:solidFill>
+              </a:rPr>
+              <a:t>Gateway and switch</a:t>
+            </a:r>
+            <a:endParaRPr lang="en-SG" sz="900" dirty="0">
+              <a:solidFill>
+                <a:srgbClr val="002060"/>
+              </a:solidFill>
+            </a:endParaRPr>
+          </a:p>
+        </p:txBody>
+      </p:sp>
+      <p:sp>
+        <p:nvSpPr>
+          <p:cNvPr id="1102" name="TextBox 1101">
+            <a:extLst>
+              <a:ext uri="{FF2B5EF4-FFF2-40B4-BE49-F238E27FC236}">
+                <a16:creationId xmlns:a16="http://schemas.microsoft.com/office/drawing/2014/main" id="{60F1369D-E5F9-7A6F-93AC-E1FB75840380}"/>
+              </a:ext>
+            </a:extLst>
+          </p:cNvPr>
+          <p:cNvSpPr txBox="1"/>
+          <p:nvPr/>
+        </p:nvSpPr>
+        <p:spPr>
+          <a:xfrm>
+            <a:off x="7378307" y="5700409"/>
+            <a:ext cx="752381" cy="230832"/>
+          </a:xfrm>
+          <a:prstGeom prst="rect">
+            <a:avLst/>
+          </a:prstGeom>
+          <a:noFill/>
+        </p:spPr>
+        <p:txBody>
+          <a:bodyPr wrap="square" rtlCol="0">
+            <a:spAutoFit/>
+          </a:bodyPr>
+          <a:lstStyle/>
+          <a:p>
+            <a:r>
+              <a:rPr lang="en-SG" sz="900" dirty="0">
+                <a:solidFill>
+                  <a:srgbClr val="002060"/>
+                </a:solidFill>
+              </a:rPr>
+              <a:t>Internet </a:t>
+            </a:r>
+          </a:p>
+        </p:txBody>
+      </p:sp>
+      <p:sp>
+        <p:nvSpPr>
+          <p:cNvPr id="1103" name="TextBox 1102">
+            <a:extLst>
+              <a:ext uri="{FF2B5EF4-FFF2-40B4-BE49-F238E27FC236}">
+                <a16:creationId xmlns:a16="http://schemas.microsoft.com/office/drawing/2014/main" id="{E4B48D8E-BBBE-30F9-BE1D-396774F5F56C}"/>
+              </a:ext>
+            </a:extLst>
+          </p:cNvPr>
+          <p:cNvSpPr txBox="1"/>
+          <p:nvPr/>
+        </p:nvSpPr>
+        <p:spPr>
+          <a:xfrm>
+            <a:off x="5696251" y="4985445"/>
+            <a:ext cx="1557204" cy="276999"/>
+          </a:xfrm>
+          <a:prstGeom prst="rect">
+            <a:avLst/>
+          </a:prstGeom>
+          <a:noFill/>
+        </p:spPr>
+        <p:txBody>
+          <a:bodyPr wrap="square" rtlCol="0">
+            <a:spAutoFit/>
+          </a:bodyPr>
+          <a:lstStyle/>
+          <a:p>
+            <a:r>
+              <a:rPr lang="en-SG" sz="1200" b="1" dirty="0">
+                <a:solidFill>
+                  <a:srgbClr val="002060"/>
+                </a:solidFill>
+              </a:rPr>
+              <a:t>Cyber event scenario</a:t>
+            </a:r>
+          </a:p>
+        </p:txBody>
+      </p:sp>
+      <p:sp>
+        <p:nvSpPr>
+          <p:cNvPr id="1105" name="矩形 9">
+            <a:extLst>
+              <a:ext uri="{FF2B5EF4-FFF2-40B4-BE49-F238E27FC236}">
+                <a16:creationId xmlns:a16="http://schemas.microsoft.com/office/drawing/2014/main" id="{6194F08A-973D-BC3C-5A87-99F5BEC8A1AE}"/>
+              </a:ext>
+            </a:extLst>
+          </p:cNvPr>
+          <p:cNvSpPr/>
+          <p:nvPr/>
+        </p:nvSpPr>
+        <p:spPr>
+          <a:xfrm>
+            <a:off x="5675789" y="3230348"/>
+            <a:ext cx="2780635" cy="1399650"/>
+          </a:xfrm>
+          <a:prstGeom prst="rect">
+            <a:avLst/>
+          </a:prstGeom>
+          <a:ln>
+            <a:prstDash val="dash"/>
+          </a:ln>
+        </p:spPr>
+        <p:style>
+          <a:lnRef idx="2">
+            <a:schemeClr val="accent1"/>
+          </a:lnRef>
+          <a:fillRef idx="1">
+            <a:schemeClr val="lt1"/>
+          </a:fillRef>
+          <a:effectRef idx="0">
+            <a:schemeClr val="accent1"/>
+          </a:effectRef>
+          <a:fontRef idx="minor">
+            <a:schemeClr val="dk1"/>
+          </a:fontRef>
+        </p:style>
+        <p:txBody>
+          <a:bodyPr rtlCol="0" anchor="ctr"/>
+          <a:lstStyle/>
+          <a:p>
+            <a:pPr algn="ctr"/>
+            <a:endParaRPr lang="zh-CN" altLang="en-US" dirty="0"/>
+          </a:p>
+        </p:txBody>
+      </p:sp>
+      <p:pic>
+        <p:nvPicPr>
+          <p:cNvPr id="1107" name="Picture 1106">
+            <a:extLst>
+              <a:ext uri="{FF2B5EF4-FFF2-40B4-BE49-F238E27FC236}">
+                <a16:creationId xmlns:a16="http://schemas.microsoft.com/office/drawing/2014/main" id="{C1553334-EC46-277C-390C-B53A6852CD16}"/>
+              </a:ext>
+            </a:extLst>
+          </p:cNvPr>
+          <p:cNvPicPr>
+            <a:picLocks noChangeAspect="1"/>
+          </p:cNvPicPr>
+          <p:nvPr/>
+        </p:nvPicPr>
+        <p:blipFill>
+          <a:blip r:embed="rId15"/>
+          <a:stretch>
+            <a:fillRect/>
+          </a:stretch>
+        </p:blipFill>
+        <p:spPr>
+          <a:xfrm>
+            <a:off x="5913364" y="3388083"/>
+            <a:ext cx="542276" cy="396718"/>
+          </a:xfrm>
+          <a:prstGeom prst="rect">
+            <a:avLst/>
+          </a:prstGeom>
+          <a:ln w="3175">
+            <a:solidFill>
+              <a:schemeClr val="tx1"/>
+            </a:solidFill>
+          </a:ln>
+        </p:spPr>
+      </p:pic>
+      <p:pic>
+        <p:nvPicPr>
+          <p:cNvPr id="1108" name="Picture 1107">
+            <a:extLst>
+              <a:ext uri="{FF2B5EF4-FFF2-40B4-BE49-F238E27FC236}">
+                <a16:creationId xmlns:a16="http://schemas.microsoft.com/office/drawing/2014/main" id="{C8B6033D-4FD5-A90E-2E61-52DB5BDD9959}"/>
+              </a:ext>
+            </a:extLst>
+          </p:cNvPr>
+          <p:cNvPicPr>
+            <a:picLocks noChangeAspect="1"/>
+          </p:cNvPicPr>
+          <p:nvPr/>
+        </p:nvPicPr>
+        <p:blipFill>
+          <a:blip r:embed="rId15"/>
+          <a:stretch>
+            <a:fillRect/>
+          </a:stretch>
+        </p:blipFill>
+        <p:spPr>
+          <a:xfrm>
+            <a:off x="6523056" y="4133162"/>
+            <a:ext cx="352499" cy="257881"/>
+          </a:xfrm>
+          <a:prstGeom prst="rect">
+            <a:avLst/>
+          </a:prstGeom>
+          <a:ln w="3175">
+            <a:solidFill>
+              <a:schemeClr val="tx1"/>
+            </a:solidFill>
+          </a:ln>
+        </p:spPr>
+      </p:pic>
+      <p:pic>
+        <p:nvPicPr>
+          <p:cNvPr id="1109" name="Picture 1108">
+            <a:extLst>
+              <a:ext uri="{FF2B5EF4-FFF2-40B4-BE49-F238E27FC236}">
+                <a16:creationId xmlns:a16="http://schemas.microsoft.com/office/drawing/2014/main" id="{84114C03-9456-5FCC-1017-3AC92D898D8F}"/>
+              </a:ext>
+            </a:extLst>
+          </p:cNvPr>
+          <p:cNvPicPr>
+            <a:picLocks noChangeAspect="1"/>
+          </p:cNvPicPr>
+          <p:nvPr/>
+        </p:nvPicPr>
+        <p:blipFill>
+          <a:blip r:embed="rId15"/>
+          <a:stretch>
+            <a:fillRect/>
+          </a:stretch>
+        </p:blipFill>
+        <p:spPr>
+          <a:xfrm>
+            <a:off x="5969604" y="4135087"/>
+            <a:ext cx="352499" cy="257881"/>
+          </a:xfrm>
+          <a:prstGeom prst="rect">
+            <a:avLst/>
+          </a:prstGeom>
+          <a:ln w="3175">
+            <a:solidFill>
+              <a:schemeClr val="tx1"/>
+            </a:solidFill>
+          </a:ln>
+        </p:spPr>
+      </p:pic>
+      <p:pic>
+        <p:nvPicPr>
+          <p:cNvPr id="1111" name="Picture 4">
+            <a:extLst>
+              <a:ext uri="{FF2B5EF4-FFF2-40B4-BE49-F238E27FC236}">
+                <a16:creationId xmlns:a16="http://schemas.microsoft.com/office/drawing/2014/main" id="{A3B1AC9D-B8F3-1A2D-19A3-FCD7D809EEA9}"/>
+              </a:ext>
+            </a:extLst>
+          </p:cNvPr>
+          <p:cNvPicPr>
+            <a:picLocks noChangeAspect="1" noChangeArrowheads="1"/>
+          </p:cNvPicPr>
+          <p:nvPr/>
+        </p:nvPicPr>
+        <p:blipFill>
+          <a:blip r:embed="rId18">
+            <a:extLst>
+              <a:ext uri="{28A0092B-C50C-407E-A947-70E740481C1C}">
+                <a14:useLocalDpi xmlns:a14="http://schemas.microsoft.com/office/drawing/2010/main" val="0"/>
+              </a:ext>
+            </a:extLst>
+          </a:blip>
+          <a:srcRect/>
+          <a:stretch>
+            <a:fillRect/>
+          </a:stretch>
+        </p:blipFill>
+        <p:spPr bwMode="auto">
+          <a:xfrm>
+            <a:off x="7084742" y="4088092"/>
+            <a:ext cx="337426" cy="366656"/>
+          </a:xfrm>
+          <a:prstGeom prst="rect">
+            <a:avLst/>
+          </a:prstGeom>
+          <a:noFill/>
+          <a:ln w="6350">
+            <a:solidFill>
+              <a:schemeClr val="tx1"/>
+            </a:solidFill>
+          </a:ln>
+          <a:extLst>
+            <a:ext uri="{909E8E84-426E-40DD-AFC4-6F175D3DCCD1}">
+              <a14:hiddenFill xmlns:a14="http://schemas.microsoft.com/office/drawing/2010/main">
+                <a:solidFill>
+                  <a:srgbClr val="FFFFFF"/>
+                </a:solidFill>
+              </a14:hiddenFill>
+            </a:ext>
+          </a:extLst>
+        </p:spPr>
+      </p:pic>
+      <p:cxnSp>
+        <p:nvCxnSpPr>
+          <p:cNvPr id="1116" name="Straight Arrow Connector 1115">
+            <a:extLst>
+              <a:ext uri="{FF2B5EF4-FFF2-40B4-BE49-F238E27FC236}">
+                <a16:creationId xmlns:a16="http://schemas.microsoft.com/office/drawing/2014/main" id="{4238EC7C-6A8E-FA81-7E72-B39548E498B9}"/>
+              </a:ext>
+            </a:extLst>
+          </p:cNvPr>
+          <p:cNvCxnSpPr>
+            <a:cxnSpLocks/>
+            <a:endCxn id="1109" idx="0"/>
+          </p:cNvCxnSpPr>
+          <p:nvPr/>
+        </p:nvCxnSpPr>
+        <p:spPr>
+          <a:xfrm>
+            <a:off x="6145854" y="3816749"/>
+            <a:ext cx="0" cy="318338"/>
+          </a:xfrm>
+          <a:prstGeom prst="straightConnector1">
+            <a:avLst/>
+          </a:prstGeom>
+          <a:ln>
+            <a:tailEnd type="triangle"/>
+          </a:ln>
+        </p:spPr>
+        <p:style>
+          <a:lnRef idx="1">
+            <a:schemeClr val="accent1"/>
+          </a:lnRef>
+          <a:fillRef idx="0">
+            <a:schemeClr val="accent1"/>
+          </a:fillRef>
+          <a:effectRef idx="0">
+            <a:schemeClr val="accent1"/>
+          </a:effectRef>
+          <a:fontRef idx="minor">
+            <a:schemeClr val="tx1"/>
+          </a:fontRef>
+        </p:style>
+      </p:cxnSp>
+      <p:cxnSp>
+        <p:nvCxnSpPr>
+          <p:cNvPr id="1119" name="Straight Arrow Connector 1118">
+            <a:extLst>
+              <a:ext uri="{FF2B5EF4-FFF2-40B4-BE49-F238E27FC236}">
+                <a16:creationId xmlns:a16="http://schemas.microsoft.com/office/drawing/2014/main" id="{D96BEFC2-5C3B-BE53-C823-E050627E8D67}"/>
+              </a:ext>
+            </a:extLst>
+          </p:cNvPr>
+          <p:cNvCxnSpPr>
+            <a:cxnSpLocks/>
+          </p:cNvCxnSpPr>
+          <p:nvPr/>
+        </p:nvCxnSpPr>
+        <p:spPr>
+          <a:xfrm>
+            <a:off x="6310439" y="3808396"/>
+            <a:ext cx="365077" cy="305524"/>
+          </a:xfrm>
+          <a:prstGeom prst="straightConnector1">
+            <a:avLst/>
+          </a:prstGeom>
+          <a:ln>
+            <a:tailEnd type="triangle"/>
+          </a:ln>
+        </p:spPr>
+        <p:style>
+          <a:lnRef idx="1">
+            <a:schemeClr val="accent1"/>
+          </a:lnRef>
+          <a:fillRef idx="0">
+            <a:schemeClr val="accent1"/>
+          </a:fillRef>
+          <a:effectRef idx="0">
+            <a:schemeClr val="accent1"/>
+          </a:effectRef>
+          <a:fontRef idx="minor">
+            <a:schemeClr val="tx1"/>
+          </a:fontRef>
+        </p:style>
+      </p:cxnSp>
+      <p:cxnSp>
+        <p:nvCxnSpPr>
+          <p:cNvPr id="1121" name="Straight Arrow Connector 1120">
+            <a:extLst>
+              <a:ext uri="{FF2B5EF4-FFF2-40B4-BE49-F238E27FC236}">
+                <a16:creationId xmlns:a16="http://schemas.microsoft.com/office/drawing/2014/main" id="{D9A89ED9-18ED-104F-6A6F-D6A8F82316E5}"/>
+              </a:ext>
+            </a:extLst>
+          </p:cNvPr>
+          <p:cNvCxnSpPr>
+            <a:cxnSpLocks/>
+          </p:cNvCxnSpPr>
+          <p:nvPr/>
+        </p:nvCxnSpPr>
+        <p:spPr>
+          <a:xfrm>
+            <a:off x="6474547" y="3723228"/>
+            <a:ext cx="747108" cy="335598"/>
+          </a:xfrm>
+          <a:prstGeom prst="straightConnector1">
+            <a:avLst/>
+          </a:prstGeom>
+          <a:ln>
+            <a:tailEnd type="triangle"/>
+          </a:ln>
+        </p:spPr>
+        <p:style>
+          <a:lnRef idx="1">
+            <a:schemeClr val="accent1"/>
+          </a:lnRef>
+          <a:fillRef idx="0">
+            <a:schemeClr val="accent1"/>
+          </a:fillRef>
+          <a:effectRef idx="0">
+            <a:schemeClr val="accent1"/>
+          </a:effectRef>
+          <a:fontRef idx="minor">
+            <a:schemeClr val="tx1"/>
+          </a:fontRef>
+        </p:style>
+      </p:cxnSp>
+      <p:pic>
+        <p:nvPicPr>
+          <p:cNvPr id="1123" name="Picture 1122">
+            <a:extLst>
+              <a:ext uri="{FF2B5EF4-FFF2-40B4-BE49-F238E27FC236}">
+                <a16:creationId xmlns:a16="http://schemas.microsoft.com/office/drawing/2014/main" id="{A84A1D73-ED1A-2A6E-94BA-6ECD98F167B7}"/>
+              </a:ext>
+            </a:extLst>
+          </p:cNvPr>
+          <p:cNvPicPr>
+            <a:picLocks noChangeAspect="1"/>
+          </p:cNvPicPr>
+          <p:nvPr/>
+        </p:nvPicPr>
+        <p:blipFill>
+          <a:blip r:embed="rId4"/>
+          <a:stretch>
+            <a:fillRect/>
+          </a:stretch>
+        </p:blipFill>
+        <p:spPr>
+          <a:xfrm>
+            <a:off x="5995407" y="3314576"/>
+            <a:ext cx="254941" cy="254941"/>
+          </a:xfrm>
+          <a:prstGeom prst="rect">
+            <a:avLst/>
+          </a:prstGeom>
+          <a:ln w="12700">
+            <a:solidFill>
+              <a:schemeClr val="tx1"/>
+            </a:solidFill>
+          </a:ln>
+        </p:spPr>
+      </p:pic>
+      <p:cxnSp>
+        <p:nvCxnSpPr>
+          <p:cNvPr id="1124" name="Straight Arrow Connector 1123">
+            <a:extLst>
+              <a:ext uri="{FF2B5EF4-FFF2-40B4-BE49-F238E27FC236}">
+                <a16:creationId xmlns:a16="http://schemas.microsoft.com/office/drawing/2014/main" id="{EA5A298E-5AFB-1CD8-CA27-718A382340EE}"/>
+              </a:ext>
+            </a:extLst>
+          </p:cNvPr>
+          <p:cNvCxnSpPr>
+            <a:cxnSpLocks/>
+            <a:stCxn id="1123" idx="1"/>
+          </p:cNvCxnSpPr>
+          <p:nvPr/>
+        </p:nvCxnSpPr>
+        <p:spPr>
+          <a:xfrm flipH="1">
+            <a:off x="3865814" y="3442047"/>
+            <a:ext cx="2129593" cy="547629"/>
+          </a:xfrm>
+          <a:prstGeom prst="straightConnector1">
+            <a:avLst/>
+          </a:prstGeom>
+          <a:ln>
+            <a:solidFill>
+              <a:schemeClr val="tx1"/>
+            </a:solidFill>
+            <a:tailEnd type="triangle"/>
+          </a:ln>
+        </p:spPr>
+        <p:style>
+          <a:lnRef idx="1">
+            <a:schemeClr val="accent1"/>
+          </a:lnRef>
+          <a:fillRef idx="0">
+            <a:schemeClr val="accent1"/>
+          </a:fillRef>
+          <a:effectRef idx="0">
+            <a:schemeClr val="accent1"/>
+          </a:effectRef>
+          <a:fontRef idx="minor">
+            <a:schemeClr val="tx1"/>
+          </a:fontRef>
+        </p:style>
+      </p:cxnSp>
+      <p:sp>
+        <p:nvSpPr>
+          <p:cNvPr id="1126" name="TextBox 1125">
+            <a:extLst>
+              <a:ext uri="{FF2B5EF4-FFF2-40B4-BE49-F238E27FC236}">
+                <a16:creationId xmlns:a16="http://schemas.microsoft.com/office/drawing/2014/main" id="{0331F721-AF5D-4249-83AC-B32201C76EB0}"/>
+              </a:ext>
+            </a:extLst>
+          </p:cNvPr>
+          <p:cNvSpPr txBox="1"/>
+          <p:nvPr/>
+        </p:nvSpPr>
+        <p:spPr>
+          <a:xfrm>
+            <a:off x="4630266" y="3470539"/>
+            <a:ext cx="802249" cy="230832"/>
+          </a:xfrm>
+          <a:prstGeom prst="rect">
+            <a:avLst/>
+          </a:prstGeom>
+          <a:noFill/>
+        </p:spPr>
+        <p:txBody>
+          <a:bodyPr wrap="square" rtlCol="0">
+            <a:spAutoFit/>
+          </a:bodyPr>
+          <a:lstStyle/>
+          <a:p>
+            <a:r>
+              <a:rPr lang="en-US" sz="900" dirty="0">
+                <a:solidFill>
+                  <a:srgbClr val="002060"/>
+                </a:solidFill>
+              </a:rPr>
+              <a:t>UDP:3001 </a:t>
+            </a:r>
+            <a:endParaRPr lang="en-SG" sz="900" dirty="0">
+              <a:solidFill>
+                <a:srgbClr val="002060"/>
+              </a:solidFill>
+            </a:endParaRPr>
+          </a:p>
+        </p:txBody>
+      </p:sp>
+      <p:sp>
+        <p:nvSpPr>
+          <p:cNvPr id="1127" name="TextBox 1126">
+            <a:extLst>
+              <a:ext uri="{FF2B5EF4-FFF2-40B4-BE49-F238E27FC236}">
+                <a16:creationId xmlns:a16="http://schemas.microsoft.com/office/drawing/2014/main" id="{6B4C5275-96AD-5AC4-970D-BA103645F9E1}"/>
+              </a:ext>
+            </a:extLst>
+          </p:cNvPr>
+          <p:cNvSpPr txBox="1"/>
+          <p:nvPr/>
+        </p:nvSpPr>
+        <p:spPr>
+          <a:xfrm>
+            <a:off x="5848291" y="4382025"/>
+            <a:ext cx="606143" cy="230832"/>
+          </a:xfrm>
+          <a:prstGeom prst="rect">
+            <a:avLst/>
+          </a:prstGeom>
+          <a:noFill/>
+        </p:spPr>
+        <p:txBody>
+          <a:bodyPr wrap="square" rtlCol="0">
+            <a:spAutoFit/>
+          </a:bodyPr>
+          <a:lstStyle/>
+          <a:p>
+            <a:r>
+              <a:rPr lang="en-US" sz="900" dirty="0">
+                <a:solidFill>
+                  <a:srgbClr val="002060"/>
+                </a:solidFill>
+              </a:rPr>
+              <a:t>server</a:t>
+            </a:r>
+            <a:endParaRPr lang="en-SG" sz="900" dirty="0">
+              <a:solidFill>
+                <a:srgbClr val="002060"/>
+              </a:solidFill>
+            </a:endParaRPr>
+          </a:p>
+        </p:txBody>
+      </p:sp>
+      <p:sp>
+        <p:nvSpPr>
+          <p:cNvPr id="1128" name="TextBox 1127">
+            <a:extLst>
+              <a:ext uri="{FF2B5EF4-FFF2-40B4-BE49-F238E27FC236}">
+                <a16:creationId xmlns:a16="http://schemas.microsoft.com/office/drawing/2014/main" id="{01681A67-30BE-CC7C-83CD-8B76657008F6}"/>
+              </a:ext>
+            </a:extLst>
+          </p:cNvPr>
+          <p:cNvSpPr txBox="1"/>
+          <p:nvPr/>
+        </p:nvSpPr>
+        <p:spPr>
+          <a:xfrm>
+            <a:off x="7003824" y="4414833"/>
+            <a:ext cx="606143" cy="230832"/>
+          </a:xfrm>
+          <a:prstGeom prst="rect">
+            <a:avLst/>
+          </a:prstGeom>
+          <a:noFill/>
+        </p:spPr>
+        <p:txBody>
+          <a:bodyPr wrap="square" rtlCol="0">
+            <a:spAutoFit/>
+          </a:bodyPr>
+          <a:lstStyle/>
+          <a:p>
+            <a:r>
+              <a:rPr lang="en-SG" sz="900" dirty="0">
+                <a:solidFill>
+                  <a:srgbClr val="002060"/>
+                </a:solidFill>
+              </a:rPr>
+              <a:t>switch</a:t>
+            </a:r>
+          </a:p>
+        </p:txBody>
+      </p:sp>
+      <p:sp>
+        <p:nvSpPr>
+          <p:cNvPr id="1129" name="TextBox 1128">
+            <a:extLst>
+              <a:ext uri="{FF2B5EF4-FFF2-40B4-BE49-F238E27FC236}">
+                <a16:creationId xmlns:a16="http://schemas.microsoft.com/office/drawing/2014/main" id="{4897275F-597B-1659-C7F0-CDA9AFDE2914}"/>
+              </a:ext>
+            </a:extLst>
+          </p:cNvPr>
+          <p:cNvSpPr txBox="1"/>
+          <p:nvPr/>
+        </p:nvSpPr>
+        <p:spPr>
+          <a:xfrm>
+            <a:off x="7008035" y="3237615"/>
+            <a:ext cx="1557204" cy="276999"/>
+          </a:xfrm>
+          <a:prstGeom prst="rect">
+            <a:avLst/>
+          </a:prstGeom>
+          <a:noFill/>
+        </p:spPr>
+        <p:txBody>
+          <a:bodyPr wrap="square" rtlCol="0">
+            <a:spAutoFit/>
+          </a:bodyPr>
+          <a:lstStyle/>
+          <a:p>
+            <a:r>
+              <a:rPr lang="en-SG" sz="1200" b="1" dirty="0">
+                <a:solidFill>
+                  <a:srgbClr val="002060"/>
+                </a:solidFill>
+              </a:rPr>
+              <a:t>Server cluster</a:t>
+            </a:r>
+          </a:p>
+        </p:txBody>
+      </p:sp>
+      <p:cxnSp>
+        <p:nvCxnSpPr>
+          <p:cNvPr id="1135" name="Straight Arrow Connector 1134">
+            <a:extLst>
+              <a:ext uri="{FF2B5EF4-FFF2-40B4-BE49-F238E27FC236}">
+                <a16:creationId xmlns:a16="http://schemas.microsoft.com/office/drawing/2014/main" id="{3EF2162F-08FF-9D3E-C051-86C114CD8AE5}"/>
+              </a:ext>
+            </a:extLst>
+          </p:cNvPr>
+          <p:cNvCxnSpPr>
+            <a:cxnSpLocks/>
+          </p:cNvCxnSpPr>
+          <p:nvPr/>
+        </p:nvCxnSpPr>
+        <p:spPr>
+          <a:xfrm>
+            <a:off x="1658469" y="1960727"/>
+            <a:ext cx="0" cy="1269621"/>
+          </a:xfrm>
+          <a:prstGeom prst="straightConnector1">
+            <a:avLst/>
+          </a:prstGeom>
+          <a:ln>
+            <a:tailEnd type="triangle"/>
+          </a:ln>
+        </p:spPr>
+        <p:style>
+          <a:lnRef idx="1">
+            <a:schemeClr val="accent1"/>
+          </a:lnRef>
+          <a:fillRef idx="0">
+            <a:schemeClr val="accent1"/>
+          </a:fillRef>
+          <a:effectRef idx="0">
+            <a:schemeClr val="accent1"/>
+          </a:effectRef>
+          <a:fontRef idx="minor">
+            <a:schemeClr val="tx1"/>
+          </a:fontRef>
+        </p:style>
+      </p:cxnSp>
+      <p:sp>
+        <p:nvSpPr>
+          <p:cNvPr id="1137" name="TextBox 1136">
+            <a:extLst>
+              <a:ext uri="{FF2B5EF4-FFF2-40B4-BE49-F238E27FC236}">
+                <a16:creationId xmlns:a16="http://schemas.microsoft.com/office/drawing/2014/main" id="{5140C408-7DE9-F509-FF3B-BE7BBCEBD6E7}"/>
+              </a:ext>
+            </a:extLst>
+          </p:cNvPr>
+          <p:cNvSpPr txBox="1"/>
+          <p:nvPr/>
+        </p:nvSpPr>
+        <p:spPr>
+          <a:xfrm>
+            <a:off x="6282493" y="3313747"/>
+            <a:ext cx="802249" cy="230832"/>
+          </a:xfrm>
+          <a:prstGeom prst="rect">
+            <a:avLst/>
+          </a:prstGeom>
+          <a:noFill/>
+        </p:spPr>
+        <p:txBody>
+          <a:bodyPr wrap="square" rtlCol="0">
+            <a:spAutoFit/>
+          </a:bodyPr>
+          <a:lstStyle/>
+          <a:p>
+            <a:r>
+              <a:rPr lang="en-US" sz="900" dirty="0" err="1"/>
+              <a:t>PingClient</a:t>
+            </a:r>
+            <a:endParaRPr lang="en-SG" sz="900" dirty="0"/>
+          </a:p>
+        </p:txBody>
+      </p:sp>
+      <p:cxnSp>
+        <p:nvCxnSpPr>
+          <p:cNvPr id="1142" name="Connector: Elbow 1141">
+            <a:extLst>
+              <a:ext uri="{FF2B5EF4-FFF2-40B4-BE49-F238E27FC236}">
+                <a16:creationId xmlns:a16="http://schemas.microsoft.com/office/drawing/2014/main" id="{9CC619BB-B3DC-301D-3170-7CD31ADAC640}"/>
+              </a:ext>
+            </a:extLst>
+          </p:cNvPr>
+          <p:cNvCxnSpPr>
+            <a:cxnSpLocks/>
+          </p:cNvCxnSpPr>
+          <p:nvPr/>
+        </p:nvCxnSpPr>
+        <p:spPr>
+          <a:xfrm flipV="1">
+            <a:off x="6454434" y="1966508"/>
+            <a:ext cx="2553188" cy="1667476"/>
+          </a:xfrm>
+          <a:prstGeom prst="bentConnector3">
+            <a:avLst>
+              <a:gd name="adj1" fmla="val 99828"/>
+            </a:avLst>
+          </a:prstGeom>
+          <a:ln>
+            <a:tailEnd type="triangle"/>
+          </a:ln>
+        </p:spPr>
+        <p:style>
+          <a:lnRef idx="1">
+            <a:schemeClr val="accent1"/>
+          </a:lnRef>
+          <a:fillRef idx="0">
+            <a:schemeClr val="accent1"/>
+          </a:fillRef>
+          <a:effectRef idx="0">
+            <a:schemeClr val="accent1"/>
+          </a:effectRef>
+          <a:fontRef idx="minor">
+            <a:schemeClr val="tx1"/>
+          </a:fontRef>
+        </p:style>
+      </p:cxnSp>
+    </p:spTree>
+    <p:extLst>
+      <p:ext uri="{BB962C8B-B14F-4D97-AF65-F5344CB8AC3E}">
+        <p14:creationId xmlns:p14="http://schemas.microsoft.com/office/powerpoint/2010/main" val="2637453188"/>
+      </p:ext>
+    </p:extLst>
+  </p:cSld>
+  <p:clrMapOvr>
+    <a:masterClrMapping/>
+  </p:clrMapOvr>
+</p:sld>
+</file>
+
+<file path=ppt/slides/slide2.xml><?xml version="1.0" encoding="utf-8"?>
+<p:sld xmlns:a="http://schemas.openxmlformats.org/drawingml/2006/main" xmlns:r="http://schemas.openxmlformats.org/officeDocument/2006/relationships" xmlns:p="http://schemas.openxmlformats.org/presentationml/2006/main">
+  <p:cSld>
+    <p:spTree>
+      <p:nvGrpSpPr>
+        <p:cNvPr id="1" name=""/>
+        <p:cNvGrpSpPr/>
+        <p:nvPr/>
+      </p:nvGrpSpPr>
+      <p:grpSpPr>
+        <a:xfrm>
+          <a:off x="0" y="0"/>
+          <a:ext cx="0" cy="0"/>
+          <a:chOff x="0" y="0"/>
+          <a:chExt cx="0" cy="0"/>
+        </a:xfrm>
+      </p:grpSpPr>
+      <p:sp>
+        <p:nvSpPr>
+          <p:cNvPr id="6" name="Rectangle 5">
+            <a:extLst>
+              <a:ext uri="{FF2B5EF4-FFF2-40B4-BE49-F238E27FC236}">
+                <a16:creationId xmlns:a16="http://schemas.microsoft.com/office/drawing/2014/main" id="{B3868545-B913-AF8A-E4DB-928E13545101}"/>
+              </a:ext>
+            </a:extLst>
+          </p:cNvPr>
+          <p:cNvSpPr/>
+          <p:nvPr/>
+        </p:nvSpPr>
+        <p:spPr>
+          <a:xfrm>
             <a:off x="691375" y="791372"/>
             <a:ext cx="8028879" cy="5146778"/>
           </a:xfrm>
@@ -6161,7 +10906,7 @@
 </p:sld>
 </file>
 
-<file path=ppt/slides/slide2.xml><?xml version="1.0" encoding="utf-8"?>
+<file path=ppt/slides/slide3.xml><?xml version="1.0" encoding="utf-8"?>
 <p:sld xmlns:a="http://schemas.openxmlformats.org/drawingml/2006/main" xmlns:r="http://schemas.openxmlformats.org/officeDocument/2006/relationships" xmlns:p="http://schemas.openxmlformats.org/presentationml/2006/main">
   <p:cSld>
     <p:spTree>
@@ -8526,4 +13271,299 @@
     </a:ext>
   </a:extLst>
 </a:theme>
+</file>
+
+<file path=ppt/theme/theme2.xml><?xml version="1.0" encoding="utf-8"?>
+<a:theme xmlns:a="http://schemas.openxmlformats.org/drawingml/2006/main" name="Office Theme">
+  <a:themeElements>
+    <a:clrScheme name="Office">
+      <a:dk1>
+        <a:sysClr val="windowText" lastClr="000000"/>
+      </a:dk1>
+      <a:lt1>
+        <a:sysClr val="window" lastClr="FFFFFF"/>
+      </a:lt1>
+      <a:dk2>
+        <a:srgbClr val="44546A"/>
+      </a:dk2>
+      <a:lt2>
+        <a:srgbClr val="E7E6E6"/>
+      </a:lt2>
+      <a:accent1>
+        <a:srgbClr val="4472C4"/>
+      </a:accent1>
+      <a:accent2>
+        <a:srgbClr val="ED7D31"/>
+      </a:accent2>
+      <a:accent3>
+        <a:srgbClr val="A5A5A5"/>
+      </a:accent3>
+      <a:accent4>
+        <a:srgbClr val="FFC000"/>
+      </a:accent4>
+      <a:accent5>
+        <a:srgbClr val="5B9BD5"/>
+      </a:accent5>
+      <a:accent6>
+        <a:srgbClr val="70AD47"/>
+      </a:accent6>
+      <a:hlink>
+        <a:srgbClr val="0563C1"/>
+      </a:hlink>
+      <a:folHlink>
+        <a:srgbClr val="954F72"/>
+      </a:folHlink>
+    </a:clrScheme>
+    <a:fontScheme name="Office">
+      <a:majorFont>
+        <a:latin typeface="Calibri Light" panose="020F0302020204030204"/>
+        <a:ea typeface=""/>
+        <a:cs typeface=""/>
+        <a:font script="Jpan" typeface="游ゴシック Light"/>
+        <a:font script="Hang" typeface="맑은 고딕"/>
+        <a:font script="Hans" typeface="等线 Light"/>
+        <a:font script="Hant" typeface="新細明體"/>
+        <a:font script="Arab" typeface="Times New Roman"/>
+        <a:font script="Hebr" typeface="Times New Roman"/>
+        <a:font script="Thai" typeface="Angsana New"/>
+        <a:font script="Ethi" typeface="Nyala"/>
+        <a:font script="Beng" typeface="Vrinda"/>
+        <a:font script="Gujr" typeface="Shruti"/>
+        <a:font script="Khmr" typeface="MoolBoran"/>
+        <a:font script="Knda" typeface="Tunga"/>
+        <a:font script="Guru" typeface="Raavi"/>
+        <a:font script="Cans" typeface="Euphemia"/>
+        <a:font script="Cher" typeface="Plantagenet Cherokee"/>
+        <a:font script="Yiii" typeface="Microsoft Yi Baiti"/>
+        <a:font script="Tibt" typeface="Microsoft Himalaya"/>
+        <a:font script="Thaa" typeface="MV Boli"/>
+        <a:font script="Deva" typeface="Mangal"/>
+        <a:font script="Telu" typeface="Gautami"/>
+        <a:font script="Taml" typeface="Latha"/>
+        <a:font script="Syrc" typeface="Estrangelo Edessa"/>
+        <a:font script="Orya" typeface="Kalinga"/>
+        <a:font script="Mlym" typeface="Kartika"/>
+        <a:font script="Laoo" typeface="DokChampa"/>
+        <a:font script="Sinh" typeface="Iskoola Pota"/>
+        <a:font script="Mong" typeface="Mongolian Baiti"/>
+        <a:font script="Viet" typeface="Times New Roman"/>
+        <a:font script="Uigh" typeface="Microsoft Uighur"/>
+        <a:font script="Geor" typeface="Sylfaen"/>
+        <a:font script="Armn" typeface="Arial"/>
+        <a:font script="Bugi" typeface="Leelawadee UI"/>
+        <a:font script="Bopo" typeface="Microsoft JhengHei"/>
+        <a:font script="Java" typeface="Javanese Text"/>
+        <a:font script="Lisu" typeface="Segoe UI"/>
+        <a:font script="Mymr" typeface="Myanmar Text"/>
+        <a:font script="Nkoo" typeface="Ebrima"/>
+        <a:font script="Olck" typeface="Nirmala UI"/>
+        <a:font script="Osma" typeface="Ebrima"/>
+        <a:font script="Phag" typeface="Phagspa"/>
+        <a:font script="Syrn" typeface="Estrangelo Edessa"/>
+        <a:font script="Syrj" typeface="Estrangelo Edessa"/>
+        <a:font script="Syre" typeface="Estrangelo Edessa"/>
+        <a:font script="Sora" typeface="Nirmala UI"/>
+        <a:font script="Tale" typeface="Microsoft Tai Le"/>
+        <a:font script="Talu" typeface="Microsoft New Tai Lue"/>
+        <a:font script="Tfng" typeface="Ebrima"/>
+      </a:majorFont>
+      <a:minorFont>
+        <a:latin typeface="Calibri" panose="020F0502020204030204"/>
+        <a:ea typeface=""/>
+        <a:cs typeface=""/>
+        <a:font script="Jpan" typeface="游ゴシック"/>
+        <a:font script="Hang" typeface="맑은 고딕"/>
+        <a:font script="Hans" typeface="等线"/>
+        <a:font script="Hant" typeface="新細明體"/>
+        <a:font script="Arab" typeface="Arial"/>
+        <a:font script="Hebr" typeface="Arial"/>
+        <a:font script="Thai" typeface="Cordia New"/>
+        <a:font script="Ethi" typeface="Nyala"/>
+        <a:font script="Beng" typeface="Vrinda"/>
+        <a:font script="Gujr" typeface="Shruti"/>
+        <a:font script="Khmr" typeface="DaunPenh"/>
+        <a:font script="Knda" typeface="Tunga"/>
+        <a:font script="Guru" typeface="Raavi"/>
+        <a:font script="Cans" typeface="Euphemia"/>
+        <a:font script="Cher" typeface="Plantagenet Cherokee"/>
+        <a:font script="Yiii" typeface="Microsoft Yi Baiti"/>
+        <a:font script="Tibt" typeface="Microsoft Himalaya"/>
+        <a:font script="Thaa" typeface="MV Boli"/>
+        <a:font script="Deva" typeface="Mangal"/>
+        <a:font script="Telu" typeface="Gautami"/>
+        <a:font script="Taml" typeface="Latha"/>
+        <a:font script="Syrc" typeface="Estrangelo Edessa"/>
+        <a:font script="Orya" typeface="Kalinga"/>
+        <a:font script="Mlym" typeface="Kartika"/>
+        <a:font script="Laoo" typeface="DokChampa"/>
+        <a:font script="Sinh" typeface="Iskoola Pota"/>
+        <a:font script="Mong" typeface="Mongolian Baiti"/>
+        <a:font script="Viet" typeface="Arial"/>
+        <a:font script="Uigh" typeface="Microsoft Uighur"/>
+        <a:font script="Geor" typeface="Sylfaen"/>
+        <a:font script="Armn" typeface="Arial"/>
+        <a:font script="Bugi" typeface="Leelawadee UI"/>
+        <a:font script="Bopo" typeface="Microsoft JhengHei"/>
+        <a:font script="Java" typeface="Javanese Text"/>
+        <a:font script="Lisu" typeface="Segoe UI"/>
+        <a:font script="Mymr" typeface="Myanmar Text"/>
+        <a:font script="Nkoo" typeface="Ebrima"/>
+        <a:font script="Olck" typeface="Nirmala UI"/>
+        <a:font script="Osma" typeface="Ebrima"/>
+        <a:font script="Phag" typeface="Phagspa"/>
+        <a:font script="Syrn" typeface="Estrangelo Edessa"/>
+        <a:font script="Syrj" typeface="Estrangelo Edessa"/>
+        <a:font script="Syre" typeface="Estrangelo Edessa"/>
+        <a:font script="Sora" typeface="Nirmala UI"/>
+        <a:font script="Tale" typeface="Microsoft Tai Le"/>
+        <a:font script="Talu" typeface="Microsoft New Tai Lue"/>
+        <a:font script="Tfng" typeface="Ebrima"/>
+      </a:minorFont>
+    </a:fontScheme>
+    <a:fmtScheme name="Office">
+      <a:fillStyleLst>
+        <a:solidFill>
+          <a:schemeClr val="phClr"/>
+        </a:solidFill>
+        <a:gradFill rotWithShape="1">
+          <a:gsLst>
+            <a:gs pos="0">
+              <a:schemeClr val="phClr">
+                <a:lumMod val="110000"/>
+                <a:satMod val="105000"/>
+                <a:tint val="67000"/>
+              </a:schemeClr>
+            </a:gs>
+            <a:gs pos="50000">
+              <a:schemeClr val="phClr">
+                <a:lumMod val="105000"/>
+                <a:satMod val="103000"/>
+                <a:tint val="73000"/>
+              </a:schemeClr>
+            </a:gs>
+            <a:gs pos="100000">
+              <a:schemeClr val="phClr">
+                <a:lumMod val="105000"/>
+                <a:satMod val="109000"/>
+                <a:tint val="81000"/>
+              </a:schemeClr>
+            </a:gs>
+          </a:gsLst>
+          <a:lin ang="5400000" scaled="0"/>
+        </a:gradFill>
+        <a:gradFill rotWithShape="1">
+          <a:gsLst>
+            <a:gs pos="0">
+              <a:schemeClr val="phClr">
+                <a:satMod val="103000"/>
+                <a:lumMod val="102000"/>
+                <a:tint val="94000"/>
+              </a:schemeClr>
+            </a:gs>
+            <a:gs pos="50000">
+              <a:schemeClr val="phClr">
+                <a:satMod val="110000"/>
+                <a:lumMod val="100000"/>
+                <a:shade val="100000"/>
+              </a:schemeClr>
+            </a:gs>
+            <a:gs pos="100000">
+              <a:schemeClr val="phClr">
+                <a:lumMod val="99000"/>
+                <a:satMod val="120000"/>
+                <a:shade val="78000"/>
+              </a:schemeClr>
+            </a:gs>
+          </a:gsLst>
+          <a:lin ang="5400000" scaled="0"/>
+        </a:gradFill>
+      </a:fillStyleLst>
+      <a:lnStyleLst>
+        <a:ln w="6350" cap="flat" cmpd="sng" algn="ctr">
+          <a:solidFill>
+            <a:schemeClr val="phClr"/>
+          </a:solidFill>
+          <a:prstDash val="solid"/>
+          <a:miter lim="800000"/>
+        </a:ln>
+        <a:ln w="12700" cap="flat" cmpd="sng" algn="ctr">
+          <a:solidFill>
+            <a:schemeClr val="phClr"/>
+          </a:solidFill>
+          <a:prstDash val="solid"/>
+          <a:miter lim="800000"/>
+        </a:ln>
+        <a:ln w="19050" cap="flat" cmpd="sng" algn="ctr">
+          <a:solidFill>
+            <a:schemeClr val="phClr"/>
+          </a:solidFill>
+          <a:prstDash val="solid"/>
+          <a:miter lim="800000"/>
+        </a:ln>
+      </a:lnStyleLst>
+      <a:effectStyleLst>
+        <a:effectStyle>
+          <a:effectLst/>
+        </a:effectStyle>
+        <a:effectStyle>
+          <a:effectLst/>
+        </a:effectStyle>
+        <a:effectStyle>
+          <a:effectLst>
+            <a:outerShdw blurRad="57150" dist="19050" dir="5400000" algn="ctr" rotWithShape="0">
+              <a:srgbClr val="000000">
+                <a:alpha val="63000"/>
+              </a:srgbClr>
+            </a:outerShdw>
+          </a:effectLst>
+        </a:effectStyle>
+      </a:effectStyleLst>
+      <a:bgFillStyleLst>
+        <a:solidFill>
+          <a:schemeClr val="phClr"/>
+        </a:solidFill>
+        <a:solidFill>
+          <a:schemeClr val="phClr">
+            <a:tint val="95000"/>
+            <a:satMod val="170000"/>
+          </a:schemeClr>
+        </a:solidFill>
+        <a:gradFill rotWithShape="1">
+          <a:gsLst>
+            <a:gs pos="0">
+              <a:schemeClr val="phClr">
+                <a:tint val="93000"/>
+                <a:satMod val="150000"/>
+                <a:shade val="98000"/>
+                <a:lumMod val="102000"/>
+              </a:schemeClr>
+            </a:gs>
+            <a:gs pos="50000">
+              <a:schemeClr val="phClr">
+                <a:tint val="98000"/>
+                <a:satMod val="130000"/>
+                <a:shade val="90000"/>
+                <a:lumMod val="103000"/>
+              </a:schemeClr>
+            </a:gs>
+            <a:gs pos="100000">
+              <a:schemeClr val="phClr">
+                <a:shade val="63000"/>
+                <a:satMod val="120000"/>
+              </a:schemeClr>
+            </a:gs>
+          </a:gsLst>
+          <a:lin ang="5400000" scaled="0"/>
+        </a:gradFill>
+      </a:bgFillStyleLst>
+    </a:fmtScheme>
+  </a:themeElements>
+  <a:objectDefaults/>
+  <a:extraClrSchemeLst/>
+  <a:extLst>
+    <a:ext uri="{05A4C25C-085E-4340-85A3-A5531E510DB2}">
+      <thm15:themeFamily xmlns:thm15="http://schemas.microsoft.com/office/thememl/2012/main" name="Office Theme" id="{62F939B6-93AF-4DB8-9C6B-D6C7DFDC589F}" vid="{4A3C46E8-61CC-4603-A589-7422A47A8E4A}"/>
+    </a:ext>
+  </a:extLst>
+</a:theme>
 </file>
--- a/doc/designDoc.pptx
+++ b/doc/designDoc.pptx
@@ -4162,7 +4162,7 @@
         </p:nvSpPr>
         <p:spPr>
           <a:xfrm>
-            <a:off x="8710296" y="1445201"/>
+            <a:off x="8676458" y="1445201"/>
             <a:ext cx="956953" cy="512956"/>
           </a:xfrm>
           <a:prstGeom prst="cloud">
@@ -5155,8 +5155,8 @@
         </p:nvCxnSpPr>
         <p:spPr>
           <a:xfrm flipH="1" flipV="1">
-            <a:off x="3848194" y="4131288"/>
-            <a:ext cx="1982278" cy="1163834"/>
+            <a:off x="3865678" y="4150721"/>
+            <a:ext cx="1964794" cy="1144401"/>
           </a:xfrm>
           <a:prstGeom prst="straightConnector1">
             <a:avLst/>
@@ -7132,7 +7132,7 @@
         </p:nvCxnSpPr>
         <p:spPr>
           <a:xfrm rot="5400000" flipH="1" flipV="1">
-            <a:off x="6037091" y="2601996"/>
+            <a:off x="6003253" y="2601996"/>
             <a:ext cx="3796066" cy="2507297"/>
           </a:xfrm>
           <a:prstGeom prst="bentConnector3">
@@ -7719,7 +7719,7 @@
         </p:blipFill>
         <p:spPr>
           <a:xfrm>
-            <a:off x="5995407" y="3314576"/>
+            <a:off x="5995407" y="3425890"/>
             <a:ext cx="254941" cy="254941"/>
           </a:xfrm>
           <a:prstGeom prst="rect">
@@ -7749,8 +7749,8 @@
         </p:nvCxnSpPr>
         <p:spPr>
           <a:xfrm flipH="1">
-            <a:off x="3865814" y="3442047"/>
-            <a:ext cx="2129593" cy="547629"/>
+            <a:off x="3844195" y="3553361"/>
+            <a:ext cx="2151212" cy="386543"/>
           </a:xfrm>
           <a:prstGeom prst="straightConnector1">
             <a:avLst/>
